--- a/model/PROJET UML.pptx
+++ b/model/PROJET UML.pptx
@@ -7,25 +7,22 @@
   <p:sldIdLst>
     <p:sldId id="256" r:id="rId2"/>
     <p:sldId id="257" r:id="rId3"/>
-    <p:sldId id="265" r:id="rId4"/>
-    <p:sldId id="273" r:id="rId5"/>
-    <p:sldId id="258" r:id="rId6"/>
-    <p:sldId id="259" r:id="rId7"/>
-    <p:sldId id="271" r:id="rId8"/>
-    <p:sldId id="260" r:id="rId9"/>
-    <p:sldId id="262" r:id="rId10"/>
-    <p:sldId id="261" r:id="rId11"/>
-    <p:sldId id="267" r:id="rId12"/>
-    <p:sldId id="274" r:id="rId13"/>
-    <p:sldId id="275" r:id="rId14"/>
-    <p:sldId id="276" r:id="rId15"/>
+    <p:sldId id="273" r:id="rId4"/>
+    <p:sldId id="258" r:id="rId5"/>
+    <p:sldId id="259" r:id="rId6"/>
+    <p:sldId id="271" r:id="rId7"/>
+    <p:sldId id="260" r:id="rId8"/>
+    <p:sldId id="262" r:id="rId9"/>
+    <p:sldId id="261" r:id="rId10"/>
+    <p:sldId id="267" r:id="rId11"/>
+    <p:sldId id="274" r:id="rId12"/>
+    <p:sldId id="275" r:id="rId13"/>
+    <p:sldId id="276" r:id="rId14"/>
+    <p:sldId id="277" r:id="rId15"/>
     <p:sldId id="268" r:id="rId16"/>
     <p:sldId id="270" r:id="rId17"/>
     <p:sldId id="269" r:id="rId18"/>
-    <p:sldId id="263" r:id="rId19"/>
-    <p:sldId id="272" r:id="rId20"/>
-    <p:sldId id="266" r:id="rId21"/>
-    <p:sldId id="264" r:id="rId22"/>
+    <p:sldId id="264" r:id="rId19"/>
   </p:sldIdLst>
   <p:sldSz cx="12192000" cy="6858000"/>
   <p:notesSz cx="6858000" cy="9144000"/>
@@ -263,7 +260,7 @@
           <a:p>
             <a:fld id="{E158301B-182D-4E61-84B6-FF5DDCCEA702}" type="datetimeFigureOut">
               <a:rPr lang="fr-FR" smtClean="0"/>
-              <a:t>26/05/2021</a:t>
+              <a:t>28/05/2021</a:t>
             </a:fld>
             <a:endParaRPr lang="fr-FR"/>
           </a:p>
@@ -433,7 +430,7 @@
           <a:p>
             <a:fld id="{E158301B-182D-4E61-84B6-FF5DDCCEA702}" type="datetimeFigureOut">
               <a:rPr lang="fr-FR" smtClean="0"/>
-              <a:t>26/05/2021</a:t>
+              <a:t>28/05/2021</a:t>
             </a:fld>
             <a:endParaRPr lang="fr-FR"/>
           </a:p>
@@ -613,7 +610,7 @@
           <a:p>
             <a:fld id="{E158301B-182D-4E61-84B6-FF5DDCCEA702}" type="datetimeFigureOut">
               <a:rPr lang="fr-FR" smtClean="0"/>
-              <a:t>26/05/2021</a:t>
+              <a:t>28/05/2021</a:t>
             </a:fld>
             <a:endParaRPr lang="fr-FR"/>
           </a:p>
@@ -783,7 +780,7 @@
           <a:p>
             <a:fld id="{E158301B-182D-4E61-84B6-FF5DDCCEA702}" type="datetimeFigureOut">
               <a:rPr lang="fr-FR" smtClean="0"/>
-              <a:t>26/05/2021</a:t>
+              <a:t>28/05/2021</a:t>
             </a:fld>
             <a:endParaRPr lang="fr-FR"/>
           </a:p>
@@ -1029,7 +1026,7 @@
           <a:p>
             <a:fld id="{E158301B-182D-4E61-84B6-FF5DDCCEA702}" type="datetimeFigureOut">
               <a:rPr lang="fr-FR" smtClean="0"/>
-              <a:t>26/05/2021</a:t>
+              <a:t>28/05/2021</a:t>
             </a:fld>
             <a:endParaRPr lang="fr-FR"/>
           </a:p>
@@ -1261,7 +1258,7 @@
           <a:p>
             <a:fld id="{E158301B-182D-4E61-84B6-FF5DDCCEA702}" type="datetimeFigureOut">
               <a:rPr lang="fr-FR" smtClean="0"/>
-              <a:t>26/05/2021</a:t>
+              <a:t>28/05/2021</a:t>
             </a:fld>
             <a:endParaRPr lang="fr-FR"/>
           </a:p>
@@ -1628,7 +1625,7 @@
           <a:p>
             <a:fld id="{E158301B-182D-4E61-84B6-FF5DDCCEA702}" type="datetimeFigureOut">
               <a:rPr lang="fr-FR" smtClean="0"/>
-              <a:t>26/05/2021</a:t>
+              <a:t>28/05/2021</a:t>
             </a:fld>
             <a:endParaRPr lang="fr-FR"/>
           </a:p>
@@ -1746,7 +1743,7 @@
           <a:p>
             <a:fld id="{E158301B-182D-4E61-84B6-FF5DDCCEA702}" type="datetimeFigureOut">
               <a:rPr lang="fr-FR" smtClean="0"/>
-              <a:t>26/05/2021</a:t>
+              <a:t>28/05/2021</a:t>
             </a:fld>
             <a:endParaRPr lang="fr-FR"/>
           </a:p>
@@ -1841,7 +1838,7 @@
           <a:p>
             <a:fld id="{E158301B-182D-4E61-84B6-FF5DDCCEA702}" type="datetimeFigureOut">
               <a:rPr lang="fr-FR" smtClean="0"/>
-              <a:t>26/05/2021</a:t>
+              <a:t>28/05/2021</a:t>
             </a:fld>
             <a:endParaRPr lang="fr-FR"/>
           </a:p>
@@ -2118,7 +2115,7 @@
           <a:p>
             <a:fld id="{E158301B-182D-4E61-84B6-FF5DDCCEA702}" type="datetimeFigureOut">
               <a:rPr lang="fr-FR" smtClean="0"/>
-              <a:t>26/05/2021</a:t>
+              <a:t>28/05/2021</a:t>
             </a:fld>
             <a:endParaRPr lang="fr-FR"/>
           </a:p>
@@ -2371,7 +2368,7 @@
           <a:p>
             <a:fld id="{E158301B-182D-4E61-84B6-FF5DDCCEA702}" type="datetimeFigureOut">
               <a:rPr lang="fr-FR" smtClean="0"/>
-              <a:t>26/05/2021</a:t>
+              <a:t>28/05/2021</a:t>
             </a:fld>
             <a:endParaRPr lang="fr-FR"/>
           </a:p>
@@ -2584,7 +2581,7 @@
           <a:p>
             <a:fld id="{E158301B-182D-4E61-84B6-FF5DDCCEA702}" type="datetimeFigureOut">
               <a:rPr lang="fr-FR" smtClean="0"/>
-              <a:t>26/05/2021</a:t>
+              <a:t>28/05/2021</a:t>
             </a:fld>
             <a:endParaRPr lang="fr-FR"/>
           </a:p>
@@ -3254,23 +3251,116 @@
             <p:ph type="title"/>
           </p:nvPr>
         </p:nvSpPr>
-        <p:spPr/>
-        <p:txBody>
-          <a:bodyPr/>
+        <p:spPr>
+          <a:xfrm>
+            <a:off x="838200" y="252582"/>
+            <a:ext cx="10515600" cy="942205"/>
+          </a:xfrm>
+        </p:spPr>
+        <p:txBody>
+          <a:bodyPr>
+            <a:normAutofit/>
+          </a:bodyPr>
           <a:lstStyle/>
           <a:p>
             <a:pPr algn="ctr"/>
             <a:r>
-              <a:rPr lang="fr-FR" b="1" dirty="0" smtClean="0">
+              <a:rPr lang="fr-FR" b="1" dirty="0">
                 <a:solidFill>
                   <a:srgbClr val="FF0000"/>
                 </a:solidFill>
                 <a:latin typeface="Times New Roman" panose="02020603050405020304" pitchFamily="18" charset="0"/>
                 <a:cs typeface="Times New Roman" panose="02020603050405020304" pitchFamily="18" charset="0"/>
               </a:rPr>
-              <a:t>UML DIAGRAMS</a:t>
-            </a:r>
-            <a:endParaRPr lang="fr-FR" b="1" dirty="0">
+              <a:t>CLASS DIAGRAM</a:t>
+            </a:r>
+          </a:p>
+        </p:txBody>
+      </p:sp>
+      <p:sp>
+        <p:nvSpPr>
+          <p:cNvPr id="3" name="Espace réservé du contenu 2"/>
+          <p:cNvSpPr>
+            <a:spLocks noGrp="1"/>
+          </p:cNvSpPr>
+          <p:nvPr>
+            <p:ph idx="1"/>
+          </p:nvPr>
+        </p:nvSpPr>
+        <p:spPr/>
+        <p:txBody>
+          <a:bodyPr/>
+          <a:lstStyle/>
+          <a:p>
+            <a:pPr marL="0" indent="0">
+              <a:buNone/>
+            </a:pPr>
+            <a:endParaRPr lang="fr-FR" dirty="0" smtClean="0"/>
+          </a:p>
+          <a:p>
+            <a:pPr marL="0" indent="0">
+              <a:buNone/>
+            </a:pPr>
+            <a:endParaRPr lang="fr-FR" dirty="0"/>
+          </a:p>
+        </p:txBody>
+      </p:sp>
+      <p:sp>
+        <p:nvSpPr>
+          <p:cNvPr id="7" name="Titre 1"/>
+          <p:cNvSpPr txBox="1">
+            <a:spLocks/>
+          </p:cNvSpPr>
+          <p:nvPr/>
+        </p:nvSpPr>
+        <p:spPr>
+          <a:xfrm>
+            <a:off x="600222" y="1541924"/>
+            <a:ext cx="2186354" cy="579021"/>
+          </a:xfrm>
+          <a:prstGeom prst="rect">
+            <a:avLst/>
+          </a:prstGeom>
+        </p:spPr>
+        <p:txBody>
+          <a:bodyPr vert="horz" lIns="91440" tIns="45720" rIns="91440" bIns="45720" rtlCol="0" anchor="ctr">
+            <a:noAutofit/>
+          </a:bodyPr>
+          <a:lstStyle>
+            <a:lvl1pPr algn="l" defTabSz="914400" rtl="0" eaLnBrk="1" latinLnBrk="0" hangingPunct="1">
+              <a:lnSpc>
+                <a:spcPct val="90000"/>
+              </a:lnSpc>
+              <a:spcBef>
+                <a:spcPct val="0"/>
+              </a:spcBef>
+              <a:buNone/>
+              <a:defRPr sz="4400" kern="1200">
+                <a:solidFill>
+                  <a:schemeClr val="tx1"/>
+                </a:solidFill>
+                <a:latin typeface="+mj-lt"/>
+                <a:ea typeface="+mj-ea"/>
+                <a:cs typeface="+mj-cs"/>
+              </a:defRPr>
+            </a:lvl1pPr>
+          </a:lstStyle>
+          <a:p>
+            <a:pPr marL="457200" indent="-457200" algn="ctr">
+              <a:buFont typeface="+mj-lt"/>
+              <a:buAutoNum type="arabicPeriod"/>
+            </a:pPr>
+            <a:r>
+              <a:rPr lang="fr-FR" sz="2500" b="1" dirty="0" smtClean="0">
+                <a:solidFill>
+                  <a:srgbClr val="FF0000"/>
+                </a:solidFill>
+                <a:latin typeface="Times New Roman" panose="02020603050405020304" pitchFamily="18" charset="0"/>
+                <a:cs typeface="Times New Roman" panose="02020603050405020304" pitchFamily="18" charset="0"/>
+              </a:rPr>
+              <a:t>Main</a:t>
+            </a:r>
+            <a:endParaRPr lang="fr-FR" sz="2500" b="1" dirty="0">
               <a:solidFill>
                 <a:srgbClr val="FF0000"/>
               </a:solidFill>
@@ -3282,104 +3372,84 @@
       </p:sp>
       <p:sp>
         <p:nvSpPr>
-          <p:cNvPr id="3" name="Espace réservé du contenu 2"/>
-          <p:cNvSpPr>
-            <a:spLocks noGrp="1"/>
-          </p:cNvSpPr>
-          <p:nvPr>
-            <p:ph idx="1"/>
-          </p:nvPr>
-        </p:nvSpPr>
-        <p:spPr/>
-        <p:txBody>
-          <a:bodyPr>
-            <a:normAutofit/>
+          <p:cNvPr id="8" name="Titre 1"/>
+          <p:cNvSpPr txBox="1">
+            <a:spLocks/>
+          </p:cNvSpPr>
+          <p:nvPr/>
+        </p:nvSpPr>
+        <p:spPr>
+          <a:xfrm>
+            <a:off x="8431236" y="2481826"/>
+            <a:ext cx="2186354" cy="579021"/>
+          </a:xfrm>
+          <a:prstGeom prst="rect">
+            <a:avLst/>
+          </a:prstGeom>
+        </p:spPr>
+        <p:txBody>
+          <a:bodyPr vert="horz" lIns="91440" tIns="45720" rIns="91440" bIns="45720" rtlCol="0" anchor="ctr">
+            <a:noAutofit/>
           </a:bodyPr>
-          <a:lstStyle/>
-          <a:p>
-            <a:r>
-              <a:rPr lang="pt-BR" b="1" dirty="0">
-                <a:latin typeface="Times New Roman" panose="02020603050405020304" pitchFamily="18" charset="0"/>
-                <a:cs typeface="Times New Roman" panose="02020603050405020304" pitchFamily="18" charset="0"/>
-              </a:rPr>
-              <a:t>Class </a:t>
-            </a:r>
-            <a:r>
-              <a:rPr lang="pt-BR" b="1" dirty="0" smtClean="0">
-                <a:latin typeface="Times New Roman" panose="02020603050405020304" pitchFamily="18" charset="0"/>
-                <a:cs typeface="Times New Roman" panose="02020603050405020304" pitchFamily="18" charset="0"/>
-              </a:rPr>
-              <a:t>diagrams</a:t>
-            </a:r>
-          </a:p>
-          <a:p>
-            <a:endParaRPr lang="pt-BR" b="1" dirty="0">
+          <a:lstStyle>
+            <a:lvl1pPr algn="l" defTabSz="914400" rtl="0" eaLnBrk="1" latinLnBrk="0" hangingPunct="1">
+              <a:lnSpc>
+                <a:spcPct val="90000"/>
+              </a:lnSpc>
+              <a:spcBef>
+                <a:spcPct val="0"/>
+              </a:spcBef>
+              <a:buNone/>
+              <a:defRPr sz="4400" kern="1200">
+                <a:solidFill>
+                  <a:schemeClr val="tx1"/>
+                </a:solidFill>
+                <a:latin typeface="+mj-lt"/>
+                <a:ea typeface="+mj-ea"/>
+                <a:cs typeface="+mj-cs"/>
+              </a:defRPr>
+            </a:lvl1pPr>
+          </a:lstStyle>
+          <a:p>
+            <a:pPr algn="ctr"/>
+            <a:endParaRPr lang="fr-FR" sz="2500" b="1" dirty="0">
+              <a:solidFill>
+                <a:srgbClr val="FF0000"/>
+              </a:solidFill>
               <a:latin typeface="Times New Roman" panose="02020603050405020304" pitchFamily="18" charset="0"/>
               <a:cs typeface="Times New Roman" panose="02020603050405020304" pitchFamily="18" charset="0"/>
             </a:endParaRPr>
           </a:p>
-          <a:p>
-            <a:r>
-              <a:rPr lang="pt-BR" b="1" dirty="0">
-                <a:latin typeface="Times New Roman" panose="02020603050405020304" pitchFamily="18" charset="0"/>
-                <a:cs typeface="Times New Roman" panose="02020603050405020304" pitchFamily="18" charset="0"/>
-              </a:rPr>
-              <a:t>Package </a:t>
-            </a:r>
-            <a:r>
-              <a:rPr lang="pt-BR" b="1" dirty="0" smtClean="0">
-                <a:latin typeface="Times New Roman" panose="02020603050405020304" pitchFamily="18" charset="0"/>
-                <a:cs typeface="Times New Roman" panose="02020603050405020304" pitchFamily="18" charset="0"/>
-              </a:rPr>
-              <a:t>diagram</a:t>
-            </a:r>
-          </a:p>
-          <a:p>
-            <a:endParaRPr lang="pt-BR" b="1" dirty="0">
-              <a:latin typeface="Times New Roman" panose="02020603050405020304" pitchFamily="18" charset="0"/>
-              <a:cs typeface="Times New Roman" panose="02020603050405020304" pitchFamily="18" charset="0"/>
-            </a:endParaRPr>
-          </a:p>
-          <a:p>
-            <a:r>
-              <a:rPr lang="pt-BR" b="1" dirty="0">
-                <a:latin typeface="Times New Roman" panose="02020603050405020304" pitchFamily="18" charset="0"/>
-                <a:cs typeface="Times New Roman" panose="02020603050405020304" pitchFamily="18" charset="0"/>
-              </a:rPr>
-              <a:t>Sequence </a:t>
-            </a:r>
-            <a:r>
-              <a:rPr lang="pt-BR" b="1" dirty="0" smtClean="0">
-                <a:latin typeface="Times New Roman" panose="02020603050405020304" pitchFamily="18" charset="0"/>
-                <a:cs typeface="Times New Roman" panose="02020603050405020304" pitchFamily="18" charset="0"/>
-              </a:rPr>
-              <a:t>diagram</a:t>
-            </a:r>
-          </a:p>
-          <a:p>
-            <a:endParaRPr lang="pt-BR" b="1" dirty="0">
-              <a:latin typeface="Times New Roman" panose="02020603050405020304" pitchFamily="18" charset="0"/>
-              <a:cs typeface="Times New Roman" panose="02020603050405020304" pitchFamily="18" charset="0"/>
-            </a:endParaRPr>
-          </a:p>
-          <a:p>
-            <a:r>
-              <a:rPr lang="pt-BR" b="1" dirty="0">
-                <a:latin typeface="Times New Roman" panose="02020603050405020304" pitchFamily="18" charset="0"/>
-                <a:cs typeface="Times New Roman" panose="02020603050405020304" pitchFamily="18" charset="0"/>
-              </a:rPr>
-              <a:t>Component diagram</a:t>
-            </a:r>
-          </a:p>
-          <a:p>
-            <a:endParaRPr lang="fr-FR" dirty="0"/>
-          </a:p>
-        </p:txBody>
-      </p:sp>
+        </p:txBody>
+      </p:sp>
+      <p:pic>
+        <p:nvPicPr>
+          <p:cNvPr id="5" name="Image 4"/>
+          <p:cNvPicPr>
+            <a:picLocks noChangeAspect="1"/>
+          </p:cNvPicPr>
+          <p:nvPr/>
+        </p:nvPicPr>
+        <p:blipFill>
+          <a:blip r:embed="rId2"/>
+          <a:stretch>
+            <a:fillRect/>
+          </a:stretch>
+        </p:blipFill>
+        <p:spPr>
+          <a:xfrm>
+            <a:off x="3506152" y="1766887"/>
+            <a:ext cx="5591175" cy="4086225"/>
+          </a:xfrm>
+          <a:prstGeom prst="rect">
+            <a:avLst/>
+          </a:prstGeom>
+        </p:spPr>
+      </p:pic>
     </p:spTree>
     <p:extLst>
       <p:ext uri="{BB962C8B-B14F-4D97-AF65-F5344CB8AC3E}">
-        <p14:creationId xmlns:p14="http://schemas.microsoft.com/office/powerpoint/2010/main" val="1758608868"/>
+        <p14:creationId xmlns:p14="http://schemas.microsoft.com/office/powerpoint/2010/main" val="3767860512"/>
       </p:ext>
     </p:extLst>
   </p:cSld>
@@ -3415,71 +3485,7 @@
       </p:grpSpPr>
       <p:sp>
         <p:nvSpPr>
-          <p:cNvPr id="2" name="Titre 1"/>
-          <p:cNvSpPr>
-            <a:spLocks noGrp="1"/>
-          </p:cNvSpPr>
-          <p:nvPr>
-            <p:ph type="title"/>
-          </p:nvPr>
-        </p:nvSpPr>
-        <p:spPr>
-          <a:xfrm>
-            <a:off x="838200" y="252582"/>
-            <a:ext cx="10515600" cy="942205"/>
-          </a:xfrm>
-        </p:spPr>
-        <p:txBody>
-          <a:bodyPr>
-            <a:normAutofit/>
-          </a:bodyPr>
-          <a:lstStyle/>
-          <a:p>
-            <a:pPr algn="ctr"/>
-            <a:r>
-              <a:rPr lang="fr-FR" b="1" dirty="0">
-                <a:solidFill>
-                  <a:srgbClr val="FF0000"/>
-                </a:solidFill>
-                <a:latin typeface="Times New Roman" panose="02020603050405020304" pitchFamily="18" charset="0"/>
-                <a:cs typeface="Times New Roman" panose="02020603050405020304" pitchFamily="18" charset="0"/>
-              </a:rPr>
-              <a:t>CLASS DIAGRAM</a:t>
-            </a:r>
-          </a:p>
-        </p:txBody>
-      </p:sp>
-      <p:sp>
-        <p:nvSpPr>
-          <p:cNvPr id="3" name="Espace réservé du contenu 2"/>
-          <p:cNvSpPr>
-            <a:spLocks noGrp="1"/>
-          </p:cNvSpPr>
-          <p:nvPr>
-            <p:ph idx="1"/>
-          </p:nvPr>
-        </p:nvSpPr>
-        <p:spPr/>
-        <p:txBody>
-          <a:bodyPr/>
-          <a:lstStyle/>
-          <a:p>
-            <a:pPr marL="0" indent="0">
-              <a:buNone/>
-            </a:pPr>
-            <a:endParaRPr lang="fr-FR" dirty="0" smtClean="0"/>
-          </a:p>
-          <a:p>
-            <a:pPr marL="0" indent="0">
-              <a:buNone/>
-            </a:pPr>
-            <a:endParaRPr lang="fr-FR" dirty="0"/>
-          </a:p>
-        </p:txBody>
-      </p:sp>
-      <p:sp>
-        <p:nvSpPr>
-          <p:cNvPr id="7" name="Titre 1"/>
+          <p:cNvPr id="5" name="Titre 1"/>
           <p:cNvSpPr txBox="1">
             <a:spLocks/>
           </p:cNvSpPr>
@@ -3487,7 +3493,7 @@
         </p:nvSpPr>
         <p:spPr>
           <a:xfrm>
-            <a:off x="600222" y="1541924"/>
+            <a:off x="1008185" y="492688"/>
             <a:ext cx="2186354" cy="579021"/>
           </a:xfrm>
           <a:prstGeom prst="rect">
@@ -3518,10 +3524,7 @@
             </a:lvl1pPr>
           </a:lstStyle>
           <a:p>
-            <a:pPr marL="457200" indent="-457200" algn="ctr">
-              <a:buFont typeface="+mj-lt"/>
-              <a:buAutoNum type="arabicPeriod"/>
-            </a:pPr>
+            <a:pPr algn="ctr"/>
             <a:r>
               <a:rPr lang="fr-FR" sz="2500" b="1" dirty="0" smtClean="0">
                 <a:solidFill>
@@ -3530,7 +3533,7 @@
                 <a:latin typeface="Times New Roman" panose="02020603050405020304" pitchFamily="18" charset="0"/>
                 <a:cs typeface="Times New Roman" panose="02020603050405020304" pitchFamily="18" charset="0"/>
               </a:rPr>
-              <a:t>Controller</a:t>
+              <a:t>2. Controller</a:t>
             </a:r>
             <a:endParaRPr lang="fr-FR" sz="2500" b="1" dirty="0">
               <a:solidFill>
@@ -3544,73 +3547,51 @@
       </p:sp>
       <p:sp>
         <p:nvSpPr>
-          <p:cNvPr id="8" name="Titre 1"/>
-          <p:cNvSpPr txBox="1">
-            <a:spLocks/>
-          </p:cNvSpPr>
+          <p:cNvPr id="4" name="Espace réservé du contenu 3"/>
+          <p:cNvSpPr>
+            <a:spLocks noGrp="1"/>
+          </p:cNvSpPr>
+          <p:nvPr>
+            <p:ph idx="1"/>
+          </p:nvPr>
+        </p:nvSpPr>
+        <p:spPr/>
+        <p:txBody>
+          <a:bodyPr/>
+          <a:lstStyle/>
+          <a:p>
+            <a:endParaRPr lang="fr-CA"/>
+          </a:p>
+        </p:txBody>
+      </p:sp>
+      <p:pic>
+        <p:nvPicPr>
+          <p:cNvPr id="6" name="Image 5"/>
+          <p:cNvPicPr>
+            <a:picLocks noChangeAspect="1"/>
+          </p:cNvPicPr>
           <p:nvPr/>
-        </p:nvSpPr>
-        <p:spPr>
-          <a:xfrm>
-            <a:off x="8431236" y="2481826"/>
-            <a:ext cx="2186354" cy="579021"/>
+        </p:nvPicPr>
+        <p:blipFill>
+          <a:blip r:embed="rId2"/>
+          <a:stretch>
+            <a:fillRect/>
+          </a:stretch>
+        </p:blipFill>
+        <p:spPr>
+          <a:xfrm>
+            <a:off x="2684145" y="1071709"/>
+            <a:ext cx="7753350" cy="5467350"/>
           </a:xfrm>
           <a:prstGeom prst="rect">
             <a:avLst/>
           </a:prstGeom>
         </p:spPr>
-        <p:txBody>
-          <a:bodyPr vert="horz" lIns="91440" tIns="45720" rIns="91440" bIns="45720" rtlCol="0" anchor="ctr">
-            <a:noAutofit/>
-          </a:bodyPr>
-          <a:lstStyle>
-            <a:lvl1pPr algn="l" defTabSz="914400" rtl="0" eaLnBrk="1" latinLnBrk="0" hangingPunct="1">
-              <a:lnSpc>
-                <a:spcPct val="90000"/>
-              </a:lnSpc>
-              <a:spcBef>
-                <a:spcPct val="0"/>
-              </a:spcBef>
-              <a:buNone/>
-              <a:defRPr sz="4400" kern="1200">
-                <a:solidFill>
-                  <a:schemeClr val="tx1"/>
-                </a:solidFill>
-                <a:latin typeface="+mj-lt"/>
-                <a:ea typeface="+mj-ea"/>
-                <a:cs typeface="+mj-cs"/>
-              </a:defRPr>
-            </a:lvl1pPr>
-          </a:lstStyle>
-          <a:p>
-            <a:pPr marL="457200" indent="-457200" algn="ctr">
-              <a:buFont typeface="+mj-lt"/>
-              <a:buAutoNum type="arabicPeriod" startAt="2"/>
-            </a:pPr>
-            <a:r>
-              <a:rPr lang="fr-FR" sz="2500" b="1" dirty="0" smtClean="0">
-                <a:solidFill>
-                  <a:srgbClr val="FF0000"/>
-                </a:solidFill>
-                <a:latin typeface="Times New Roman" panose="02020603050405020304" pitchFamily="18" charset="0"/>
-                <a:cs typeface="Times New Roman" panose="02020603050405020304" pitchFamily="18" charset="0"/>
-              </a:rPr>
-              <a:t>Main</a:t>
-            </a:r>
-            <a:endParaRPr lang="fr-FR" sz="2500" b="1" dirty="0">
-              <a:solidFill>
-                <a:srgbClr val="FF0000"/>
-              </a:solidFill>
-              <a:latin typeface="Times New Roman" panose="02020603050405020304" pitchFamily="18" charset="0"/>
-              <a:cs typeface="Times New Roman" panose="02020603050405020304" pitchFamily="18" charset="0"/>
-            </a:endParaRPr>
-          </a:p>
-        </p:txBody>
-      </p:sp>
+      </p:pic>
     </p:spTree>
     <p:extLst>
       <p:ext uri="{BB962C8B-B14F-4D97-AF65-F5344CB8AC3E}">
-        <p14:creationId xmlns:p14="http://schemas.microsoft.com/office/powerpoint/2010/main" val="3767860512"/>
+        <p14:creationId xmlns:p14="http://schemas.microsoft.com/office/powerpoint/2010/main" val="2307545816"/>
       </p:ext>
     </p:extLst>
   </p:cSld>
@@ -3646,7 +3627,7 @@
       </p:grpSpPr>
       <p:sp>
         <p:nvSpPr>
-          <p:cNvPr id="5" name="Titre 1"/>
+          <p:cNvPr id="6" name="Titre 1"/>
           <p:cNvSpPr txBox="1">
             <a:spLocks/>
           </p:cNvSpPr>
@@ -3654,7 +3635,7 @@
         </p:nvSpPr>
         <p:spPr>
           <a:xfrm>
-            <a:off x="1008185" y="492688"/>
+            <a:off x="431410" y="360238"/>
             <a:ext cx="2186354" cy="579021"/>
           </a:xfrm>
           <a:prstGeom prst="rect">
@@ -3687,7 +3668,7 @@
           <a:p>
             <a:pPr marL="457200" indent="-457200" algn="ctr">
               <a:buFont typeface="+mj-lt"/>
-              <a:buAutoNum type="arabicPeriod" startAt="3"/>
+              <a:buAutoNum type="arabicPeriod" startAt="4"/>
             </a:pPr>
             <a:r>
               <a:rPr lang="fr-FR" sz="2500" b="1" dirty="0" smtClean="0">
@@ -3697,7 +3678,7 @@
                 <a:latin typeface="Times New Roman" panose="02020603050405020304" pitchFamily="18" charset="0"/>
                 <a:cs typeface="Times New Roman" panose="02020603050405020304" pitchFamily="18" charset="0"/>
               </a:rPr>
-              <a:t>Controller</a:t>
+              <a:t>Model</a:t>
             </a:r>
             <a:endParaRPr lang="fr-FR" sz="2500" b="1" dirty="0">
               <a:solidFill>
@@ -3711,7 +3692,7 @@
       </p:sp>
       <p:sp>
         <p:nvSpPr>
-          <p:cNvPr id="2" name="Espace réservé du contenu 1"/>
+          <p:cNvPr id="4" name="Espace réservé du contenu 3"/>
           <p:cNvSpPr>
             <a:spLocks noGrp="1"/>
           </p:cNvSpPr>
@@ -3728,10 +3709,34 @@
           </a:p>
         </p:txBody>
       </p:sp>
+      <p:pic>
+        <p:nvPicPr>
+          <p:cNvPr id="5" name="Image 4"/>
+          <p:cNvPicPr>
+            <a:picLocks noChangeAspect="1"/>
+          </p:cNvPicPr>
+          <p:nvPr/>
+        </p:nvPicPr>
+        <p:blipFill>
+          <a:blip r:embed="rId2"/>
+          <a:stretch>
+            <a:fillRect/>
+          </a:stretch>
+        </p:blipFill>
+        <p:spPr>
+          <a:xfrm>
+            <a:off x="-121920" y="1186703"/>
+            <a:ext cx="12016740" cy="5370101"/>
+          </a:xfrm>
+          <a:prstGeom prst="rect">
+            <a:avLst/>
+          </a:prstGeom>
+        </p:spPr>
+      </p:pic>
     </p:spTree>
     <p:extLst>
       <p:ext uri="{BB962C8B-B14F-4D97-AF65-F5344CB8AC3E}">
-        <p14:creationId xmlns:p14="http://schemas.microsoft.com/office/powerpoint/2010/main" val="2307545816"/>
+        <p14:creationId xmlns:p14="http://schemas.microsoft.com/office/powerpoint/2010/main" val="2035497760"/>
       </p:ext>
     </p:extLst>
   </p:cSld>
@@ -3767,7 +3772,7 @@
       </p:grpSpPr>
       <p:sp>
         <p:nvSpPr>
-          <p:cNvPr id="6" name="Titre 1"/>
+          <p:cNvPr id="5" name="Titre 1"/>
           <p:cNvSpPr txBox="1">
             <a:spLocks/>
           </p:cNvSpPr>
@@ -3775,7 +3780,7 @@
         </p:nvSpPr>
         <p:spPr>
           <a:xfrm>
-            <a:off x="431410" y="360238"/>
+            <a:off x="717452" y="177357"/>
             <a:ext cx="2186354" cy="579021"/>
           </a:xfrm>
           <a:prstGeom prst="rect">
@@ -3808,7 +3813,7 @@
           <a:p>
             <a:pPr marL="457200" indent="-457200" algn="ctr">
               <a:buFont typeface="+mj-lt"/>
-              <a:buAutoNum type="arabicPeriod" startAt="4"/>
+              <a:buAutoNum type="arabicPeriod" startAt="5"/>
             </a:pPr>
             <a:r>
               <a:rPr lang="fr-FR" sz="2500" b="1" dirty="0" smtClean="0">
@@ -3818,7 +3823,7 @@
                 <a:latin typeface="Times New Roman" panose="02020603050405020304" pitchFamily="18" charset="0"/>
                 <a:cs typeface="Times New Roman" panose="02020603050405020304" pitchFamily="18" charset="0"/>
               </a:rPr>
-              <a:t>Model</a:t>
+              <a:t>View</a:t>
             </a:r>
             <a:endParaRPr lang="fr-FR" sz="2500" b="1" dirty="0">
               <a:solidFill>
@@ -3832,7 +3837,7 @@
       </p:sp>
       <p:sp>
         <p:nvSpPr>
-          <p:cNvPr id="2" name="Espace réservé du contenu 1"/>
+          <p:cNvPr id="4" name="Espace réservé du contenu 3"/>
           <p:cNvSpPr>
             <a:spLocks noGrp="1"/>
           </p:cNvSpPr>
@@ -3849,10 +3854,34 @@
           </a:p>
         </p:txBody>
       </p:sp>
+      <p:pic>
+        <p:nvPicPr>
+          <p:cNvPr id="6" name="Image 5"/>
+          <p:cNvPicPr>
+            <a:picLocks noChangeAspect="1"/>
+          </p:cNvPicPr>
+          <p:nvPr/>
+        </p:nvPicPr>
+        <p:blipFill>
+          <a:blip r:embed="rId2"/>
+          <a:stretch>
+            <a:fillRect/>
+          </a:stretch>
+        </p:blipFill>
+        <p:spPr>
+          <a:xfrm>
+            <a:off x="2959893" y="466867"/>
+            <a:ext cx="7262813" cy="6267450"/>
+          </a:xfrm>
+          <a:prstGeom prst="rect">
+            <a:avLst/>
+          </a:prstGeom>
+        </p:spPr>
+      </p:pic>
     </p:spTree>
     <p:extLst>
       <p:ext uri="{BB962C8B-B14F-4D97-AF65-F5344CB8AC3E}">
-        <p14:creationId xmlns:p14="http://schemas.microsoft.com/office/powerpoint/2010/main" val="2035497760"/>
+        <p14:creationId xmlns:p14="http://schemas.microsoft.com/office/powerpoint/2010/main" val="1344762639"/>
       </p:ext>
     </p:extLst>
   </p:cSld>
@@ -3888,60 +3917,32 @@
       </p:grpSpPr>
       <p:sp>
         <p:nvSpPr>
-          <p:cNvPr id="5" name="Titre 1"/>
-          <p:cNvSpPr txBox="1">
-            <a:spLocks/>
-          </p:cNvSpPr>
-          <p:nvPr/>
-        </p:nvSpPr>
-        <p:spPr>
-          <a:xfrm>
-            <a:off x="717452" y="177357"/>
-            <a:ext cx="2186354" cy="579021"/>
-          </a:xfrm>
-          <a:prstGeom prst="rect">
-            <a:avLst/>
-          </a:prstGeom>
-        </p:spPr>
-        <p:txBody>
-          <a:bodyPr vert="horz" lIns="91440" tIns="45720" rIns="91440" bIns="45720" rtlCol="0" anchor="ctr">
-            <a:noAutofit/>
+          <p:cNvPr id="2" name="Titre 1"/>
+          <p:cNvSpPr>
+            <a:spLocks noGrp="1"/>
+          </p:cNvSpPr>
+          <p:nvPr>
+            <p:ph type="title"/>
+          </p:nvPr>
+        </p:nvSpPr>
+        <p:spPr/>
+        <p:txBody>
+          <a:bodyPr>
+            <a:normAutofit/>
           </a:bodyPr>
-          <a:lstStyle>
-            <a:lvl1pPr algn="l" defTabSz="914400" rtl="0" eaLnBrk="1" latinLnBrk="0" hangingPunct="1">
-              <a:lnSpc>
-                <a:spcPct val="90000"/>
-              </a:lnSpc>
-              <a:spcBef>
-                <a:spcPct val="0"/>
-              </a:spcBef>
-              <a:buNone/>
-              <a:defRPr sz="4400" kern="1200">
-                <a:solidFill>
-                  <a:schemeClr val="tx1"/>
-                </a:solidFill>
-                <a:latin typeface="+mj-lt"/>
-                <a:ea typeface="+mj-ea"/>
-                <a:cs typeface="+mj-cs"/>
-              </a:defRPr>
-            </a:lvl1pPr>
-          </a:lstStyle>
-          <a:p>
-            <a:pPr marL="457200" indent="-457200" algn="ctr">
-              <a:buFont typeface="+mj-lt"/>
-              <a:buAutoNum type="arabicPeriod" startAt="5"/>
-            </a:pPr>
-            <a:r>
-              <a:rPr lang="fr-FR" sz="2500" b="1" dirty="0" smtClean="0">
+          <a:lstStyle/>
+          <a:p>
+            <a:r>
+              <a:rPr lang="fr-CA" sz="2500" b="1" dirty="0" smtClean="0">
                 <a:solidFill>
                   <a:srgbClr val="FF0000"/>
                 </a:solidFill>
                 <a:latin typeface="Times New Roman" panose="02020603050405020304" pitchFamily="18" charset="0"/>
                 <a:cs typeface="Times New Roman" panose="02020603050405020304" pitchFamily="18" charset="0"/>
               </a:rPr>
-              <a:t>View</a:t>
-            </a:r>
-            <a:endParaRPr lang="fr-FR" sz="2500" b="1" dirty="0">
+              <a:t>5.Entity</a:t>
+            </a:r>
+            <a:endParaRPr lang="fr-CA" sz="2500" b="1" dirty="0">
               <a:solidFill>
                 <a:srgbClr val="FF0000"/>
               </a:solidFill>
@@ -3953,7 +3954,7 @@
       </p:sp>
       <p:sp>
         <p:nvSpPr>
-          <p:cNvPr id="2" name="Espace réservé du contenu 1"/>
+          <p:cNvPr id="3" name="Espace réservé du contenu 2"/>
           <p:cNvSpPr>
             <a:spLocks noGrp="1"/>
           </p:cNvSpPr>
@@ -3963,30 +3964,58 @@
         </p:nvSpPr>
         <p:spPr/>
         <p:txBody>
-          <a:bodyPr/>
-          <a:lstStyle/>
-          <a:p>
-            <a:endParaRPr lang="fr-CA"/>
-          </a:p>
-        </p:txBody>
-      </p:sp>
+          <a:bodyPr>
+            <a:normAutofit/>
+          </a:bodyPr>
+          <a:lstStyle/>
+          <a:p>
+            <a:pPr marL="0" indent="0">
+              <a:buNone/>
+            </a:pPr>
+            <a:endParaRPr lang="fr-CA" sz="2500" dirty="0">
+              <a:solidFill>
+                <a:srgbClr val="FF0000"/>
+              </a:solidFill>
+              <a:latin typeface="Times New Roman" panose="02020603050405020304" pitchFamily="18" charset="0"/>
+              <a:cs typeface="Times New Roman" panose="02020603050405020304" pitchFamily="18" charset="0"/>
+            </a:endParaRPr>
+          </a:p>
+        </p:txBody>
+      </p:sp>
+      <p:pic>
+        <p:nvPicPr>
+          <p:cNvPr id="4" name="Image 3"/>
+          <p:cNvPicPr>
+            <a:picLocks noChangeAspect="1"/>
+          </p:cNvPicPr>
+          <p:nvPr/>
+        </p:nvPicPr>
+        <p:blipFill>
+          <a:blip r:embed="rId2"/>
+          <a:stretch>
+            <a:fillRect/>
+          </a:stretch>
+        </p:blipFill>
+        <p:spPr>
+          <a:xfrm>
+            <a:off x="488633" y="1746726"/>
+            <a:ext cx="5790248" cy="2939415"/>
+          </a:xfrm>
+          <a:prstGeom prst="rect">
+            <a:avLst/>
+          </a:prstGeom>
+        </p:spPr>
+      </p:pic>
     </p:spTree>
     <p:extLst>
       <p:ext uri="{BB962C8B-B14F-4D97-AF65-F5344CB8AC3E}">
-        <p14:creationId xmlns:p14="http://schemas.microsoft.com/office/powerpoint/2010/main" val="1344762639"/>
+        <p14:creationId xmlns:p14="http://schemas.microsoft.com/office/powerpoint/2010/main" val="3995504939"/>
       </p:ext>
     </p:extLst>
   </p:cSld>
   <p:clrMapOvr>
     <a:masterClrMapping/>
   </p:clrMapOvr>
-  <p:timing>
-    <p:tnLst>
-      <p:par>
-        <p:cTn id="1" dur="indefinite" restart="never" nodeType="tmRoot"/>
-      </p:par>
-    </p:tnLst>
-  </p:timing>
 </p:sld>
 </file>
 
@@ -4050,25 +4079,32 @@
           </a:p>
         </p:txBody>
       </p:sp>
-      <p:sp>
-        <p:nvSpPr>
-          <p:cNvPr id="3" name="Espace réservé du contenu 2"/>
-          <p:cNvSpPr>
-            <a:spLocks noGrp="1"/>
-          </p:cNvSpPr>
+      <p:pic>
+        <p:nvPicPr>
+          <p:cNvPr id="4" name="Espace réservé du contenu 3"/>
+          <p:cNvPicPr>
+            <a:picLocks noGrp="1" noChangeAspect="1"/>
+          </p:cNvPicPr>
           <p:nvPr>
             <p:ph idx="1"/>
           </p:nvPr>
-        </p:nvSpPr>
-        <p:spPr/>
-        <p:txBody>
-          <a:bodyPr/>
-          <a:lstStyle/>
-          <a:p>
-            <a:endParaRPr lang="fr-CA"/>
-          </a:p>
-        </p:txBody>
-      </p:sp>
+        </p:nvPicPr>
+        <p:blipFill>
+          <a:blip r:embed="rId2"/>
+          <a:stretch>
+            <a:fillRect/>
+          </a:stretch>
+        </p:blipFill>
+        <p:spPr>
+          <a:xfrm>
+            <a:off x="3502825" y="1825625"/>
+            <a:ext cx="5186349" cy="4351338"/>
+          </a:xfrm>
+          <a:prstGeom prst="rect">
+            <a:avLst/>
+          </a:prstGeom>
+        </p:spPr>
+      </p:pic>
     </p:spTree>
     <p:extLst>
       <p:ext uri="{BB962C8B-B14F-4D97-AF65-F5344CB8AC3E}">
@@ -4147,25 +4183,32 @@
           </a:p>
         </p:txBody>
       </p:sp>
-      <p:sp>
-        <p:nvSpPr>
-          <p:cNvPr id="3" name="Espace réservé du contenu 2"/>
-          <p:cNvSpPr>
-            <a:spLocks noGrp="1"/>
-          </p:cNvSpPr>
+      <p:pic>
+        <p:nvPicPr>
+          <p:cNvPr id="4" name="Espace réservé du contenu 3"/>
+          <p:cNvPicPr>
+            <a:picLocks noGrp="1" noChangeAspect="1"/>
+          </p:cNvPicPr>
           <p:nvPr>
             <p:ph idx="1"/>
           </p:nvPr>
-        </p:nvSpPr>
-        <p:spPr/>
-        <p:txBody>
-          <a:bodyPr/>
-          <a:lstStyle/>
-          <a:p>
-            <a:endParaRPr lang="fr-CA"/>
-          </a:p>
-        </p:txBody>
-      </p:sp>
+        </p:nvPicPr>
+        <p:blipFill>
+          <a:blip r:embed="rId2"/>
+          <a:stretch>
+            <a:fillRect/>
+          </a:stretch>
+        </p:blipFill>
+        <p:spPr>
+          <a:xfrm>
+            <a:off x="2933700" y="2339181"/>
+            <a:ext cx="6324600" cy="3324225"/>
+          </a:xfrm>
+          <a:prstGeom prst="rect">
+            <a:avLst/>
+          </a:prstGeom>
+        </p:spPr>
+      </p:pic>
     </p:spTree>
     <p:extLst>
       <p:ext uri="{BB962C8B-B14F-4D97-AF65-F5344CB8AC3E}">
@@ -4239,25 +4282,32 @@
           </a:p>
         </p:txBody>
       </p:sp>
-      <p:sp>
-        <p:nvSpPr>
-          <p:cNvPr id="3" name="Espace réservé du contenu 2"/>
-          <p:cNvSpPr>
-            <a:spLocks noGrp="1"/>
-          </p:cNvSpPr>
+      <p:pic>
+        <p:nvPicPr>
+          <p:cNvPr id="4" name="Espace réservé du contenu 3"/>
+          <p:cNvPicPr>
+            <a:picLocks noGrp="1" noChangeAspect="1"/>
+          </p:cNvPicPr>
           <p:nvPr>
             <p:ph idx="1"/>
           </p:nvPr>
-        </p:nvSpPr>
-        <p:spPr/>
-        <p:txBody>
-          <a:bodyPr/>
-          <a:lstStyle/>
-          <a:p>
-            <a:endParaRPr lang="fr-CA"/>
-          </a:p>
-        </p:txBody>
-      </p:sp>
+        </p:nvPicPr>
+        <p:blipFill>
+          <a:blip r:embed="rId2"/>
+          <a:stretch>
+            <a:fillRect/>
+          </a:stretch>
+        </p:blipFill>
+        <p:spPr>
+          <a:xfrm>
+            <a:off x="1319212" y="1920081"/>
+            <a:ext cx="9553575" cy="4162425"/>
+          </a:xfrm>
+          <a:prstGeom prst="rect">
+            <a:avLst/>
+          </a:prstGeom>
+        </p:spPr>
+      </p:pic>
     </p:spTree>
     <p:extLst>
       <p:ext uri="{BB962C8B-B14F-4D97-AF65-F5344CB8AC3E}">
@@ -4297,685 +4347,123 @@
       </p:grpSpPr>
       <p:pic>
         <p:nvPicPr>
-          <p:cNvPr id="4098" name="Picture 2" descr="Managing Maven Dependencies - tips and tricks"/>
+          <p:cNvPr id="5" name="Image 4"/>
           <p:cNvPicPr>
-            <a:picLocks noChangeAspect="1" noChangeArrowheads="1"/>
+            <a:picLocks noChangeAspect="1"/>
           </p:cNvPicPr>
           <p:nvPr/>
         </p:nvPicPr>
         <p:blipFill rotWithShape="1">
-          <a:blip r:embed="rId2">
-            <a:lum bright="70000" contrast="-70000"/>
-            <a:extLst>
-              <a:ext uri="{BEBA8EAE-BF5A-486C-A8C5-ECC9F3942E4B}">
-                <a14:imgProps xmlns:a14="http://schemas.microsoft.com/office/drawing/2010/main">
-                  <a14:imgLayer r:embed="rId3">
-                    <a14:imgEffect>
-                      <a14:colorTemperature colorTemp="8800"/>
-                    </a14:imgEffect>
-                  </a14:imgLayer>
-                </a14:imgProps>
-              </a:ext>
-              <a:ext uri="{28A0092B-C50C-407E-A947-70E740481C1C}">
-                <a14:useLocalDpi xmlns:a14="http://schemas.microsoft.com/office/drawing/2010/main" val="0"/>
-              </a:ext>
-            </a:extLst>
-          </a:blip>
-          <a:srcRect l="1302" t="617" r="1036" b="1743"/>
-          <a:stretch/>
-        </p:blipFill>
-        <p:spPr bwMode="auto">
-          <a:xfrm>
-            <a:off x="0" y="42202"/>
-            <a:ext cx="12191999" cy="6815798"/>
-          </a:xfrm>
-          <a:prstGeom prst="rect">
-            <a:avLst/>
-          </a:prstGeom>
-          <a:noFill/>
-          <a:extLst>
-            <a:ext uri="{909E8E84-426E-40DD-AFC4-6F175D3DCCD1}">
-              <a14:hiddenFill xmlns:a14="http://schemas.microsoft.com/office/drawing/2010/main">
-                <a:solidFill>
-                  <a:srgbClr val="FFFFFF"/>
-                </a:solidFill>
-              </a14:hiddenFill>
-            </a:ext>
-          </a:extLst>
-        </p:spPr>
-      </p:pic>
-      <p:sp>
-        <p:nvSpPr>
-          <p:cNvPr id="2" name="Titre 1"/>
-          <p:cNvSpPr>
-            <a:spLocks noGrp="1"/>
-          </p:cNvSpPr>
-          <p:nvPr>
-            <p:ph type="title"/>
-          </p:nvPr>
-        </p:nvSpPr>
-        <p:spPr>
-          <a:xfrm>
-            <a:off x="838198" y="100991"/>
-            <a:ext cx="10515600" cy="1325563"/>
-          </a:xfrm>
-        </p:spPr>
-        <p:txBody>
-          <a:bodyPr/>
-          <a:lstStyle/>
-          <a:p>
-            <a:pPr algn="ctr"/>
-            <a:r>
-              <a:rPr lang="fr-FR" b="1" dirty="0" smtClean="0">
-                <a:solidFill>
-                  <a:srgbClr val="FF0000"/>
-                </a:solidFill>
-                <a:latin typeface="Times New Roman" panose="02020603050405020304" pitchFamily="18" charset="0"/>
-                <a:cs typeface="Times New Roman" panose="02020603050405020304" pitchFamily="18" charset="0"/>
-              </a:rPr>
-              <a:t>REPORTS (1/2)</a:t>
-            </a:r>
-            <a:r>
-              <a:rPr lang="fr-FR" dirty="0" smtClean="0"/>
-              <a:t> </a:t>
-            </a:r>
-            <a:endParaRPr lang="fr-FR" dirty="0"/>
-          </a:p>
-        </p:txBody>
-      </p:sp>
-      <p:sp>
-        <p:nvSpPr>
-          <p:cNvPr id="3" name="Espace réservé du contenu 2"/>
-          <p:cNvSpPr>
-            <a:spLocks noGrp="1"/>
-          </p:cNvSpPr>
-          <p:nvPr>
-            <p:ph idx="1"/>
-          </p:nvPr>
-        </p:nvSpPr>
-        <p:spPr>
-          <a:xfrm>
-            <a:off x="3155559" y="1240521"/>
-            <a:ext cx="5599527" cy="5315023"/>
-          </a:xfrm>
-        </p:spPr>
-        <p:txBody>
-          <a:bodyPr>
-            <a:noAutofit/>
-          </a:bodyPr>
-          <a:lstStyle/>
-          <a:p>
-            <a:pPr algn="ctr"/>
-            <a:r>
-              <a:rPr lang="pt-BR" sz="7000" b="1" dirty="0" smtClean="0">
-                <a:solidFill>
-                  <a:srgbClr val="FF0000"/>
-                </a:solidFill>
-                <a:latin typeface="Times New Roman" panose="02020603050405020304" pitchFamily="18" charset="0"/>
-                <a:cs typeface="Times New Roman" panose="02020603050405020304" pitchFamily="18" charset="0"/>
-              </a:rPr>
-              <a:t>JavaDoc</a:t>
-            </a:r>
-          </a:p>
-          <a:p>
-            <a:pPr algn="ctr"/>
-            <a:endParaRPr lang="pt-BR" sz="7000" b="1" dirty="0" smtClean="0">
-              <a:solidFill>
-                <a:srgbClr val="FFFF00"/>
-              </a:solidFill>
-              <a:latin typeface="Times New Roman" panose="02020603050405020304" pitchFamily="18" charset="0"/>
-              <a:cs typeface="Times New Roman" panose="02020603050405020304" pitchFamily="18" charset="0"/>
-            </a:endParaRPr>
-          </a:p>
-          <a:p>
-            <a:pPr marL="0" indent="0" algn="ctr">
-              <a:buNone/>
-            </a:pPr>
-            <a:endParaRPr lang="pt-BR" sz="7000" b="1" dirty="0" smtClean="0">
-              <a:solidFill>
-                <a:srgbClr val="FFFF00"/>
-              </a:solidFill>
-              <a:latin typeface="Times New Roman" panose="02020603050405020304" pitchFamily="18" charset="0"/>
-              <a:cs typeface="Times New Roman" panose="02020603050405020304" pitchFamily="18" charset="0"/>
-            </a:endParaRPr>
-          </a:p>
-        </p:txBody>
-      </p:sp>
-      <p:sp>
-        <p:nvSpPr>
-          <p:cNvPr id="5" name="Espace réservé du contenu 2"/>
-          <p:cNvSpPr txBox="1">
-            <a:spLocks/>
-          </p:cNvSpPr>
-          <p:nvPr/>
-        </p:nvSpPr>
-        <p:spPr>
-          <a:xfrm>
-            <a:off x="3155558" y="2207357"/>
-            <a:ext cx="5599527" cy="717453"/>
-          </a:xfrm>
-          <a:prstGeom prst="rect">
-            <a:avLst/>
-          </a:prstGeom>
-        </p:spPr>
-        <p:txBody>
-          <a:bodyPr vert="horz" lIns="91440" tIns="45720" rIns="91440" bIns="45720" rtlCol="0">
-            <a:noAutofit/>
-          </a:bodyPr>
-          <a:lstStyle>
-            <a:lvl1pPr marL="228600" indent="-228600" algn="l" defTabSz="914400" rtl="0" eaLnBrk="1" latinLnBrk="0" hangingPunct="1">
-              <a:lnSpc>
-                <a:spcPct val="90000"/>
-              </a:lnSpc>
-              <a:spcBef>
-                <a:spcPts val="1000"/>
-              </a:spcBef>
-              <a:buFont typeface="Arial" panose="020B0604020202020204" pitchFamily="34" charset="0"/>
-              <a:buChar char="•"/>
-              <a:defRPr sz="2800" kern="1200">
-                <a:solidFill>
-                  <a:schemeClr val="tx1"/>
-                </a:solidFill>
-                <a:latin typeface="+mn-lt"/>
-                <a:ea typeface="+mn-ea"/>
-                <a:cs typeface="+mn-cs"/>
-              </a:defRPr>
-            </a:lvl1pPr>
-            <a:lvl2pPr marL="685800" indent="-228600" algn="l" defTabSz="914400" rtl="0" eaLnBrk="1" latinLnBrk="0" hangingPunct="1">
-              <a:lnSpc>
-                <a:spcPct val="90000"/>
-              </a:lnSpc>
-              <a:spcBef>
-                <a:spcPts val="500"/>
-              </a:spcBef>
-              <a:buFont typeface="Arial" panose="020B0604020202020204" pitchFamily="34" charset="0"/>
-              <a:buChar char="•"/>
-              <a:defRPr sz="2400" kern="1200">
-                <a:solidFill>
-                  <a:schemeClr val="tx1"/>
-                </a:solidFill>
-                <a:latin typeface="+mn-lt"/>
-                <a:ea typeface="+mn-ea"/>
-                <a:cs typeface="+mn-cs"/>
-              </a:defRPr>
-            </a:lvl2pPr>
-            <a:lvl3pPr marL="1143000" indent="-228600" algn="l" defTabSz="914400" rtl="0" eaLnBrk="1" latinLnBrk="0" hangingPunct="1">
-              <a:lnSpc>
-                <a:spcPct val="90000"/>
-              </a:lnSpc>
-              <a:spcBef>
-                <a:spcPts val="500"/>
-              </a:spcBef>
-              <a:buFont typeface="Arial" panose="020B0604020202020204" pitchFamily="34" charset="0"/>
-              <a:buChar char="•"/>
-              <a:defRPr sz="2000" kern="1200">
-                <a:solidFill>
-                  <a:schemeClr val="tx1"/>
-                </a:solidFill>
-                <a:latin typeface="+mn-lt"/>
-                <a:ea typeface="+mn-ea"/>
-                <a:cs typeface="+mn-cs"/>
-              </a:defRPr>
-            </a:lvl3pPr>
-            <a:lvl4pPr marL="1600200" indent="-228600" algn="l" defTabSz="914400" rtl="0" eaLnBrk="1" latinLnBrk="0" hangingPunct="1">
-              <a:lnSpc>
-                <a:spcPct val="90000"/>
-              </a:lnSpc>
-              <a:spcBef>
-                <a:spcPts val="500"/>
-              </a:spcBef>
-              <a:buFont typeface="Arial" panose="020B0604020202020204" pitchFamily="34" charset="0"/>
-              <a:buChar char="•"/>
-              <a:defRPr sz="1800" kern="1200">
-                <a:solidFill>
-                  <a:schemeClr val="tx1"/>
-                </a:solidFill>
-                <a:latin typeface="+mn-lt"/>
-                <a:ea typeface="+mn-ea"/>
-                <a:cs typeface="+mn-cs"/>
-              </a:defRPr>
-            </a:lvl4pPr>
-            <a:lvl5pPr marL="2057400" indent="-228600" algn="l" defTabSz="914400" rtl="0" eaLnBrk="1" latinLnBrk="0" hangingPunct="1">
-              <a:lnSpc>
-                <a:spcPct val="90000"/>
-              </a:lnSpc>
-              <a:spcBef>
-                <a:spcPts val="500"/>
-              </a:spcBef>
-              <a:buFont typeface="Arial" panose="020B0604020202020204" pitchFamily="34" charset="0"/>
-              <a:buChar char="•"/>
-              <a:defRPr sz="1800" kern="1200">
-                <a:solidFill>
-                  <a:schemeClr val="tx1"/>
-                </a:solidFill>
-                <a:latin typeface="+mn-lt"/>
-                <a:ea typeface="+mn-ea"/>
-                <a:cs typeface="+mn-cs"/>
-              </a:defRPr>
-            </a:lvl5pPr>
-            <a:lvl6pPr marL="2514600" indent="-228600" algn="l" defTabSz="914400" rtl="0" eaLnBrk="1" latinLnBrk="0" hangingPunct="1">
-              <a:lnSpc>
-                <a:spcPct val="90000"/>
-              </a:lnSpc>
-              <a:spcBef>
-                <a:spcPts val="500"/>
-              </a:spcBef>
-              <a:buFont typeface="Arial" panose="020B0604020202020204" pitchFamily="34" charset="0"/>
-              <a:buChar char="•"/>
-              <a:defRPr sz="1800" kern="1200">
-                <a:solidFill>
-                  <a:schemeClr val="tx1"/>
-                </a:solidFill>
-                <a:latin typeface="+mn-lt"/>
-                <a:ea typeface="+mn-ea"/>
-                <a:cs typeface="+mn-cs"/>
-              </a:defRPr>
-            </a:lvl6pPr>
-            <a:lvl7pPr marL="2971800" indent="-228600" algn="l" defTabSz="914400" rtl="0" eaLnBrk="1" latinLnBrk="0" hangingPunct="1">
-              <a:lnSpc>
-                <a:spcPct val="90000"/>
-              </a:lnSpc>
-              <a:spcBef>
-                <a:spcPts val="500"/>
-              </a:spcBef>
-              <a:buFont typeface="Arial" panose="020B0604020202020204" pitchFamily="34" charset="0"/>
-              <a:buChar char="•"/>
-              <a:defRPr sz="1800" kern="1200">
-                <a:solidFill>
-                  <a:schemeClr val="tx1"/>
-                </a:solidFill>
-                <a:latin typeface="+mn-lt"/>
-                <a:ea typeface="+mn-ea"/>
-                <a:cs typeface="+mn-cs"/>
-              </a:defRPr>
-            </a:lvl7pPr>
-            <a:lvl8pPr marL="3429000" indent="-228600" algn="l" defTabSz="914400" rtl="0" eaLnBrk="1" latinLnBrk="0" hangingPunct="1">
-              <a:lnSpc>
-                <a:spcPct val="90000"/>
-              </a:lnSpc>
-              <a:spcBef>
-                <a:spcPts val="500"/>
-              </a:spcBef>
-              <a:buFont typeface="Arial" panose="020B0604020202020204" pitchFamily="34" charset="0"/>
-              <a:buChar char="•"/>
-              <a:defRPr sz="1800" kern="1200">
-                <a:solidFill>
-                  <a:schemeClr val="tx1"/>
-                </a:solidFill>
-                <a:latin typeface="+mn-lt"/>
-                <a:ea typeface="+mn-ea"/>
-                <a:cs typeface="+mn-cs"/>
-              </a:defRPr>
-            </a:lvl8pPr>
-            <a:lvl9pPr marL="3886200" indent="-228600" algn="l" defTabSz="914400" rtl="0" eaLnBrk="1" latinLnBrk="0" hangingPunct="1">
-              <a:lnSpc>
-                <a:spcPct val="90000"/>
-              </a:lnSpc>
-              <a:spcBef>
-                <a:spcPts val="500"/>
-              </a:spcBef>
-              <a:buFont typeface="Arial" panose="020B0604020202020204" pitchFamily="34" charset="0"/>
-              <a:buChar char="•"/>
-              <a:defRPr sz="1800" kern="1200">
-                <a:solidFill>
-                  <a:schemeClr val="tx1"/>
-                </a:solidFill>
-                <a:latin typeface="+mn-lt"/>
-                <a:ea typeface="+mn-ea"/>
-                <a:cs typeface="+mn-cs"/>
-              </a:defRPr>
-            </a:lvl9pPr>
-          </a:lstStyle>
-          <a:p>
-            <a:pPr marL="0" indent="0" algn="ctr">
-              <a:buNone/>
-            </a:pPr>
-            <a:endParaRPr lang="pt-BR" sz="7000" b="1" dirty="0" smtClean="0">
-              <a:solidFill>
-                <a:srgbClr val="FFFF00"/>
-              </a:solidFill>
-              <a:latin typeface="Times New Roman" panose="02020603050405020304" pitchFamily="18" charset="0"/>
-              <a:cs typeface="Times New Roman" panose="02020603050405020304" pitchFamily="18" charset="0"/>
-            </a:endParaRPr>
-          </a:p>
-          <a:p>
-            <a:pPr algn="ctr"/>
-            <a:r>
-              <a:rPr lang="pt-BR" sz="7000" b="1" dirty="0" smtClean="0">
-                <a:solidFill>
-                  <a:srgbClr val="FF0000"/>
-                </a:solidFill>
-                <a:latin typeface="Times New Roman" panose="02020603050405020304" pitchFamily="18" charset="0"/>
-                <a:cs typeface="Times New Roman" panose="02020603050405020304" pitchFamily="18" charset="0"/>
-              </a:rPr>
-              <a:t>Surefire</a:t>
-            </a:r>
-          </a:p>
-        </p:txBody>
-      </p:sp>
-      <p:sp>
-        <p:nvSpPr>
-          <p:cNvPr id="6" name="Espace réservé du contenu 2"/>
-          <p:cNvSpPr txBox="1">
-            <a:spLocks/>
-          </p:cNvSpPr>
-          <p:nvPr/>
-        </p:nvSpPr>
-        <p:spPr>
-          <a:xfrm>
-            <a:off x="3155558" y="4714922"/>
-            <a:ext cx="5599527" cy="1991850"/>
-          </a:xfrm>
-          <a:prstGeom prst="rect">
-            <a:avLst/>
-          </a:prstGeom>
-        </p:spPr>
-        <p:txBody>
-          <a:bodyPr vert="horz" lIns="91440" tIns="45720" rIns="91440" bIns="45720" rtlCol="0">
-            <a:noAutofit/>
-          </a:bodyPr>
-          <a:lstStyle>
-            <a:lvl1pPr marL="228600" indent="-228600" algn="l" defTabSz="914400" rtl="0" eaLnBrk="1" latinLnBrk="0" hangingPunct="1">
-              <a:lnSpc>
-                <a:spcPct val="90000"/>
-              </a:lnSpc>
-              <a:spcBef>
-                <a:spcPts val="1000"/>
-              </a:spcBef>
-              <a:buFont typeface="Arial" panose="020B0604020202020204" pitchFamily="34" charset="0"/>
-              <a:buChar char="•"/>
-              <a:defRPr sz="2800" kern="1200">
-                <a:solidFill>
-                  <a:schemeClr val="tx1"/>
-                </a:solidFill>
-                <a:latin typeface="+mn-lt"/>
-                <a:ea typeface="+mn-ea"/>
-                <a:cs typeface="+mn-cs"/>
-              </a:defRPr>
-            </a:lvl1pPr>
-            <a:lvl2pPr marL="685800" indent="-228600" algn="l" defTabSz="914400" rtl="0" eaLnBrk="1" latinLnBrk="0" hangingPunct="1">
-              <a:lnSpc>
-                <a:spcPct val="90000"/>
-              </a:lnSpc>
-              <a:spcBef>
-                <a:spcPts val="500"/>
-              </a:spcBef>
-              <a:buFont typeface="Arial" panose="020B0604020202020204" pitchFamily="34" charset="0"/>
-              <a:buChar char="•"/>
-              <a:defRPr sz="2400" kern="1200">
-                <a:solidFill>
-                  <a:schemeClr val="tx1"/>
-                </a:solidFill>
-                <a:latin typeface="+mn-lt"/>
-                <a:ea typeface="+mn-ea"/>
-                <a:cs typeface="+mn-cs"/>
-              </a:defRPr>
-            </a:lvl2pPr>
-            <a:lvl3pPr marL="1143000" indent="-228600" algn="l" defTabSz="914400" rtl="0" eaLnBrk="1" latinLnBrk="0" hangingPunct="1">
-              <a:lnSpc>
-                <a:spcPct val="90000"/>
-              </a:lnSpc>
-              <a:spcBef>
-                <a:spcPts val="500"/>
-              </a:spcBef>
-              <a:buFont typeface="Arial" panose="020B0604020202020204" pitchFamily="34" charset="0"/>
-              <a:buChar char="•"/>
-              <a:defRPr sz="2000" kern="1200">
-                <a:solidFill>
-                  <a:schemeClr val="tx1"/>
-                </a:solidFill>
-                <a:latin typeface="+mn-lt"/>
-                <a:ea typeface="+mn-ea"/>
-                <a:cs typeface="+mn-cs"/>
-              </a:defRPr>
-            </a:lvl3pPr>
-            <a:lvl4pPr marL="1600200" indent="-228600" algn="l" defTabSz="914400" rtl="0" eaLnBrk="1" latinLnBrk="0" hangingPunct="1">
-              <a:lnSpc>
-                <a:spcPct val="90000"/>
-              </a:lnSpc>
-              <a:spcBef>
-                <a:spcPts val="500"/>
-              </a:spcBef>
-              <a:buFont typeface="Arial" panose="020B0604020202020204" pitchFamily="34" charset="0"/>
-              <a:buChar char="•"/>
-              <a:defRPr sz="1800" kern="1200">
-                <a:solidFill>
-                  <a:schemeClr val="tx1"/>
-                </a:solidFill>
-                <a:latin typeface="+mn-lt"/>
-                <a:ea typeface="+mn-ea"/>
-                <a:cs typeface="+mn-cs"/>
-              </a:defRPr>
-            </a:lvl4pPr>
-            <a:lvl5pPr marL="2057400" indent="-228600" algn="l" defTabSz="914400" rtl="0" eaLnBrk="1" latinLnBrk="0" hangingPunct="1">
-              <a:lnSpc>
-                <a:spcPct val="90000"/>
-              </a:lnSpc>
-              <a:spcBef>
-                <a:spcPts val="500"/>
-              </a:spcBef>
-              <a:buFont typeface="Arial" panose="020B0604020202020204" pitchFamily="34" charset="0"/>
-              <a:buChar char="•"/>
-              <a:defRPr sz="1800" kern="1200">
-                <a:solidFill>
-                  <a:schemeClr val="tx1"/>
-                </a:solidFill>
-                <a:latin typeface="+mn-lt"/>
-                <a:ea typeface="+mn-ea"/>
-                <a:cs typeface="+mn-cs"/>
-              </a:defRPr>
-            </a:lvl5pPr>
-            <a:lvl6pPr marL="2514600" indent="-228600" algn="l" defTabSz="914400" rtl="0" eaLnBrk="1" latinLnBrk="0" hangingPunct="1">
-              <a:lnSpc>
-                <a:spcPct val="90000"/>
-              </a:lnSpc>
-              <a:spcBef>
-                <a:spcPts val="500"/>
-              </a:spcBef>
-              <a:buFont typeface="Arial" panose="020B0604020202020204" pitchFamily="34" charset="0"/>
-              <a:buChar char="•"/>
-              <a:defRPr sz="1800" kern="1200">
-                <a:solidFill>
-                  <a:schemeClr val="tx1"/>
-                </a:solidFill>
-                <a:latin typeface="+mn-lt"/>
-                <a:ea typeface="+mn-ea"/>
-                <a:cs typeface="+mn-cs"/>
-              </a:defRPr>
-            </a:lvl6pPr>
-            <a:lvl7pPr marL="2971800" indent="-228600" algn="l" defTabSz="914400" rtl="0" eaLnBrk="1" latinLnBrk="0" hangingPunct="1">
-              <a:lnSpc>
-                <a:spcPct val="90000"/>
-              </a:lnSpc>
-              <a:spcBef>
-                <a:spcPts val="500"/>
-              </a:spcBef>
-              <a:buFont typeface="Arial" panose="020B0604020202020204" pitchFamily="34" charset="0"/>
-              <a:buChar char="•"/>
-              <a:defRPr sz="1800" kern="1200">
-                <a:solidFill>
-                  <a:schemeClr val="tx1"/>
-                </a:solidFill>
-                <a:latin typeface="+mn-lt"/>
-                <a:ea typeface="+mn-ea"/>
-                <a:cs typeface="+mn-cs"/>
-              </a:defRPr>
-            </a:lvl7pPr>
-            <a:lvl8pPr marL="3429000" indent="-228600" algn="l" defTabSz="914400" rtl="0" eaLnBrk="1" latinLnBrk="0" hangingPunct="1">
-              <a:lnSpc>
-                <a:spcPct val="90000"/>
-              </a:lnSpc>
-              <a:spcBef>
-                <a:spcPts val="500"/>
-              </a:spcBef>
-              <a:buFont typeface="Arial" panose="020B0604020202020204" pitchFamily="34" charset="0"/>
-              <a:buChar char="•"/>
-              <a:defRPr sz="1800" kern="1200">
-                <a:solidFill>
-                  <a:schemeClr val="tx1"/>
-                </a:solidFill>
-                <a:latin typeface="+mn-lt"/>
-                <a:ea typeface="+mn-ea"/>
-                <a:cs typeface="+mn-cs"/>
-              </a:defRPr>
-            </a:lvl8pPr>
-            <a:lvl9pPr marL="3886200" indent="-228600" algn="l" defTabSz="914400" rtl="0" eaLnBrk="1" latinLnBrk="0" hangingPunct="1">
-              <a:lnSpc>
-                <a:spcPct val="90000"/>
-              </a:lnSpc>
-              <a:spcBef>
-                <a:spcPts val="500"/>
-              </a:spcBef>
-              <a:buFont typeface="Arial" panose="020B0604020202020204" pitchFamily="34" charset="0"/>
-              <a:buChar char="•"/>
-              <a:defRPr sz="1800" kern="1200">
-                <a:solidFill>
-                  <a:schemeClr val="tx1"/>
-                </a:solidFill>
-                <a:latin typeface="+mn-lt"/>
-                <a:ea typeface="+mn-ea"/>
-                <a:cs typeface="+mn-cs"/>
-              </a:defRPr>
-            </a:lvl9pPr>
-          </a:lstStyle>
-          <a:p>
-            <a:pPr algn="ctr"/>
-            <a:endParaRPr lang="pt-BR" sz="7000" b="1" dirty="0" smtClean="0">
-              <a:solidFill>
-                <a:srgbClr val="FFFF00"/>
-              </a:solidFill>
-              <a:latin typeface="Times New Roman" panose="02020603050405020304" pitchFamily="18" charset="0"/>
-              <a:cs typeface="Times New Roman" panose="02020603050405020304" pitchFamily="18" charset="0"/>
-            </a:endParaRPr>
-          </a:p>
-          <a:p>
-            <a:pPr algn="ctr"/>
-            <a:r>
-              <a:rPr lang="pt-BR" sz="7000" b="1" dirty="0" smtClean="0">
-                <a:solidFill>
-                  <a:srgbClr val="FF0000"/>
-                </a:solidFill>
-                <a:latin typeface="Times New Roman" panose="02020603050405020304" pitchFamily="18" charset="0"/>
-                <a:cs typeface="Times New Roman" panose="02020603050405020304" pitchFamily="18" charset="0"/>
-              </a:rPr>
-              <a:t>JXR</a:t>
-            </a:r>
-          </a:p>
-        </p:txBody>
-      </p:sp>
-    </p:spTree>
-    <p:extLst>
-      <p:ext uri="{BB962C8B-B14F-4D97-AF65-F5344CB8AC3E}">
-        <p14:creationId xmlns:p14="http://schemas.microsoft.com/office/powerpoint/2010/main" val="1879425374"/>
-      </p:ext>
-    </p:extLst>
-  </p:cSld>
-  <p:clrMapOvr>
-    <a:masterClrMapping/>
-  </p:clrMapOvr>
-  <p:timing>
-    <p:tnLst>
-      <p:par>
-        <p:cTn id="1" dur="indefinite" restart="never" nodeType="tmRoot"/>
-      </p:par>
-    </p:tnLst>
-  </p:timing>
-</p:sld>
-</file>
-
-<file path=ppt/slides/slide19.xml><?xml version="1.0" encoding="utf-8"?>
-<p:sld xmlns:a="http://schemas.openxmlformats.org/drawingml/2006/main" xmlns:r="http://schemas.openxmlformats.org/officeDocument/2006/relationships" xmlns:p="http://schemas.openxmlformats.org/presentationml/2006/main">
-  <p:cSld>
-    <p:spTree>
-      <p:nvGrpSpPr>
-        <p:cNvPr id="1" name=""/>
-        <p:cNvGrpSpPr/>
-        <p:nvPr/>
-      </p:nvGrpSpPr>
-      <p:grpSpPr>
-        <a:xfrm>
-          <a:off x="0" y="0"/>
-          <a:ext cx="0" cy="0"/>
-          <a:chOff x="0" y="0"/>
-          <a:chExt cx="0" cy="0"/>
-        </a:xfrm>
-      </p:grpSpPr>
-      <p:sp>
-        <p:nvSpPr>
-          <p:cNvPr id="2" name="Titre 1"/>
-          <p:cNvSpPr>
-            <a:spLocks noGrp="1"/>
-          </p:cNvSpPr>
-          <p:nvPr>
-            <p:ph type="title"/>
-          </p:nvPr>
-        </p:nvSpPr>
-        <p:spPr>
-          <a:xfrm>
-            <a:off x="833511" y="95273"/>
-            <a:ext cx="10515600" cy="1086413"/>
-          </a:xfrm>
-        </p:spPr>
-        <p:txBody>
-          <a:bodyPr>
-            <a:normAutofit/>
-          </a:bodyPr>
-          <a:lstStyle/>
-          <a:p>
-            <a:pPr algn="ctr"/>
-            <a:r>
-              <a:rPr lang="fr-FR" b="1" dirty="0" smtClean="0">
-                <a:solidFill>
-                  <a:srgbClr val="FF0000"/>
-                </a:solidFill>
-                <a:latin typeface="Times New Roman" panose="02020603050405020304" pitchFamily="18" charset="0"/>
-                <a:cs typeface="Times New Roman" panose="02020603050405020304" pitchFamily="18" charset="0"/>
-              </a:rPr>
-              <a:t>GIT REPORT (2/2)</a:t>
-            </a:r>
-            <a:endParaRPr lang="fr-FR" b="1" dirty="0">
-              <a:solidFill>
-                <a:srgbClr val="FF0000"/>
-              </a:solidFill>
-              <a:latin typeface="Times New Roman" panose="02020603050405020304" pitchFamily="18" charset="0"/>
-              <a:cs typeface="Times New Roman" panose="02020603050405020304" pitchFamily="18" charset="0"/>
-            </a:endParaRPr>
-          </a:p>
-        </p:txBody>
-      </p:sp>
-      <p:pic>
-        <p:nvPicPr>
-          <p:cNvPr id="4" name="Espace réservé du contenu 3"/>
-          <p:cNvPicPr>
-            <a:picLocks noGrp="1" noChangeAspect="1"/>
-          </p:cNvPicPr>
-          <p:nvPr>
-            <p:ph idx="1"/>
-          </p:nvPr>
-        </p:nvPicPr>
-        <p:blipFill>
-          <a:blip r:embed="rId2">
+          <a:blip r:embed="rId2" cstate="print">
             <a:extLst>
               <a:ext uri="{28A0092B-C50C-407E-A947-70E740481C1C}">
                 <a14:useLocalDpi xmlns:a14="http://schemas.microsoft.com/office/drawing/2010/main" val="0"/>
               </a:ext>
             </a:extLst>
           </a:blip>
-          <a:stretch>
-            <a:fillRect/>
-          </a:stretch>
+          <a:srcRect b="7855"/>
+          <a:stretch/>
         </p:blipFill>
         <p:spPr>
           <a:xfrm>
-            <a:off x="998807" y="1026940"/>
-            <a:ext cx="10649242" cy="5556740"/>
-          </a:xfrm>
+            <a:off x="0" y="0"/>
+            <a:ext cx="12192000" cy="6858000"/>
+          </a:xfrm>
+          <a:prstGeom prst="rect">
+            <a:avLst/>
+          </a:prstGeom>
         </p:spPr>
       </p:pic>
+      <p:sp>
+        <p:nvSpPr>
+          <p:cNvPr id="3" name="Espace réservé du contenu 2"/>
+          <p:cNvSpPr>
+            <a:spLocks noGrp="1"/>
+          </p:cNvSpPr>
+          <p:nvPr>
+            <p:ph idx="1"/>
+          </p:nvPr>
+        </p:nvSpPr>
+        <p:spPr>
+          <a:xfrm>
+            <a:off x="838200" y="2514942"/>
+            <a:ext cx="10515600" cy="3871790"/>
+          </a:xfrm>
+        </p:spPr>
+        <p:txBody>
+          <a:bodyPr>
+            <a:normAutofit/>
+          </a:bodyPr>
+          <a:lstStyle/>
+          <a:p>
+            <a:pPr>
+              <a:buFont typeface="Wingdings" panose="05000000000000000000" pitchFamily="2" charset="2"/>
+              <a:buChar char="q"/>
+            </a:pPr>
+            <a:r>
+              <a:rPr lang="fr-FR" sz="4000" dirty="0" smtClean="0">
+                <a:latin typeface="Times New Roman" panose="02020603050405020304" pitchFamily="18" charset="0"/>
+                <a:cs typeface="Times New Roman" panose="02020603050405020304" pitchFamily="18" charset="0"/>
+              </a:rPr>
+              <a:t>Difficulties encounter during the projet</a:t>
+            </a:r>
+          </a:p>
+          <a:p>
+            <a:pPr>
+              <a:buFont typeface="Wingdings" panose="05000000000000000000" pitchFamily="2" charset="2"/>
+              <a:buChar char="q"/>
+            </a:pPr>
+            <a:endParaRPr lang="fr-FR" sz="4000" dirty="0" smtClean="0">
+              <a:latin typeface="Times New Roman" panose="02020603050405020304" pitchFamily="18" charset="0"/>
+              <a:cs typeface="Times New Roman" panose="02020603050405020304" pitchFamily="18" charset="0"/>
+            </a:endParaRPr>
+          </a:p>
+          <a:p>
+            <a:pPr>
+              <a:buFont typeface="Wingdings" panose="05000000000000000000" pitchFamily="2" charset="2"/>
+              <a:buChar char="q"/>
+            </a:pPr>
+            <a:r>
+              <a:rPr lang="fr-FR" sz="4000" dirty="0" smtClean="0">
+                <a:latin typeface="Times New Roman" panose="02020603050405020304" pitchFamily="18" charset="0"/>
+                <a:cs typeface="Times New Roman" panose="02020603050405020304" pitchFamily="18" charset="0"/>
+              </a:rPr>
+              <a:t>Reasons for the difficulties</a:t>
+            </a:r>
+          </a:p>
+          <a:p>
+            <a:pPr>
+              <a:buFont typeface="Wingdings" panose="05000000000000000000" pitchFamily="2" charset="2"/>
+              <a:buChar char="q"/>
+            </a:pPr>
+            <a:endParaRPr lang="fr-FR" sz="4000" dirty="0" smtClean="0">
+              <a:latin typeface="Times New Roman" panose="02020603050405020304" pitchFamily="18" charset="0"/>
+              <a:cs typeface="Times New Roman" panose="02020603050405020304" pitchFamily="18" charset="0"/>
+            </a:endParaRPr>
+          </a:p>
+          <a:p>
+            <a:pPr>
+              <a:buFont typeface="Wingdings" panose="05000000000000000000" pitchFamily="2" charset="2"/>
+              <a:buChar char="q"/>
+            </a:pPr>
+            <a:r>
+              <a:rPr lang="fr-FR" sz="4000" dirty="0" smtClean="0">
+                <a:latin typeface="Times New Roman" panose="02020603050405020304" pitchFamily="18" charset="0"/>
+                <a:cs typeface="Times New Roman" panose="02020603050405020304" pitchFamily="18" charset="0"/>
+              </a:rPr>
+              <a:t>How well can you remedy to the situation</a:t>
+            </a:r>
+            <a:endParaRPr lang="fr-FR" sz="4000" dirty="0">
+              <a:latin typeface="Times New Roman" panose="02020603050405020304" pitchFamily="18" charset="0"/>
+              <a:cs typeface="Times New Roman" panose="02020603050405020304" pitchFamily="18" charset="0"/>
+            </a:endParaRPr>
+          </a:p>
+        </p:txBody>
+      </p:sp>
     </p:spTree>
     <p:extLst>
       <p:ext uri="{BB962C8B-B14F-4D97-AF65-F5344CB8AC3E}">
-        <p14:creationId xmlns:p14="http://schemas.microsoft.com/office/powerpoint/2010/main" val="2367544845"/>
+        <p14:creationId xmlns:p14="http://schemas.microsoft.com/office/powerpoint/2010/main" val="2302074517"/>
       </p:ext>
     </p:extLst>
   </p:cSld>
@@ -5082,21 +4570,7 @@
                 <a:latin typeface="Times New Roman" panose="02020603050405020304" pitchFamily="18" charset="0"/>
                 <a:cs typeface="Times New Roman" panose="02020603050405020304" pitchFamily="18" charset="0"/>
               </a:rPr>
-              <a:t>DJONDANG  AOUDOU</a:t>
-            </a:r>
-            <a:r>
-              <a:rPr lang="fr-FR" sz="4500" b="1" dirty="0" smtClean="0">
-                <a:latin typeface="Times New Roman" panose="02020603050405020304" pitchFamily="18" charset="0"/>
-                <a:cs typeface="Times New Roman" panose="02020603050405020304" pitchFamily="18" charset="0"/>
-              </a:rPr>
-              <a:t>(Chef </a:t>
-            </a:r>
-            <a:r>
-              <a:rPr lang="fr-FR" sz="4500" b="1" dirty="0" smtClean="0">
-                <a:latin typeface="Times New Roman" panose="02020603050405020304" pitchFamily="18" charset="0"/>
-                <a:cs typeface="Times New Roman" panose="02020603050405020304" pitchFamily="18" charset="0"/>
-              </a:rPr>
-              <a:t>Projet)</a:t>
+              <a:t>DJONDANG  AOUDOU(Chef Projet)</a:t>
             </a:r>
           </a:p>
           <a:p>
@@ -5119,10 +4593,6 @@
               </a:rPr>
               <a:t>KANAA  ALBERT</a:t>
             </a:r>
-            <a:endParaRPr lang="fr-FR" sz="4500" b="1" dirty="0" smtClean="0">
-              <a:latin typeface="Times New Roman" panose="02020603050405020304" pitchFamily="18" charset="0"/>
-              <a:cs typeface="Times New Roman" panose="02020603050405020304" pitchFamily="18" charset="0"/>
-            </a:endParaRPr>
           </a:p>
           <a:p>
             <a:pPr marL="0" indent="0" algn="ctr">
@@ -5142,12 +4612,8 @@
                 <a:latin typeface="Times New Roman" panose="02020603050405020304" pitchFamily="18" charset="0"/>
                 <a:cs typeface="Times New Roman" panose="02020603050405020304" pitchFamily="18" charset="0"/>
               </a:rPr>
-              <a:t>DJODOM  MARLENNE</a:t>
-            </a:r>
-            <a:endParaRPr lang="fr-FR" sz="4500" b="1" dirty="0" smtClean="0">
-              <a:latin typeface="Times New Roman" panose="02020603050405020304" pitchFamily="18" charset="0"/>
-              <a:cs typeface="Times New Roman" panose="02020603050405020304" pitchFamily="18" charset="0"/>
-            </a:endParaRPr>
+              <a:t>JODOM  MARLENE</a:t>
+            </a:r>
           </a:p>
           <a:p>
             <a:pPr marL="0" indent="0" algn="ctr">
@@ -5169,10 +4635,6 @@
               </a:rPr>
               <a:t>TSAGUE DONFACK LOIC</a:t>
             </a:r>
-            <a:endParaRPr lang="fr-FR" sz="4500" b="1" dirty="0" smtClean="0">
-              <a:latin typeface="Times New Roman" panose="02020603050405020304" pitchFamily="18" charset="0"/>
-              <a:cs typeface="Times New Roman" panose="02020603050405020304" pitchFamily="18" charset="0"/>
-            </a:endParaRPr>
           </a:p>
         </p:txBody>
       </p:sp>
@@ -5180,716 +4642,6 @@
     <p:extLst>
       <p:ext uri="{BB962C8B-B14F-4D97-AF65-F5344CB8AC3E}">
         <p14:creationId xmlns:p14="http://schemas.microsoft.com/office/powerpoint/2010/main" val="2952233468"/>
-      </p:ext>
-    </p:extLst>
-  </p:cSld>
-  <p:clrMapOvr>
-    <a:masterClrMapping/>
-  </p:clrMapOvr>
-  <p:timing>
-    <p:tnLst>
-      <p:par>
-        <p:cTn id="1" dur="indefinite" restart="never" nodeType="tmRoot"/>
-      </p:par>
-    </p:tnLst>
-  </p:timing>
-</p:sld>
-</file>
-
-<file path=ppt/slides/slide20.xml><?xml version="1.0" encoding="utf-8"?>
-<p:sld xmlns:a="http://schemas.openxmlformats.org/drawingml/2006/main" xmlns:r="http://schemas.openxmlformats.org/officeDocument/2006/relationships" xmlns:p="http://schemas.openxmlformats.org/presentationml/2006/main">
-  <p:cSld>
-    <p:spTree>
-      <p:nvGrpSpPr>
-        <p:cNvPr id="1" name=""/>
-        <p:cNvGrpSpPr/>
-        <p:nvPr/>
-      </p:nvGrpSpPr>
-      <p:grpSpPr>
-        <a:xfrm>
-          <a:off x="0" y="0"/>
-          <a:ext cx="0" cy="0"/>
-          <a:chOff x="0" y="0"/>
-          <a:chExt cx="0" cy="0"/>
-        </a:xfrm>
-      </p:grpSpPr>
-      <p:sp>
-        <p:nvSpPr>
-          <p:cNvPr id="2" name="Titre 1"/>
-          <p:cNvSpPr>
-            <a:spLocks noGrp="1"/>
-          </p:cNvSpPr>
-          <p:nvPr>
-            <p:ph type="title"/>
-          </p:nvPr>
-        </p:nvSpPr>
-        <p:spPr/>
-        <p:txBody>
-          <a:bodyPr>
-            <a:normAutofit/>
-          </a:bodyPr>
-          <a:lstStyle/>
-          <a:p>
-            <a:pPr algn="ctr"/>
-            <a:r>
-              <a:rPr lang="fr-FR" sz="5000" b="1" dirty="0" smtClean="0">
-                <a:solidFill>
-                  <a:srgbClr val="FF0000"/>
-                </a:solidFill>
-                <a:latin typeface="Times New Roman" panose="02020603050405020304" pitchFamily="18" charset="0"/>
-                <a:cs typeface="Times New Roman" panose="02020603050405020304" pitchFamily="18" charset="0"/>
-              </a:rPr>
-              <a:t>STRENGTH AND WEAKNESS</a:t>
-            </a:r>
-            <a:endParaRPr lang="fr-FR" sz="5000" b="1" dirty="0">
-              <a:solidFill>
-                <a:srgbClr val="FF0000"/>
-              </a:solidFill>
-              <a:latin typeface="Times New Roman" panose="02020603050405020304" pitchFamily="18" charset="0"/>
-              <a:cs typeface="Times New Roman" panose="02020603050405020304" pitchFamily="18" charset="0"/>
-            </a:endParaRPr>
-          </a:p>
-        </p:txBody>
-      </p:sp>
-      <p:sp>
-        <p:nvSpPr>
-          <p:cNvPr id="3" name="Espace réservé du contenu 2"/>
-          <p:cNvSpPr>
-            <a:spLocks noGrp="1"/>
-          </p:cNvSpPr>
-          <p:nvPr>
-            <p:ph idx="1"/>
-          </p:nvPr>
-        </p:nvSpPr>
-        <p:spPr>
-          <a:xfrm>
-            <a:off x="528711" y="1859502"/>
-            <a:ext cx="4915486" cy="4583502"/>
-          </a:xfrm>
-        </p:spPr>
-        <p:txBody>
-          <a:bodyPr/>
-          <a:lstStyle/>
-          <a:p>
-            <a:pPr algn="ctr">
-              <a:buFont typeface="Wingdings" panose="05000000000000000000" pitchFamily="2" charset="2"/>
-              <a:buChar char="J"/>
-            </a:pPr>
-            <a:r>
-              <a:rPr lang="fr-FR" sz="4500" b="1" dirty="0" smtClean="0">
-                <a:solidFill>
-                  <a:srgbClr val="00B050"/>
-                </a:solidFill>
-                <a:latin typeface="Times New Roman" panose="02020603050405020304" pitchFamily="18" charset="0"/>
-                <a:cs typeface="Times New Roman" panose="02020603050405020304" pitchFamily="18" charset="0"/>
-              </a:rPr>
-              <a:t>STRENGTH </a:t>
-            </a:r>
-            <a:r>
-              <a:rPr lang="fr-FR" sz="4500" b="1" dirty="0" smtClean="0">
-                <a:latin typeface="Times New Roman" panose="02020603050405020304" pitchFamily="18" charset="0"/>
-                <a:cs typeface="Times New Roman" panose="02020603050405020304" pitchFamily="18" charset="0"/>
-              </a:rPr>
-              <a:t>                            </a:t>
-            </a:r>
-          </a:p>
-          <a:p>
-            <a:pPr marL="0" indent="0" algn="ctr">
-              <a:buNone/>
-            </a:pPr>
-            <a:r>
-              <a:rPr lang="fr-FR" sz="4500" dirty="0" err="1" smtClean="0">
-                <a:latin typeface="Times New Roman" panose="02020603050405020304" pitchFamily="18" charset="0"/>
-                <a:cs typeface="Times New Roman" panose="02020603050405020304" pitchFamily="18" charset="0"/>
-              </a:rPr>
-              <a:t>Kegne</a:t>
-            </a:r>
-            <a:r>
-              <a:rPr lang="fr-FR" sz="4500" dirty="0" smtClean="0">
-                <a:latin typeface="Times New Roman" panose="02020603050405020304" pitchFamily="18" charset="0"/>
-                <a:cs typeface="Times New Roman" panose="02020603050405020304" pitchFamily="18" charset="0"/>
-              </a:rPr>
-              <a:t> </a:t>
-            </a:r>
-            <a:r>
-              <a:rPr lang="fr-FR" sz="4500" dirty="0" err="1" smtClean="0">
-                <a:latin typeface="Times New Roman" panose="02020603050405020304" pitchFamily="18" charset="0"/>
-                <a:cs typeface="Times New Roman" panose="02020603050405020304" pitchFamily="18" charset="0"/>
-              </a:rPr>
-              <a:t>Heidy</a:t>
-            </a:r>
-            <a:r>
-              <a:rPr lang="fr-FR" sz="4500" dirty="0" smtClean="0">
-                <a:latin typeface="Times New Roman" panose="02020603050405020304" pitchFamily="18" charset="0"/>
-                <a:cs typeface="Times New Roman" panose="02020603050405020304" pitchFamily="18" charset="0"/>
-              </a:rPr>
-              <a:t> </a:t>
-            </a:r>
-          </a:p>
-          <a:p>
-            <a:pPr marL="0" indent="0" algn="ctr">
-              <a:buNone/>
-            </a:pPr>
-            <a:r>
-              <a:rPr lang="fr-FR" sz="4500" dirty="0" err="1" smtClean="0">
-                <a:latin typeface="Times New Roman" panose="02020603050405020304" pitchFamily="18" charset="0"/>
-                <a:cs typeface="Times New Roman" panose="02020603050405020304" pitchFamily="18" charset="0"/>
-              </a:rPr>
-              <a:t>Nodjimadji</a:t>
-            </a:r>
-            <a:r>
-              <a:rPr lang="fr-FR" sz="4500" dirty="0" smtClean="0">
-                <a:latin typeface="Times New Roman" panose="02020603050405020304" pitchFamily="18" charset="0"/>
-                <a:cs typeface="Times New Roman" panose="02020603050405020304" pitchFamily="18" charset="0"/>
-              </a:rPr>
-              <a:t> </a:t>
-            </a:r>
-            <a:r>
-              <a:rPr lang="fr-FR" sz="4500" dirty="0" err="1" smtClean="0">
-                <a:latin typeface="Times New Roman" panose="02020603050405020304" pitchFamily="18" charset="0"/>
-                <a:cs typeface="Times New Roman" panose="02020603050405020304" pitchFamily="18" charset="0"/>
-              </a:rPr>
-              <a:t>Souar</a:t>
-            </a:r>
-            <a:endParaRPr lang="fr-FR" sz="4500" dirty="0" smtClean="0">
-              <a:latin typeface="Times New Roman" panose="02020603050405020304" pitchFamily="18" charset="0"/>
-              <a:cs typeface="Times New Roman" panose="02020603050405020304" pitchFamily="18" charset="0"/>
-            </a:endParaRPr>
-          </a:p>
-          <a:p>
-            <a:pPr marL="0" indent="0" algn="ctr">
-              <a:buNone/>
-            </a:pPr>
-            <a:r>
-              <a:rPr lang="fr-FR" sz="4500" dirty="0" err="1" smtClean="0">
-                <a:latin typeface="Times New Roman" panose="02020603050405020304" pitchFamily="18" charset="0"/>
-                <a:cs typeface="Times New Roman" panose="02020603050405020304" pitchFamily="18" charset="0"/>
-              </a:rPr>
-              <a:t>Fenyom</a:t>
-            </a:r>
-            <a:r>
-              <a:rPr lang="fr-FR" sz="4500" dirty="0" smtClean="0">
-                <a:latin typeface="Times New Roman" panose="02020603050405020304" pitchFamily="18" charset="0"/>
-                <a:cs typeface="Times New Roman" panose="02020603050405020304" pitchFamily="18" charset="0"/>
-              </a:rPr>
-              <a:t> Bryan</a:t>
-            </a:r>
-          </a:p>
-          <a:p>
-            <a:pPr marL="0" indent="0" algn="ctr">
-              <a:buNone/>
-            </a:pPr>
-            <a:r>
-              <a:rPr lang="fr-FR" sz="4500" dirty="0" err="1" smtClean="0">
-                <a:latin typeface="Times New Roman" panose="02020603050405020304" pitchFamily="18" charset="0"/>
-                <a:cs typeface="Times New Roman" panose="02020603050405020304" pitchFamily="18" charset="0"/>
-              </a:rPr>
-              <a:t>Nguessie</a:t>
-            </a:r>
-            <a:r>
-              <a:rPr lang="fr-FR" sz="4500" dirty="0" smtClean="0">
-                <a:latin typeface="Times New Roman" panose="02020603050405020304" pitchFamily="18" charset="0"/>
-                <a:cs typeface="Times New Roman" panose="02020603050405020304" pitchFamily="18" charset="0"/>
-              </a:rPr>
-              <a:t> Fabiola</a:t>
-            </a:r>
-            <a:endParaRPr lang="fr-FR" sz="4500" dirty="0">
-              <a:latin typeface="Times New Roman" panose="02020603050405020304" pitchFamily="18" charset="0"/>
-              <a:cs typeface="Times New Roman" panose="02020603050405020304" pitchFamily="18" charset="0"/>
-            </a:endParaRPr>
-          </a:p>
-          <a:p>
-            <a:pPr marL="0" indent="0">
-              <a:buNone/>
-            </a:pPr>
-            <a:endParaRPr lang="fr-FR" dirty="0" smtClean="0">
-              <a:latin typeface="Times New Roman" panose="02020603050405020304" pitchFamily="18" charset="0"/>
-              <a:cs typeface="Times New Roman" panose="02020603050405020304" pitchFamily="18" charset="0"/>
-            </a:endParaRPr>
-          </a:p>
-        </p:txBody>
-      </p:sp>
-      <p:sp>
-        <p:nvSpPr>
-          <p:cNvPr id="4" name="Espace réservé du contenu 2"/>
-          <p:cNvSpPr txBox="1">
-            <a:spLocks/>
-          </p:cNvSpPr>
-          <p:nvPr/>
-        </p:nvSpPr>
-        <p:spPr>
-          <a:xfrm>
-            <a:off x="6645812" y="1859502"/>
-            <a:ext cx="4426634" cy="4351338"/>
-          </a:xfrm>
-          <a:prstGeom prst="rect">
-            <a:avLst/>
-          </a:prstGeom>
-        </p:spPr>
-        <p:txBody>
-          <a:bodyPr vert="horz" lIns="91440" tIns="45720" rIns="91440" bIns="45720" rtlCol="0">
-            <a:normAutofit/>
-          </a:bodyPr>
-          <a:lstStyle>
-            <a:lvl1pPr marL="228600" indent="-228600" algn="l" defTabSz="914400" rtl="0" eaLnBrk="1" latinLnBrk="0" hangingPunct="1">
-              <a:lnSpc>
-                <a:spcPct val="90000"/>
-              </a:lnSpc>
-              <a:spcBef>
-                <a:spcPts val="1000"/>
-              </a:spcBef>
-              <a:buFont typeface="Arial" panose="020B0604020202020204" pitchFamily="34" charset="0"/>
-              <a:buChar char="•"/>
-              <a:defRPr sz="2800" kern="1200">
-                <a:solidFill>
-                  <a:schemeClr val="tx1"/>
-                </a:solidFill>
-                <a:latin typeface="+mn-lt"/>
-                <a:ea typeface="+mn-ea"/>
-                <a:cs typeface="+mn-cs"/>
-              </a:defRPr>
-            </a:lvl1pPr>
-            <a:lvl2pPr marL="685800" indent="-228600" algn="l" defTabSz="914400" rtl="0" eaLnBrk="1" latinLnBrk="0" hangingPunct="1">
-              <a:lnSpc>
-                <a:spcPct val="90000"/>
-              </a:lnSpc>
-              <a:spcBef>
-                <a:spcPts val="500"/>
-              </a:spcBef>
-              <a:buFont typeface="Arial" panose="020B0604020202020204" pitchFamily="34" charset="0"/>
-              <a:buChar char="•"/>
-              <a:defRPr sz="2400" kern="1200">
-                <a:solidFill>
-                  <a:schemeClr val="tx1"/>
-                </a:solidFill>
-                <a:latin typeface="+mn-lt"/>
-                <a:ea typeface="+mn-ea"/>
-                <a:cs typeface="+mn-cs"/>
-              </a:defRPr>
-            </a:lvl2pPr>
-            <a:lvl3pPr marL="1143000" indent="-228600" algn="l" defTabSz="914400" rtl="0" eaLnBrk="1" latinLnBrk="0" hangingPunct="1">
-              <a:lnSpc>
-                <a:spcPct val="90000"/>
-              </a:lnSpc>
-              <a:spcBef>
-                <a:spcPts val="500"/>
-              </a:spcBef>
-              <a:buFont typeface="Arial" panose="020B0604020202020204" pitchFamily="34" charset="0"/>
-              <a:buChar char="•"/>
-              <a:defRPr sz="2000" kern="1200">
-                <a:solidFill>
-                  <a:schemeClr val="tx1"/>
-                </a:solidFill>
-                <a:latin typeface="+mn-lt"/>
-                <a:ea typeface="+mn-ea"/>
-                <a:cs typeface="+mn-cs"/>
-              </a:defRPr>
-            </a:lvl3pPr>
-            <a:lvl4pPr marL="1600200" indent="-228600" algn="l" defTabSz="914400" rtl="0" eaLnBrk="1" latinLnBrk="0" hangingPunct="1">
-              <a:lnSpc>
-                <a:spcPct val="90000"/>
-              </a:lnSpc>
-              <a:spcBef>
-                <a:spcPts val="500"/>
-              </a:spcBef>
-              <a:buFont typeface="Arial" panose="020B0604020202020204" pitchFamily="34" charset="0"/>
-              <a:buChar char="•"/>
-              <a:defRPr sz="1800" kern="1200">
-                <a:solidFill>
-                  <a:schemeClr val="tx1"/>
-                </a:solidFill>
-                <a:latin typeface="+mn-lt"/>
-                <a:ea typeface="+mn-ea"/>
-                <a:cs typeface="+mn-cs"/>
-              </a:defRPr>
-            </a:lvl4pPr>
-            <a:lvl5pPr marL="2057400" indent="-228600" algn="l" defTabSz="914400" rtl="0" eaLnBrk="1" latinLnBrk="0" hangingPunct="1">
-              <a:lnSpc>
-                <a:spcPct val="90000"/>
-              </a:lnSpc>
-              <a:spcBef>
-                <a:spcPts val="500"/>
-              </a:spcBef>
-              <a:buFont typeface="Arial" panose="020B0604020202020204" pitchFamily="34" charset="0"/>
-              <a:buChar char="•"/>
-              <a:defRPr sz="1800" kern="1200">
-                <a:solidFill>
-                  <a:schemeClr val="tx1"/>
-                </a:solidFill>
-                <a:latin typeface="+mn-lt"/>
-                <a:ea typeface="+mn-ea"/>
-                <a:cs typeface="+mn-cs"/>
-              </a:defRPr>
-            </a:lvl5pPr>
-            <a:lvl6pPr marL="2514600" indent="-228600" algn="l" defTabSz="914400" rtl="0" eaLnBrk="1" latinLnBrk="0" hangingPunct="1">
-              <a:lnSpc>
-                <a:spcPct val="90000"/>
-              </a:lnSpc>
-              <a:spcBef>
-                <a:spcPts val="500"/>
-              </a:spcBef>
-              <a:buFont typeface="Arial" panose="020B0604020202020204" pitchFamily="34" charset="0"/>
-              <a:buChar char="•"/>
-              <a:defRPr sz="1800" kern="1200">
-                <a:solidFill>
-                  <a:schemeClr val="tx1"/>
-                </a:solidFill>
-                <a:latin typeface="+mn-lt"/>
-                <a:ea typeface="+mn-ea"/>
-                <a:cs typeface="+mn-cs"/>
-              </a:defRPr>
-            </a:lvl6pPr>
-            <a:lvl7pPr marL="2971800" indent="-228600" algn="l" defTabSz="914400" rtl="0" eaLnBrk="1" latinLnBrk="0" hangingPunct="1">
-              <a:lnSpc>
-                <a:spcPct val="90000"/>
-              </a:lnSpc>
-              <a:spcBef>
-                <a:spcPts val="500"/>
-              </a:spcBef>
-              <a:buFont typeface="Arial" panose="020B0604020202020204" pitchFamily="34" charset="0"/>
-              <a:buChar char="•"/>
-              <a:defRPr sz="1800" kern="1200">
-                <a:solidFill>
-                  <a:schemeClr val="tx1"/>
-                </a:solidFill>
-                <a:latin typeface="+mn-lt"/>
-                <a:ea typeface="+mn-ea"/>
-                <a:cs typeface="+mn-cs"/>
-              </a:defRPr>
-            </a:lvl7pPr>
-            <a:lvl8pPr marL="3429000" indent="-228600" algn="l" defTabSz="914400" rtl="0" eaLnBrk="1" latinLnBrk="0" hangingPunct="1">
-              <a:lnSpc>
-                <a:spcPct val="90000"/>
-              </a:lnSpc>
-              <a:spcBef>
-                <a:spcPts val="500"/>
-              </a:spcBef>
-              <a:buFont typeface="Arial" panose="020B0604020202020204" pitchFamily="34" charset="0"/>
-              <a:buChar char="•"/>
-              <a:defRPr sz="1800" kern="1200">
-                <a:solidFill>
-                  <a:schemeClr val="tx1"/>
-                </a:solidFill>
-                <a:latin typeface="+mn-lt"/>
-                <a:ea typeface="+mn-ea"/>
-                <a:cs typeface="+mn-cs"/>
-              </a:defRPr>
-            </a:lvl8pPr>
-            <a:lvl9pPr marL="3886200" indent="-228600" algn="l" defTabSz="914400" rtl="0" eaLnBrk="1" latinLnBrk="0" hangingPunct="1">
-              <a:lnSpc>
-                <a:spcPct val="90000"/>
-              </a:lnSpc>
-              <a:spcBef>
-                <a:spcPts val="500"/>
-              </a:spcBef>
-              <a:buFont typeface="Arial" panose="020B0604020202020204" pitchFamily="34" charset="0"/>
-              <a:buChar char="•"/>
-              <a:defRPr sz="1800" kern="1200">
-                <a:solidFill>
-                  <a:schemeClr val="tx1"/>
-                </a:solidFill>
-                <a:latin typeface="+mn-lt"/>
-                <a:ea typeface="+mn-ea"/>
-                <a:cs typeface="+mn-cs"/>
-              </a:defRPr>
-            </a:lvl9pPr>
-          </a:lstStyle>
-          <a:p>
-            <a:pPr algn="ctr">
-              <a:buFont typeface="Wingdings" panose="05000000000000000000" pitchFamily="2" charset="2"/>
-              <a:buChar char="L"/>
-            </a:pPr>
-            <a:r>
-              <a:rPr lang="fr-FR" sz="4500" b="1" dirty="0" smtClean="0">
-                <a:solidFill>
-                  <a:srgbClr val="FF0000"/>
-                </a:solidFill>
-                <a:latin typeface="Times New Roman" panose="02020603050405020304" pitchFamily="18" charset="0"/>
-                <a:cs typeface="Times New Roman" panose="02020603050405020304" pitchFamily="18" charset="0"/>
-              </a:rPr>
-              <a:t>WEAKNESS</a:t>
-            </a:r>
-            <a:r>
-              <a:rPr lang="fr-FR" sz="4500" b="1" dirty="0" smtClean="0">
-                <a:latin typeface="Times New Roman" panose="02020603050405020304" pitchFamily="18" charset="0"/>
-                <a:cs typeface="Times New Roman" panose="02020603050405020304" pitchFamily="18" charset="0"/>
-              </a:rPr>
-              <a:t>                          </a:t>
-            </a:r>
-          </a:p>
-          <a:p>
-            <a:pPr marL="0" indent="0" algn="ctr">
-              <a:buFont typeface="Arial" panose="020B0604020202020204" pitchFamily="34" charset="0"/>
-              <a:buNone/>
-            </a:pPr>
-            <a:r>
-              <a:rPr lang="fr-FR" sz="4500" dirty="0" err="1" smtClean="0">
-                <a:latin typeface="Times New Roman" panose="02020603050405020304" pitchFamily="18" charset="0"/>
-                <a:cs typeface="Times New Roman" panose="02020603050405020304" pitchFamily="18" charset="0"/>
-              </a:rPr>
-              <a:t>Kegne</a:t>
-            </a:r>
-            <a:r>
-              <a:rPr lang="fr-FR" sz="4500" dirty="0" smtClean="0">
-                <a:latin typeface="Times New Roman" panose="02020603050405020304" pitchFamily="18" charset="0"/>
-                <a:cs typeface="Times New Roman" panose="02020603050405020304" pitchFamily="18" charset="0"/>
-              </a:rPr>
-              <a:t> </a:t>
-            </a:r>
-            <a:r>
-              <a:rPr lang="fr-FR" sz="4500" dirty="0" err="1" smtClean="0">
-                <a:latin typeface="Times New Roman" panose="02020603050405020304" pitchFamily="18" charset="0"/>
-                <a:cs typeface="Times New Roman" panose="02020603050405020304" pitchFamily="18" charset="0"/>
-              </a:rPr>
-              <a:t>Heidy</a:t>
-            </a:r>
-            <a:r>
-              <a:rPr lang="fr-FR" sz="4500" dirty="0" smtClean="0">
-                <a:latin typeface="Times New Roman" panose="02020603050405020304" pitchFamily="18" charset="0"/>
-                <a:cs typeface="Times New Roman" panose="02020603050405020304" pitchFamily="18" charset="0"/>
-              </a:rPr>
-              <a:t> </a:t>
-            </a:r>
-          </a:p>
-          <a:p>
-            <a:pPr marL="0" indent="0" algn="ctr">
-              <a:buFont typeface="Arial" panose="020B0604020202020204" pitchFamily="34" charset="0"/>
-              <a:buNone/>
-            </a:pPr>
-            <a:r>
-              <a:rPr lang="fr-FR" sz="4500" dirty="0" err="1" smtClean="0">
-                <a:latin typeface="Times New Roman" panose="02020603050405020304" pitchFamily="18" charset="0"/>
-                <a:cs typeface="Times New Roman" panose="02020603050405020304" pitchFamily="18" charset="0"/>
-              </a:rPr>
-              <a:t>Nodjimadji</a:t>
-            </a:r>
-            <a:r>
-              <a:rPr lang="fr-FR" sz="4500" dirty="0" smtClean="0">
-                <a:latin typeface="Times New Roman" panose="02020603050405020304" pitchFamily="18" charset="0"/>
-                <a:cs typeface="Times New Roman" panose="02020603050405020304" pitchFamily="18" charset="0"/>
-              </a:rPr>
-              <a:t> </a:t>
-            </a:r>
-            <a:r>
-              <a:rPr lang="fr-FR" sz="4500" dirty="0" err="1" smtClean="0">
-                <a:latin typeface="Times New Roman" panose="02020603050405020304" pitchFamily="18" charset="0"/>
-                <a:cs typeface="Times New Roman" panose="02020603050405020304" pitchFamily="18" charset="0"/>
-              </a:rPr>
-              <a:t>Souar</a:t>
-            </a:r>
-            <a:endParaRPr lang="fr-FR" sz="4500" dirty="0" smtClean="0">
-              <a:latin typeface="Times New Roman" panose="02020603050405020304" pitchFamily="18" charset="0"/>
-              <a:cs typeface="Times New Roman" panose="02020603050405020304" pitchFamily="18" charset="0"/>
-            </a:endParaRPr>
-          </a:p>
-          <a:p>
-            <a:pPr marL="0" indent="0" algn="ctr">
-              <a:buFont typeface="Arial" panose="020B0604020202020204" pitchFamily="34" charset="0"/>
-              <a:buNone/>
-            </a:pPr>
-            <a:r>
-              <a:rPr lang="fr-FR" sz="4500" dirty="0" err="1" smtClean="0">
-                <a:latin typeface="Times New Roman" panose="02020603050405020304" pitchFamily="18" charset="0"/>
-                <a:cs typeface="Times New Roman" panose="02020603050405020304" pitchFamily="18" charset="0"/>
-              </a:rPr>
-              <a:t>Fenyom</a:t>
-            </a:r>
-            <a:r>
-              <a:rPr lang="fr-FR" sz="4500" dirty="0" smtClean="0">
-                <a:latin typeface="Times New Roman" panose="02020603050405020304" pitchFamily="18" charset="0"/>
-                <a:cs typeface="Times New Roman" panose="02020603050405020304" pitchFamily="18" charset="0"/>
-              </a:rPr>
-              <a:t> Bryan</a:t>
-            </a:r>
-          </a:p>
-          <a:p>
-            <a:pPr marL="0" indent="0" algn="ctr">
-              <a:buFont typeface="Arial" panose="020B0604020202020204" pitchFamily="34" charset="0"/>
-              <a:buNone/>
-            </a:pPr>
-            <a:r>
-              <a:rPr lang="fr-FR" sz="4500" dirty="0" err="1" smtClean="0">
-                <a:latin typeface="Times New Roman" panose="02020603050405020304" pitchFamily="18" charset="0"/>
-                <a:cs typeface="Times New Roman" panose="02020603050405020304" pitchFamily="18" charset="0"/>
-              </a:rPr>
-              <a:t>Nguessie</a:t>
-            </a:r>
-            <a:r>
-              <a:rPr lang="fr-FR" sz="4500" dirty="0" smtClean="0">
-                <a:latin typeface="Times New Roman" panose="02020603050405020304" pitchFamily="18" charset="0"/>
-                <a:cs typeface="Times New Roman" panose="02020603050405020304" pitchFamily="18" charset="0"/>
-              </a:rPr>
-              <a:t> Fabiola</a:t>
-            </a:r>
-          </a:p>
-          <a:p>
-            <a:pPr marL="0" indent="0">
-              <a:buFont typeface="Arial" panose="020B0604020202020204" pitchFamily="34" charset="0"/>
-              <a:buNone/>
-            </a:pPr>
-            <a:endParaRPr lang="fr-FR" dirty="0" smtClean="0">
-              <a:latin typeface="Times New Roman" panose="02020603050405020304" pitchFamily="18" charset="0"/>
-              <a:cs typeface="Times New Roman" panose="02020603050405020304" pitchFamily="18" charset="0"/>
-            </a:endParaRPr>
-          </a:p>
-        </p:txBody>
-      </p:sp>
-    </p:spTree>
-    <p:extLst>
-      <p:ext uri="{BB962C8B-B14F-4D97-AF65-F5344CB8AC3E}">
-        <p14:creationId xmlns:p14="http://schemas.microsoft.com/office/powerpoint/2010/main" val="89503924"/>
-      </p:ext>
-    </p:extLst>
-  </p:cSld>
-  <p:clrMapOvr>
-    <a:masterClrMapping/>
-  </p:clrMapOvr>
-  <p:timing>
-    <p:tnLst>
-      <p:par>
-        <p:cTn id="1" dur="indefinite" restart="never" nodeType="tmRoot"/>
-      </p:par>
-    </p:tnLst>
-  </p:timing>
-</p:sld>
-</file>
-
-<file path=ppt/slides/slide21.xml><?xml version="1.0" encoding="utf-8"?>
-<p:sld xmlns:a="http://schemas.openxmlformats.org/drawingml/2006/main" xmlns:r="http://schemas.openxmlformats.org/officeDocument/2006/relationships" xmlns:p="http://schemas.openxmlformats.org/presentationml/2006/main">
-  <p:cSld>
-    <p:spTree>
-      <p:nvGrpSpPr>
-        <p:cNvPr id="1" name=""/>
-        <p:cNvGrpSpPr/>
-        <p:nvPr/>
-      </p:nvGrpSpPr>
-      <p:grpSpPr>
-        <a:xfrm>
-          <a:off x="0" y="0"/>
-          <a:ext cx="0" cy="0"/>
-          <a:chOff x="0" y="0"/>
-          <a:chExt cx="0" cy="0"/>
-        </a:xfrm>
-      </p:grpSpPr>
-      <p:pic>
-        <p:nvPicPr>
-          <p:cNvPr id="5" name="Image 4"/>
-          <p:cNvPicPr>
-            <a:picLocks noChangeAspect="1"/>
-          </p:cNvPicPr>
-          <p:nvPr/>
-        </p:nvPicPr>
-        <p:blipFill rotWithShape="1">
-          <a:blip r:embed="rId2" cstate="print">
-            <a:extLst>
-              <a:ext uri="{28A0092B-C50C-407E-A947-70E740481C1C}">
-                <a14:useLocalDpi xmlns:a14="http://schemas.microsoft.com/office/drawing/2010/main" val="0"/>
-              </a:ext>
-            </a:extLst>
-          </a:blip>
-          <a:srcRect b="7855"/>
-          <a:stretch/>
-        </p:blipFill>
-        <p:spPr>
-          <a:xfrm>
-            <a:off x="0" y="0"/>
-            <a:ext cx="12192000" cy="6858000"/>
-          </a:xfrm>
-          <a:prstGeom prst="rect">
-            <a:avLst/>
-          </a:prstGeom>
-        </p:spPr>
-      </p:pic>
-      <p:sp>
-        <p:nvSpPr>
-          <p:cNvPr id="3" name="Espace réservé du contenu 2"/>
-          <p:cNvSpPr>
-            <a:spLocks noGrp="1"/>
-          </p:cNvSpPr>
-          <p:nvPr>
-            <p:ph idx="1"/>
-          </p:nvPr>
-        </p:nvSpPr>
-        <p:spPr>
-          <a:xfrm>
-            <a:off x="838200" y="2514942"/>
-            <a:ext cx="10515600" cy="3871790"/>
-          </a:xfrm>
-        </p:spPr>
-        <p:txBody>
-          <a:bodyPr>
-            <a:normAutofit/>
-          </a:bodyPr>
-          <a:lstStyle/>
-          <a:p>
-            <a:pPr>
-              <a:buFont typeface="Wingdings" panose="05000000000000000000" pitchFamily="2" charset="2"/>
-              <a:buChar char="q"/>
-            </a:pPr>
-            <a:r>
-              <a:rPr lang="fr-FR" sz="4000" dirty="0" smtClean="0">
-                <a:latin typeface="Times New Roman" panose="02020603050405020304" pitchFamily="18" charset="0"/>
-                <a:cs typeface="Times New Roman" panose="02020603050405020304" pitchFamily="18" charset="0"/>
-              </a:rPr>
-              <a:t>Difficulties encounter during the projet</a:t>
-            </a:r>
-          </a:p>
-          <a:p>
-            <a:pPr>
-              <a:buFont typeface="Wingdings" panose="05000000000000000000" pitchFamily="2" charset="2"/>
-              <a:buChar char="q"/>
-            </a:pPr>
-            <a:endParaRPr lang="fr-FR" sz="4000" dirty="0" smtClean="0">
-              <a:latin typeface="Times New Roman" panose="02020603050405020304" pitchFamily="18" charset="0"/>
-              <a:cs typeface="Times New Roman" panose="02020603050405020304" pitchFamily="18" charset="0"/>
-            </a:endParaRPr>
-          </a:p>
-          <a:p>
-            <a:pPr>
-              <a:buFont typeface="Wingdings" panose="05000000000000000000" pitchFamily="2" charset="2"/>
-              <a:buChar char="q"/>
-            </a:pPr>
-            <a:r>
-              <a:rPr lang="fr-FR" sz="4000" dirty="0" smtClean="0">
-                <a:latin typeface="Times New Roman" panose="02020603050405020304" pitchFamily="18" charset="0"/>
-                <a:cs typeface="Times New Roman" panose="02020603050405020304" pitchFamily="18" charset="0"/>
-              </a:rPr>
-              <a:t>Reasons for the difficulties</a:t>
-            </a:r>
-          </a:p>
-          <a:p>
-            <a:pPr>
-              <a:buFont typeface="Wingdings" panose="05000000000000000000" pitchFamily="2" charset="2"/>
-              <a:buChar char="q"/>
-            </a:pPr>
-            <a:endParaRPr lang="fr-FR" sz="4000" dirty="0" smtClean="0">
-              <a:latin typeface="Times New Roman" panose="02020603050405020304" pitchFamily="18" charset="0"/>
-              <a:cs typeface="Times New Roman" panose="02020603050405020304" pitchFamily="18" charset="0"/>
-            </a:endParaRPr>
-          </a:p>
-          <a:p>
-            <a:pPr>
-              <a:buFont typeface="Wingdings" panose="05000000000000000000" pitchFamily="2" charset="2"/>
-              <a:buChar char="q"/>
-            </a:pPr>
-            <a:r>
-              <a:rPr lang="fr-FR" sz="4000" dirty="0" smtClean="0">
-                <a:latin typeface="Times New Roman" panose="02020603050405020304" pitchFamily="18" charset="0"/>
-                <a:cs typeface="Times New Roman" panose="02020603050405020304" pitchFamily="18" charset="0"/>
-              </a:rPr>
-              <a:t>How well can you remedy to the situation</a:t>
-            </a:r>
-            <a:endParaRPr lang="fr-FR" sz="4000" dirty="0">
-              <a:latin typeface="Times New Roman" panose="02020603050405020304" pitchFamily="18" charset="0"/>
-              <a:cs typeface="Times New Roman" panose="02020603050405020304" pitchFamily="18" charset="0"/>
-            </a:endParaRPr>
-          </a:p>
-        </p:txBody>
-      </p:sp>
-    </p:spTree>
-    <p:extLst>
-      <p:ext uri="{BB962C8B-B14F-4D97-AF65-F5344CB8AC3E}">
-        <p14:creationId xmlns:p14="http://schemas.microsoft.com/office/powerpoint/2010/main" val="2302074517"/>
       </p:ext>
     </p:extLst>
   </p:cSld>
@@ -5935,1962 +4687,152 @@
         </p:nvSpPr>
         <p:spPr>
           <a:xfrm>
-            <a:off x="767862" y="17372"/>
+            <a:off x="838200" y="109343"/>
             <a:ext cx="10515600" cy="1325563"/>
           </a:xfrm>
         </p:spPr>
         <p:txBody>
-          <a:bodyPr/>
+          <a:bodyPr>
+            <a:normAutofit/>
+          </a:bodyPr>
           <a:lstStyle/>
           <a:p>
             <a:pPr algn="ctr"/>
             <a:r>
-              <a:rPr lang="fr-FR" b="1" dirty="0" smtClean="0">
+              <a:rPr lang="fr-FR" sz="5000" b="1" dirty="0">
                 <a:solidFill>
                   <a:srgbClr val="FF0000"/>
                 </a:solidFill>
                 <a:latin typeface="Times New Roman" panose="02020603050405020304" pitchFamily="18" charset="0"/>
                 <a:cs typeface="Times New Roman" panose="02020603050405020304" pitchFamily="18" charset="0"/>
               </a:rPr>
-              <a:t>ROLES ATTRIBUTED</a:t>
-            </a:r>
-            <a:endParaRPr lang="fr-FR" b="1" dirty="0">
-              <a:solidFill>
-                <a:srgbClr val="FF0000"/>
-              </a:solidFill>
+              <a:t>TABLE OF CONTENT</a:t>
+            </a:r>
+          </a:p>
+        </p:txBody>
+      </p:sp>
+      <p:sp>
+        <p:nvSpPr>
+          <p:cNvPr id="3" name="Espace réservé du contenu 2"/>
+          <p:cNvSpPr>
+            <a:spLocks noGrp="1"/>
+          </p:cNvSpPr>
+          <p:nvPr>
+            <p:ph idx="1"/>
+          </p:nvPr>
+        </p:nvSpPr>
+        <p:spPr>
+          <a:xfrm>
+            <a:off x="838200" y="1434906"/>
+            <a:ext cx="10515600" cy="5148774"/>
+          </a:xfrm>
+        </p:spPr>
+        <p:txBody>
+          <a:bodyPr>
+            <a:normAutofit/>
+          </a:bodyPr>
+          <a:lstStyle/>
+          <a:p>
+            <a:pPr marL="514350" indent="-514350">
+              <a:buFont typeface="+mj-lt"/>
+              <a:buAutoNum type="arabicPeriod"/>
+            </a:pPr>
+            <a:r>
+              <a:rPr lang="fr-FR" sz="4000" b="1" dirty="0" smtClean="0">
+                <a:latin typeface="Times New Roman" panose="02020603050405020304" pitchFamily="18" charset="0"/>
+                <a:cs typeface="Times New Roman" panose="02020603050405020304" pitchFamily="18" charset="0"/>
+              </a:rPr>
+              <a:t>PROJECT PRESENTATION</a:t>
+            </a:r>
+          </a:p>
+          <a:p>
+            <a:pPr marL="514350" indent="-514350">
+              <a:buFont typeface="+mj-lt"/>
+              <a:buAutoNum type="arabicPeriod"/>
+            </a:pPr>
+            <a:r>
+              <a:rPr lang="fr-FR" sz="4000" b="1" dirty="0" smtClean="0">
+                <a:latin typeface="Times New Roman" panose="02020603050405020304" pitchFamily="18" charset="0"/>
+                <a:cs typeface="Times New Roman" panose="02020603050405020304" pitchFamily="18" charset="0"/>
+              </a:rPr>
+              <a:t>GANTT </a:t>
+            </a:r>
+          </a:p>
+          <a:p>
+            <a:pPr marL="514350" indent="-514350">
+              <a:buFont typeface="+mj-lt"/>
+              <a:buAutoNum type="arabicPeriod"/>
+            </a:pPr>
+            <a:r>
+              <a:rPr lang="fr-FR" sz="4000" b="1" dirty="0" smtClean="0">
+                <a:latin typeface="Times New Roman" panose="02020603050405020304" pitchFamily="18" charset="0"/>
+                <a:cs typeface="Times New Roman" panose="02020603050405020304" pitchFamily="18" charset="0"/>
+              </a:rPr>
+              <a:t>DESCRIPTION OF TOOLS USED</a:t>
+            </a:r>
+          </a:p>
+          <a:p>
+            <a:pPr marL="514350" indent="-514350">
+              <a:buFont typeface="+mj-lt"/>
+              <a:buAutoNum type="arabicPeriod"/>
+            </a:pPr>
+            <a:r>
+              <a:rPr lang="fr-FR" sz="4000" b="1" dirty="0" smtClean="0">
+                <a:latin typeface="Times New Roman" panose="02020603050405020304" pitchFamily="18" charset="0"/>
+                <a:cs typeface="Times New Roman" panose="02020603050405020304" pitchFamily="18" charset="0"/>
+              </a:rPr>
+              <a:t>APPLICATION PRESENTATION</a:t>
+            </a:r>
+          </a:p>
+          <a:p>
+            <a:pPr marL="514350" indent="-514350">
+              <a:buFont typeface="+mj-lt"/>
+              <a:buAutoNum type="arabicPeriod"/>
+            </a:pPr>
+            <a:r>
+              <a:rPr lang="fr-FR" sz="4000" b="1" dirty="0" smtClean="0">
+                <a:latin typeface="Times New Roman" panose="02020603050405020304" pitchFamily="18" charset="0"/>
+                <a:cs typeface="Times New Roman" panose="02020603050405020304" pitchFamily="18" charset="0"/>
+              </a:rPr>
+              <a:t>UML </a:t>
+            </a:r>
+            <a:r>
+              <a:rPr lang="fr-FR" sz="4000" b="1" dirty="0" smtClean="0">
+                <a:latin typeface="Times New Roman" panose="02020603050405020304" pitchFamily="18" charset="0"/>
+                <a:cs typeface="Times New Roman" panose="02020603050405020304" pitchFamily="18" charset="0"/>
+              </a:rPr>
+              <a:t>DIAGRAMS</a:t>
+            </a:r>
+            <a:endParaRPr lang="fr-FR" sz="4000" b="1" dirty="0" smtClean="0">
               <a:latin typeface="Times New Roman" panose="02020603050405020304" pitchFamily="18" charset="0"/>
               <a:cs typeface="Times New Roman" panose="02020603050405020304" pitchFamily="18" charset="0"/>
             </a:endParaRPr>
           </a:p>
-        </p:txBody>
-      </p:sp>
-      <p:sp>
-        <p:nvSpPr>
-          <p:cNvPr id="3" name="Espace réservé du contenu 2"/>
-          <p:cNvSpPr>
-            <a:spLocks noGrp="1"/>
-          </p:cNvSpPr>
-          <p:nvPr>
-            <p:ph idx="1"/>
-          </p:nvPr>
-        </p:nvSpPr>
-        <p:spPr>
-          <a:xfrm>
-            <a:off x="8710826" y="979786"/>
-            <a:ext cx="2993494" cy="2491189"/>
-          </a:xfrm>
-        </p:spPr>
-        <p:txBody>
-          <a:bodyPr>
-            <a:normAutofit fontScale="70000" lnSpcReduction="20000"/>
-          </a:bodyPr>
-          <a:lstStyle/>
-          <a:p>
-            <a:pPr marL="0" indent="0">
-              <a:buNone/>
+          <a:p>
+            <a:pPr marL="514350" indent="-514350">
+              <a:buFont typeface="+mj-lt"/>
+              <a:buAutoNum type="arabicPeriod"/>
             </a:pPr>
             <a:r>
-              <a:rPr lang="fr-FR" sz="3000" b="1" dirty="0" smtClean="0">
-                <a:solidFill>
-                  <a:srgbClr val="FF0000"/>
-                </a:solidFill>
-                <a:latin typeface="Times New Roman" panose="02020603050405020304" pitchFamily="18" charset="0"/>
-                <a:cs typeface="Times New Roman" panose="02020603050405020304" pitchFamily="18" charset="0"/>
-              </a:rPr>
-              <a:t>3.Game Code</a:t>
-            </a:r>
-          </a:p>
-          <a:p>
-            <a:pPr>
-              <a:buFont typeface="Wingdings" panose="05000000000000000000" pitchFamily="2" charset="2"/>
-              <a:buChar char="Ø"/>
-            </a:pPr>
-            <a:r>
-              <a:rPr lang="en-US" dirty="0">
-                <a:solidFill>
-                  <a:srgbClr val="7030A0"/>
-                </a:solidFill>
-                <a:latin typeface="Times New Roman" panose="02020603050405020304" pitchFamily="18" charset="0"/>
-                <a:cs typeface="Times New Roman" panose="02020603050405020304" pitchFamily="18" charset="0"/>
-              </a:rPr>
-              <a:t>C</a:t>
-            </a:r>
-            <a:r>
-              <a:rPr lang="en-US" dirty="0" smtClean="0">
-                <a:solidFill>
-                  <a:srgbClr val="7030A0"/>
-                </a:solidFill>
-                <a:latin typeface="Times New Roman" panose="02020603050405020304" pitchFamily="18" charset="0"/>
-                <a:cs typeface="Times New Roman" panose="02020603050405020304" pitchFamily="18" charset="0"/>
-              </a:rPr>
-              <a:t>ontroller</a:t>
-            </a:r>
-            <a:endParaRPr lang="en-US" dirty="0">
-              <a:solidFill>
-                <a:srgbClr val="7030A0"/>
-              </a:solidFill>
-              <a:latin typeface="Times New Roman" panose="02020603050405020304" pitchFamily="18" charset="0"/>
-              <a:cs typeface="Times New Roman" panose="02020603050405020304" pitchFamily="18" charset="0"/>
-            </a:endParaRPr>
-          </a:p>
-          <a:p>
-            <a:pPr>
-              <a:buFont typeface="Wingdings" panose="05000000000000000000" pitchFamily="2" charset="2"/>
-              <a:buChar char="Ø"/>
-            </a:pPr>
-            <a:r>
-              <a:rPr lang="en-US" dirty="0" smtClean="0">
-                <a:solidFill>
-                  <a:srgbClr val="00B0F0"/>
-                </a:solidFill>
-                <a:latin typeface="Times New Roman" panose="02020603050405020304" pitchFamily="18" charset="0"/>
-                <a:cs typeface="Times New Roman" panose="02020603050405020304" pitchFamily="18" charset="0"/>
-              </a:rPr>
-              <a:t>Entity</a:t>
-            </a:r>
-            <a:endParaRPr lang="en-US" dirty="0">
-              <a:solidFill>
-                <a:srgbClr val="00B0F0"/>
-              </a:solidFill>
-              <a:latin typeface="Times New Roman" panose="02020603050405020304" pitchFamily="18" charset="0"/>
-              <a:cs typeface="Times New Roman" panose="02020603050405020304" pitchFamily="18" charset="0"/>
-            </a:endParaRPr>
-          </a:p>
-          <a:p>
-            <a:pPr>
-              <a:buFont typeface="Wingdings" panose="05000000000000000000" pitchFamily="2" charset="2"/>
-              <a:buChar char="Ø"/>
-            </a:pPr>
-            <a:r>
-              <a:rPr lang="en-US" dirty="0">
-                <a:solidFill>
-                  <a:srgbClr val="00B0F0"/>
-                </a:solidFill>
-                <a:latin typeface="Times New Roman" panose="02020603050405020304" pitchFamily="18" charset="0"/>
-                <a:cs typeface="Times New Roman" panose="02020603050405020304" pitchFamily="18" charset="0"/>
-              </a:rPr>
-              <a:t>M</a:t>
-            </a:r>
-            <a:r>
-              <a:rPr lang="en-US" dirty="0" smtClean="0">
-                <a:solidFill>
-                  <a:srgbClr val="00B0F0"/>
-                </a:solidFill>
-                <a:latin typeface="Times New Roman" panose="02020603050405020304" pitchFamily="18" charset="0"/>
-                <a:cs typeface="Times New Roman" panose="02020603050405020304" pitchFamily="18" charset="0"/>
-              </a:rPr>
-              <a:t>odel</a:t>
-            </a:r>
-            <a:endParaRPr lang="en-US" dirty="0">
-              <a:solidFill>
-                <a:srgbClr val="00B0F0"/>
-              </a:solidFill>
-              <a:latin typeface="Times New Roman" panose="02020603050405020304" pitchFamily="18" charset="0"/>
-              <a:cs typeface="Times New Roman" panose="02020603050405020304" pitchFamily="18" charset="0"/>
-            </a:endParaRPr>
-          </a:p>
-          <a:p>
-            <a:pPr>
-              <a:buFont typeface="Wingdings" panose="05000000000000000000" pitchFamily="2" charset="2"/>
-              <a:buChar char="Ø"/>
-            </a:pPr>
-            <a:r>
-              <a:rPr lang="en-US" dirty="0">
-                <a:solidFill>
-                  <a:srgbClr val="FF0066"/>
-                </a:solidFill>
-                <a:latin typeface="Times New Roman" panose="02020603050405020304" pitchFamily="18" charset="0"/>
-                <a:cs typeface="Times New Roman" panose="02020603050405020304" pitchFamily="18" charset="0"/>
-              </a:rPr>
-              <a:t>V</a:t>
-            </a:r>
-            <a:r>
-              <a:rPr lang="en-US" dirty="0" smtClean="0">
-                <a:solidFill>
-                  <a:srgbClr val="FF0066"/>
-                </a:solidFill>
-                <a:latin typeface="Times New Roman" panose="02020603050405020304" pitchFamily="18" charset="0"/>
-                <a:cs typeface="Times New Roman" panose="02020603050405020304" pitchFamily="18" charset="0"/>
-              </a:rPr>
-              <a:t>iew</a:t>
-            </a:r>
-            <a:endParaRPr lang="en-US" dirty="0">
-              <a:solidFill>
-                <a:srgbClr val="FF0066"/>
-              </a:solidFill>
-              <a:latin typeface="Times New Roman" panose="02020603050405020304" pitchFamily="18" charset="0"/>
-              <a:cs typeface="Times New Roman" panose="02020603050405020304" pitchFamily="18" charset="0"/>
-            </a:endParaRPr>
-          </a:p>
-          <a:p>
-            <a:pPr>
-              <a:buFont typeface="Wingdings" panose="05000000000000000000" pitchFamily="2" charset="2"/>
-              <a:buChar char="Ø"/>
-            </a:pPr>
-            <a:r>
-              <a:rPr lang="en-US" dirty="0">
-                <a:solidFill>
-                  <a:srgbClr val="663300"/>
-                </a:solidFill>
-                <a:latin typeface="Times New Roman" panose="02020603050405020304" pitchFamily="18" charset="0"/>
-                <a:cs typeface="Times New Roman" panose="02020603050405020304" pitchFamily="18" charset="0"/>
-              </a:rPr>
-              <a:t>C</a:t>
-            </a:r>
-            <a:r>
-              <a:rPr lang="en-US" dirty="0" smtClean="0">
-                <a:solidFill>
-                  <a:srgbClr val="663300"/>
-                </a:solidFill>
-                <a:latin typeface="Times New Roman" panose="02020603050405020304" pitchFamily="18" charset="0"/>
-                <a:cs typeface="Times New Roman" panose="02020603050405020304" pitchFamily="18" charset="0"/>
-              </a:rPr>
-              <a:t>ontract</a:t>
-            </a:r>
-            <a:endParaRPr lang="en-US" dirty="0">
-              <a:solidFill>
-                <a:srgbClr val="663300"/>
-              </a:solidFill>
-              <a:latin typeface="Times New Roman" panose="02020603050405020304" pitchFamily="18" charset="0"/>
-              <a:cs typeface="Times New Roman" panose="02020603050405020304" pitchFamily="18" charset="0"/>
-            </a:endParaRPr>
-          </a:p>
-          <a:p>
-            <a:pPr>
-              <a:buFont typeface="Wingdings" panose="05000000000000000000" pitchFamily="2" charset="2"/>
-              <a:buChar char="Ø"/>
-            </a:pPr>
-            <a:r>
-              <a:rPr lang="en-US" dirty="0">
-                <a:solidFill>
-                  <a:srgbClr val="FF0066"/>
-                </a:solidFill>
-                <a:latin typeface="Times New Roman" panose="02020603050405020304" pitchFamily="18" charset="0"/>
-                <a:cs typeface="Times New Roman" panose="02020603050405020304" pitchFamily="18" charset="0"/>
-              </a:rPr>
-              <a:t>M</a:t>
-            </a:r>
-            <a:r>
-              <a:rPr lang="en-US" dirty="0" smtClean="0">
-                <a:solidFill>
-                  <a:srgbClr val="FF0066"/>
-                </a:solidFill>
-                <a:latin typeface="Times New Roman" panose="02020603050405020304" pitchFamily="18" charset="0"/>
-                <a:cs typeface="Times New Roman" panose="02020603050405020304" pitchFamily="18" charset="0"/>
-              </a:rPr>
-              <a:t>ain</a:t>
-            </a:r>
-            <a:endParaRPr lang="fr-FR" dirty="0" smtClean="0">
-              <a:solidFill>
-                <a:srgbClr val="FF0066"/>
-              </a:solidFill>
-              <a:latin typeface="Times New Roman" panose="02020603050405020304" pitchFamily="18" charset="0"/>
-              <a:cs typeface="Times New Roman" panose="02020603050405020304" pitchFamily="18" charset="0"/>
-            </a:endParaRPr>
-          </a:p>
-          <a:p>
-            <a:pPr marL="0" indent="0">
-              <a:buNone/>
-            </a:pPr>
+              <a:rPr lang="fr-FR" sz="4000" b="1" dirty="0" smtClean="0">
+                <a:latin typeface="Times New Roman" panose="02020603050405020304" pitchFamily="18" charset="0"/>
+                <a:cs typeface="Times New Roman" panose="02020603050405020304" pitchFamily="18" charset="0"/>
+              </a:rPr>
+              <a:t>CONCLUSION</a:t>
+            </a:r>
+          </a:p>
+          <a:p>
             <a:endParaRPr lang="fr-FR" dirty="0" smtClean="0"/>
           </a:p>
           <a:p>
-            <a:pPr marL="0" indent="0">
-              <a:buNone/>
-            </a:pPr>
             <a:endParaRPr lang="fr-FR" dirty="0"/>
-          </a:p>
-          <a:p>
-            <a:pPr marL="0" indent="0">
-              <a:buNone/>
-            </a:pPr>
-            <a:endParaRPr lang="fr-FR" dirty="0" smtClean="0"/>
-          </a:p>
-        </p:txBody>
-      </p:sp>
-      <p:sp>
-        <p:nvSpPr>
-          <p:cNvPr id="5" name="Espace réservé du contenu 2"/>
-          <p:cNvSpPr txBox="1">
-            <a:spLocks/>
-          </p:cNvSpPr>
-          <p:nvPr/>
-        </p:nvSpPr>
-        <p:spPr>
-          <a:xfrm>
-            <a:off x="5667357" y="3573495"/>
-            <a:ext cx="4800318" cy="3216511"/>
-          </a:xfrm>
-          <a:prstGeom prst="rect">
-            <a:avLst/>
-          </a:prstGeom>
-        </p:spPr>
-        <p:txBody>
-          <a:bodyPr vert="horz" lIns="91440" tIns="45720" rIns="91440" bIns="45720" rtlCol="0">
-            <a:normAutofit/>
-          </a:bodyPr>
-          <a:lstStyle>
-            <a:lvl1pPr marL="228600" indent="-228600" algn="l" defTabSz="914400" rtl="0" eaLnBrk="1" latinLnBrk="0" hangingPunct="1">
-              <a:lnSpc>
-                <a:spcPct val="90000"/>
-              </a:lnSpc>
-              <a:spcBef>
-                <a:spcPts val="1000"/>
-              </a:spcBef>
-              <a:buFont typeface="Arial" panose="020B0604020202020204" pitchFamily="34" charset="0"/>
-              <a:buChar char="•"/>
-              <a:defRPr sz="2800" kern="1200">
-                <a:solidFill>
-                  <a:schemeClr val="tx1"/>
-                </a:solidFill>
-                <a:latin typeface="+mn-lt"/>
-                <a:ea typeface="+mn-ea"/>
-                <a:cs typeface="+mn-cs"/>
-              </a:defRPr>
-            </a:lvl1pPr>
-            <a:lvl2pPr marL="685800" indent="-228600" algn="l" defTabSz="914400" rtl="0" eaLnBrk="1" latinLnBrk="0" hangingPunct="1">
-              <a:lnSpc>
-                <a:spcPct val="90000"/>
-              </a:lnSpc>
-              <a:spcBef>
-                <a:spcPts val="500"/>
-              </a:spcBef>
-              <a:buFont typeface="Arial" panose="020B0604020202020204" pitchFamily="34" charset="0"/>
-              <a:buChar char="•"/>
-              <a:defRPr sz="2400" kern="1200">
-                <a:solidFill>
-                  <a:schemeClr val="tx1"/>
-                </a:solidFill>
-                <a:latin typeface="+mn-lt"/>
-                <a:ea typeface="+mn-ea"/>
-                <a:cs typeface="+mn-cs"/>
-              </a:defRPr>
-            </a:lvl2pPr>
-            <a:lvl3pPr marL="1143000" indent="-228600" algn="l" defTabSz="914400" rtl="0" eaLnBrk="1" latinLnBrk="0" hangingPunct="1">
-              <a:lnSpc>
-                <a:spcPct val="90000"/>
-              </a:lnSpc>
-              <a:spcBef>
-                <a:spcPts val="500"/>
-              </a:spcBef>
-              <a:buFont typeface="Arial" panose="020B0604020202020204" pitchFamily="34" charset="0"/>
-              <a:buChar char="•"/>
-              <a:defRPr sz="2000" kern="1200">
-                <a:solidFill>
-                  <a:schemeClr val="tx1"/>
-                </a:solidFill>
-                <a:latin typeface="+mn-lt"/>
-                <a:ea typeface="+mn-ea"/>
-                <a:cs typeface="+mn-cs"/>
-              </a:defRPr>
-            </a:lvl3pPr>
-            <a:lvl4pPr marL="1600200" indent="-228600" algn="l" defTabSz="914400" rtl="0" eaLnBrk="1" latinLnBrk="0" hangingPunct="1">
-              <a:lnSpc>
-                <a:spcPct val="90000"/>
-              </a:lnSpc>
-              <a:spcBef>
-                <a:spcPts val="500"/>
-              </a:spcBef>
-              <a:buFont typeface="Arial" panose="020B0604020202020204" pitchFamily="34" charset="0"/>
-              <a:buChar char="•"/>
-              <a:defRPr sz="1800" kern="1200">
-                <a:solidFill>
-                  <a:schemeClr val="tx1"/>
-                </a:solidFill>
-                <a:latin typeface="+mn-lt"/>
-                <a:ea typeface="+mn-ea"/>
-                <a:cs typeface="+mn-cs"/>
-              </a:defRPr>
-            </a:lvl4pPr>
-            <a:lvl5pPr marL="2057400" indent="-228600" algn="l" defTabSz="914400" rtl="0" eaLnBrk="1" latinLnBrk="0" hangingPunct="1">
-              <a:lnSpc>
-                <a:spcPct val="90000"/>
-              </a:lnSpc>
-              <a:spcBef>
-                <a:spcPts val="500"/>
-              </a:spcBef>
-              <a:buFont typeface="Arial" panose="020B0604020202020204" pitchFamily="34" charset="0"/>
-              <a:buChar char="•"/>
-              <a:defRPr sz="1800" kern="1200">
-                <a:solidFill>
-                  <a:schemeClr val="tx1"/>
-                </a:solidFill>
-                <a:latin typeface="+mn-lt"/>
-                <a:ea typeface="+mn-ea"/>
-                <a:cs typeface="+mn-cs"/>
-              </a:defRPr>
-            </a:lvl5pPr>
-            <a:lvl6pPr marL="2514600" indent="-228600" algn="l" defTabSz="914400" rtl="0" eaLnBrk="1" latinLnBrk="0" hangingPunct="1">
-              <a:lnSpc>
-                <a:spcPct val="90000"/>
-              </a:lnSpc>
-              <a:spcBef>
-                <a:spcPts val="500"/>
-              </a:spcBef>
-              <a:buFont typeface="Arial" panose="020B0604020202020204" pitchFamily="34" charset="0"/>
-              <a:buChar char="•"/>
-              <a:defRPr sz="1800" kern="1200">
-                <a:solidFill>
-                  <a:schemeClr val="tx1"/>
-                </a:solidFill>
-                <a:latin typeface="+mn-lt"/>
-                <a:ea typeface="+mn-ea"/>
-                <a:cs typeface="+mn-cs"/>
-              </a:defRPr>
-            </a:lvl6pPr>
-            <a:lvl7pPr marL="2971800" indent="-228600" algn="l" defTabSz="914400" rtl="0" eaLnBrk="1" latinLnBrk="0" hangingPunct="1">
-              <a:lnSpc>
-                <a:spcPct val="90000"/>
-              </a:lnSpc>
-              <a:spcBef>
-                <a:spcPts val="500"/>
-              </a:spcBef>
-              <a:buFont typeface="Arial" panose="020B0604020202020204" pitchFamily="34" charset="0"/>
-              <a:buChar char="•"/>
-              <a:defRPr sz="1800" kern="1200">
-                <a:solidFill>
-                  <a:schemeClr val="tx1"/>
-                </a:solidFill>
-                <a:latin typeface="+mn-lt"/>
-                <a:ea typeface="+mn-ea"/>
-                <a:cs typeface="+mn-cs"/>
-              </a:defRPr>
-            </a:lvl7pPr>
-            <a:lvl8pPr marL="3429000" indent="-228600" algn="l" defTabSz="914400" rtl="0" eaLnBrk="1" latinLnBrk="0" hangingPunct="1">
-              <a:lnSpc>
-                <a:spcPct val="90000"/>
-              </a:lnSpc>
-              <a:spcBef>
-                <a:spcPts val="500"/>
-              </a:spcBef>
-              <a:buFont typeface="Arial" panose="020B0604020202020204" pitchFamily="34" charset="0"/>
-              <a:buChar char="•"/>
-              <a:defRPr sz="1800" kern="1200">
-                <a:solidFill>
-                  <a:schemeClr val="tx1"/>
-                </a:solidFill>
-                <a:latin typeface="+mn-lt"/>
-                <a:ea typeface="+mn-ea"/>
-                <a:cs typeface="+mn-cs"/>
-              </a:defRPr>
-            </a:lvl8pPr>
-            <a:lvl9pPr marL="3886200" indent="-228600" algn="l" defTabSz="914400" rtl="0" eaLnBrk="1" latinLnBrk="0" hangingPunct="1">
-              <a:lnSpc>
-                <a:spcPct val="90000"/>
-              </a:lnSpc>
-              <a:spcBef>
-                <a:spcPts val="500"/>
-              </a:spcBef>
-              <a:buFont typeface="Arial" panose="020B0604020202020204" pitchFamily="34" charset="0"/>
-              <a:buChar char="•"/>
-              <a:defRPr sz="1800" kern="1200">
-                <a:solidFill>
-                  <a:schemeClr val="tx1"/>
-                </a:solidFill>
-                <a:latin typeface="+mn-lt"/>
-                <a:ea typeface="+mn-ea"/>
-                <a:cs typeface="+mn-cs"/>
-              </a:defRPr>
-            </a:lvl9pPr>
-          </a:lstStyle>
-          <a:p>
-            <a:pPr marL="0" indent="0">
-              <a:buFont typeface="Arial" panose="020B0604020202020204" pitchFamily="34" charset="0"/>
-              <a:buNone/>
-            </a:pPr>
-            <a:r>
-              <a:rPr lang="fr-FR" b="1" u="sng" dirty="0" smtClean="0">
-                <a:solidFill>
-                  <a:srgbClr val="FF0000"/>
-                </a:solidFill>
-                <a:effectLst>
-                  <a:outerShdw blurRad="38100" dist="38100" dir="2700000" algn="tl">
-                    <a:srgbClr val="000000">
-                      <a:alpha val="43137"/>
-                    </a:srgbClr>
-                  </a:outerShdw>
-                </a:effectLst>
-                <a:latin typeface="Times New Roman" panose="02020603050405020304" pitchFamily="18" charset="0"/>
-                <a:cs typeface="Times New Roman" panose="02020603050405020304" pitchFamily="18" charset="0"/>
-              </a:rPr>
-              <a:t>INDICATIONS:</a:t>
-            </a:r>
-          </a:p>
-          <a:p>
-            <a:pPr marL="0" indent="0">
-              <a:buFont typeface="Arial" panose="020B0604020202020204" pitchFamily="34" charset="0"/>
-              <a:buNone/>
-            </a:pPr>
-            <a:r>
-              <a:rPr lang="fr-FR" dirty="0" smtClean="0">
-                <a:solidFill>
-                  <a:srgbClr val="00B050"/>
-                </a:solidFill>
-                <a:latin typeface="Times New Roman" panose="02020603050405020304" pitchFamily="18" charset="0"/>
-                <a:cs typeface="Times New Roman" panose="02020603050405020304" pitchFamily="18" charset="0"/>
-              </a:rPr>
-              <a:t>Green : All the </a:t>
-            </a:r>
-            <a:r>
-              <a:rPr lang="fr-FR" dirty="0" err="1" smtClean="0">
-                <a:solidFill>
-                  <a:srgbClr val="00B050"/>
-                </a:solidFill>
-                <a:latin typeface="Times New Roman" panose="02020603050405020304" pitchFamily="18" charset="0"/>
-                <a:cs typeface="Times New Roman" panose="02020603050405020304" pitchFamily="18" charset="0"/>
-              </a:rPr>
-              <a:t>Members</a:t>
-            </a:r>
-            <a:endParaRPr lang="fr-FR" dirty="0" smtClean="0">
-              <a:solidFill>
-                <a:srgbClr val="00B050"/>
-              </a:solidFill>
-              <a:latin typeface="Times New Roman" panose="02020603050405020304" pitchFamily="18" charset="0"/>
-              <a:cs typeface="Times New Roman" panose="02020603050405020304" pitchFamily="18" charset="0"/>
-            </a:endParaRPr>
-          </a:p>
-          <a:p>
-            <a:pPr marL="0" indent="0">
-              <a:buFont typeface="Arial" panose="020B0604020202020204" pitchFamily="34" charset="0"/>
-              <a:buNone/>
-            </a:pPr>
-            <a:r>
-              <a:rPr lang="fr-FR" dirty="0" err="1" smtClean="0">
-                <a:solidFill>
-                  <a:srgbClr val="FF0066"/>
-                </a:solidFill>
-                <a:latin typeface="Times New Roman" panose="02020603050405020304" pitchFamily="18" charset="0"/>
-                <a:cs typeface="Times New Roman" panose="02020603050405020304" pitchFamily="18" charset="0"/>
-              </a:rPr>
-              <a:t>Pink</a:t>
-            </a:r>
-            <a:r>
-              <a:rPr lang="fr-FR" dirty="0" smtClean="0">
-                <a:solidFill>
-                  <a:srgbClr val="FF0066"/>
-                </a:solidFill>
-                <a:latin typeface="Times New Roman" panose="02020603050405020304" pitchFamily="18" charset="0"/>
-                <a:cs typeface="Times New Roman" panose="02020603050405020304" pitchFamily="18" charset="0"/>
-              </a:rPr>
-              <a:t> : </a:t>
-            </a:r>
-            <a:r>
-              <a:rPr lang="fr-FR" dirty="0" err="1" smtClean="0">
-                <a:solidFill>
-                  <a:srgbClr val="FF0066"/>
-                </a:solidFill>
-                <a:latin typeface="Times New Roman" panose="02020603050405020304" pitchFamily="18" charset="0"/>
-                <a:cs typeface="Times New Roman" panose="02020603050405020304" pitchFamily="18" charset="0"/>
-              </a:rPr>
-              <a:t>Kegne</a:t>
-            </a:r>
-            <a:r>
-              <a:rPr lang="fr-FR" dirty="0" smtClean="0">
-                <a:solidFill>
-                  <a:srgbClr val="FF0066"/>
-                </a:solidFill>
-                <a:latin typeface="Times New Roman" panose="02020603050405020304" pitchFamily="18" charset="0"/>
-                <a:cs typeface="Times New Roman" panose="02020603050405020304" pitchFamily="18" charset="0"/>
-              </a:rPr>
-              <a:t> </a:t>
-            </a:r>
-            <a:r>
-              <a:rPr lang="fr-FR" dirty="0" err="1" smtClean="0">
-                <a:solidFill>
-                  <a:srgbClr val="FF0066"/>
-                </a:solidFill>
-                <a:latin typeface="Times New Roman" panose="02020603050405020304" pitchFamily="18" charset="0"/>
-                <a:cs typeface="Times New Roman" panose="02020603050405020304" pitchFamily="18" charset="0"/>
-              </a:rPr>
-              <a:t>Heidy</a:t>
-            </a:r>
-            <a:endParaRPr lang="fr-FR" dirty="0" smtClean="0">
-              <a:solidFill>
-                <a:srgbClr val="FF0066"/>
-              </a:solidFill>
-              <a:latin typeface="Times New Roman" panose="02020603050405020304" pitchFamily="18" charset="0"/>
-              <a:cs typeface="Times New Roman" panose="02020603050405020304" pitchFamily="18" charset="0"/>
-            </a:endParaRPr>
-          </a:p>
-          <a:p>
-            <a:pPr marL="0" indent="0">
-              <a:buFont typeface="Arial" panose="020B0604020202020204" pitchFamily="34" charset="0"/>
-              <a:buNone/>
-            </a:pPr>
-            <a:r>
-              <a:rPr lang="fr-FR" dirty="0" smtClean="0">
-                <a:solidFill>
-                  <a:srgbClr val="00B0F0"/>
-                </a:solidFill>
-                <a:latin typeface="Times New Roman" panose="02020603050405020304" pitchFamily="18" charset="0"/>
-                <a:cs typeface="Times New Roman" panose="02020603050405020304" pitchFamily="18" charset="0"/>
-              </a:rPr>
-              <a:t>Blue : </a:t>
-            </a:r>
-            <a:r>
-              <a:rPr lang="fr-FR" dirty="0" err="1" smtClean="0">
-                <a:solidFill>
-                  <a:srgbClr val="00B0F0"/>
-                </a:solidFill>
-                <a:latin typeface="Times New Roman" panose="02020603050405020304" pitchFamily="18" charset="0"/>
-                <a:cs typeface="Times New Roman" panose="02020603050405020304" pitchFamily="18" charset="0"/>
-              </a:rPr>
-              <a:t>Nodjimadji</a:t>
-            </a:r>
-            <a:r>
-              <a:rPr lang="fr-FR" dirty="0" smtClean="0">
-                <a:solidFill>
-                  <a:srgbClr val="00B0F0"/>
-                </a:solidFill>
-                <a:latin typeface="Times New Roman" panose="02020603050405020304" pitchFamily="18" charset="0"/>
-                <a:cs typeface="Times New Roman" panose="02020603050405020304" pitchFamily="18" charset="0"/>
-              </a:rPr>
-              <a:t> Souar</a:t>
-            </a:r>
-          </a:p>
-          <a:p>
-            <a:pPr marL="0" indent="0">
-              <a:buFont typeface="Arial" panose="020B0604020202020204" pitchFamily="34" charset="0"/>
-              <a:buNone/>
-            </a:pPr>
-            <a:r>
-              <a:rPr lang="fr-FR" dirty="0" smtClean="0">
-                <a:solidFill>
-                  <a:srgbClr val="663300"/>
-                </a:solidFill>
-                <a:latin typeface="Times New Roman" panose="02020603050405020304" pitchFamily="18" charset="0"/>
-                <a:cs typeface="Times New Roman" panose="02020603050405020304" pitchFamily="18" charset="0"/>
-              </a:rPr>
-              <a:t>Brown : </a:t>
-            </a:r>
-            <a:r>
-              <a:rPr lang="fr-FR" dirty="0" err="1" smtClean="0">
-                <a:solidFill>
-                  <a:srgbClr val="663300"/>
-                </a:solidFill>
-                <a:latin typeface="Times New Roman" panose="02020603050405020304" pitchFamily="18" charset="0"/>
-                <a:cs typeface="Times New Roman" panose="02020603050405020304" pitchFamily="18" charset="0"/>
-              </a:rPr>
-              <a:t>Fenyom</a:t>
-            </a:r>
-            <a:r>
-              <a:rPr lang="fr-FR" dirty="0" smtClean="0">
-                <a:solidFill>
-                  <a:srgbClr val="663300"/>
-                </a:solidFill>
-                <a:latin typeface="Times New Roman" panose="02020603050405020304" pitchFamily="18" charset="0"/>
-                <a:cs typeface="Times New Roman" panose="02020603050405020304" pitchFamily="18" charset="0"/>
-              </a:rPr>
-              <a:t> Bryan</a:t>
-            </a:r>
-          </a:p>
-          <a:p>
-            <a:pPr marL="0" indent="0">
-              <a:buFont typeface="Arial" panose="020B0604020202020204" pitchFamily="34" charset="0"/>
-              <a:buNone/>
-            </a:pPr>
-            <a:r>
-              <a:rPr lang="fr-FR" dirty="0" err="1" smtClean="0">
-                <a:solidFill>
-                  <a:srgbClr val="7030A0"/>
-                </a:solidFill>
-                <a:latin typeface="Times New Roman" panose="02020603050405020304" pitchFamily="18" charset="0"/>
-                <a:cs typeface="Times New Roman" panose="02020603050405020304" pitchFamily="18" charset="0"/>
-              </a:rPr>
-              <a:t>Purple</a:t>
-            </a:r>
-            <a:r>
-              <a:rPr lang="fr-FR" dirty="0" smtClean="0">
-                <a:solidFill>
-                  <a:srgbClr val="7030A0"/>
-                </a:solidFill>
-                <a:latin typeface="Times New Roman" panose="02020603050405020304" pitchFamily="18" charset="0"/>
-                <a:cs typeface="Times New Roman" panose="02020603050405020304" pitchFamily="18" charset="0"/>
-              </a:rPr>
-              <a:t> : </a:t>
-            </a:r>
-            <a:r>
-              <a:rPr lang="fr-FR" dirty="0" err="1" smtClean="0">
-                <a:solidFill>
-                  <a:srgbClr val="7030A0"/>
-                </a:solidFill>
-                <a:latin typeface="Times New Roman" panose="02020603050405020304" pitchFamily="18" charset="0"/>
-                <a:cs typeface="Times New Roman" panose="02020603050405020304" pitchFamily="18" charset="0"/>
-              </a:rPr>
-              <a:t>Nguessie</a:t>
-            </a:r>
-            <a:r>
-              <a:rPr lang="fr-FR" dirty="0" smtClean="0">
-                <a:solidFill>
-                  <a:srgbClr val="7030A0"/>
-                </a:solidFill>
-                <a:latin typeface="Times New Roman" panose="02020603050405020304" pitchFamily="18" charset="0"/>
-                <a:cs typeface="Times New Roman" panose="02020603050405020304" pitchFamily="18" charset="0"/>
-              </a:rPr>
-              <a:t> Fabiola</a:t>
-            </a:r>
-          </a:p>
-          <a:p>
-            <a:pPr marL="0" indent="0">
-              <a:buFont typeface="Arial" panose="020B0604020202020204" pitchFamily="34" charset="0"/>
-              <a:buNone/>
-            </a:pPr>
-            <a:endParaRPr lang="fr-FR" dirty="0" smtClean="0"/>
-          </a:p>
-          <a:p>
-            <a:pPr marL="0" indent="0">
-              <a:buFont typeface="Arial" panose="020B0604020202020204" pitchFamily="34" charset="0"/>
-              <a:buNone/>
-            </a:pPr>
-            <a:endParaRPr lang="fr-FR" dirty="0" smtClean="0"/>
-          </a:p>
-        </p:txBody>
-      </p:sp>
-      <p:sp>
-        <p:nvSpPr>
-          <p:cNvPr id="7" name="Espace réservé du contenu 2"/>
-          <p:cNvSpPr txBox="1">
-            <a:spLocks/>
-          </p:cNvSpPr>
-          <p:nvPr/>
-        </p:nvSpPr>
-        <p:spPr>
-          <a:xfrm>
-            <a:off x="179362" y="1150677"/>
-            <a:ext cx="3649394" cy="2422818"/>
-          </a:xfrm>
-          <a:prstGeom prst="rect">
-            <a:avLst/>
-          </a:prstGeom>
-        </p:spPr>
-        <p:txBody>
-          <a:bodyPr vert="horz" lIns="91440" tIns="45720" rIns="91440" bIns="45720" rtlCol="0">
-            <a:normAutofit fontScale="92500" lnSpcReduction="20000"/>
-          </a:bodyPr>
-          <a:lstStyle>
-            <a:lvl1pPr marL="228600" indent="-228600" algn="l" defTabSz="914400" rtl="0" eaLnBrk="1" latinLnBrk="0" hangingPunct="1">
-              <a:lnSpc>
-                <a:spcPct val="90000"/>
-              </a:lnSpc>
-              <a:spcBef>
-                <a:spcPts val="1000"/>
-              </a:spcBef>
-              <a:buFont typeface="Arial" panose="020B0604020202020204" pitchFamily="34" charset="0"/>
-              <a:buChar char="•"/>
-              <a:defRPr sz="2800" kern="1200">
-                <a:solidFill>
-                  <a:schemeClr val="tx1"/>
-                </a:solidFill>
-                <a:latin typeface="+mn-lt"/>
-                <a:ea typeface="+mn-ea"/>
-                <a:cs typeface="+mn-cs"/>
-              </a:defRPr>
-            </a:lvl1pPr>
-            <a:lvl2pPr marL="685800" indent="-228600" algn="l" defTabSz="914400" rtl="0" eaLnBrk="1" latinLnBrk="0" hangingPunct="1">
-              <a:lnSpc>
-                <a:spcPct val="90000"/>
-              </a:lnSpc>
-              <a:spcBef>
-                <a:spcPts val="500"/>
-              </a:spcBef>
-              <a:buFont typeface="Arial" panose="020B0604020202020204" pitchFamily="34" charset="0"/>
-              <a:buChar char="•"/>
-              <a:defRPr sz="2400" kern="1200">
-                <a:solidFill>
-                  <a:schemeClr val="tx1"/>
-                </a:solidFill>
-                <a:latin typeface="+mn-lt"/>
-                <a:ea typeface="+mn-ea"/>
-                <a:cs typeface="+mn-cs"/>
-              </a:defRPr>
-            </a:lvl2pPr>
-            <a:lvl3pPr marL="1143000" indent="-228600" algn="l" defTabSz="914400" rtl="0" eaLnBrk="1" latinLnBrk="0" hangingPunct="1">
-              <a:lnSpc>
-                <a:spcPct val="90000"/>
-              </a:lnSpc>
-              <a:spcBef>
-                <a:spcPts val="500"/>
-              </a:spcBef>
-              <a:buFont typeface="Arial" panose="020B0604020202020204" pitchFamily="34" charset="0"/>
-              <a:buChar char="•"/>
-              <a:defRPr sz="2000" kern="1200">
-                <a:solidFill>
-                  <a:schemeClr val="tx1"/>
-                </a:solidFill>
-                <a:latin typeface="+mn-lt"/>
-                <a:ea typeface="+mn-ea"/>
-                <a:cs typeface="+mn-cs"/>
-              </a:defRPr>
-            </a:lvl3pPr>
-            <a:lvl4pPr marL="1600200" indent="-228600" algn="l" defTabSz="914400" rtl="0" eaLnBrk="1" latinLnBrk="0" hangingPunct="1">
-              <a:lnSpc>
-                <a:spcPct val="90000"/>
-              </a:lnSpc>
-              <a:spcBef>
-                <a:spcPts val="500"/>
-              </a:spcBef>
-              <a:buFont typeface="Arial" panose="020B0604020202020204" pitchFamily="34" charset="0"/>
-              <a:buChar char="•"/>
-              <a:defRPr sz="1800" kern="1200">
-                <a:solidFill>
-                  <a:schemeClr val="tx1"/>
-                </a:solidFill>
-                <a:latin typeface="+mn-lt"/>
-                <a:ea typeface="+mn-ea"/>
-                <a:cs typeface="+mn-cs"/>
-              </a:defRPr>
-            </a:lvl4pPr>
-            <a:lvl5pPr marL="2057400" indent="-228600" algn="l" defTabSz="914400" rtl="0" eaLnBrk="1" latinLnBrk="0" hangingPunct="1">
-              <a:lnSpc>
-                <a:spcPct val="90000"/>
-              </a:lnSpc>
-              <a:spcBef>
-                <a:spcPts val="500"/>
-              </a:spcBef>
-              <a:buFont typeface="Arial" panose="020B0604020202020204" pitchFamily="34" charset="0"/>
-              <a:buChar char="•"/>
-              <a:defRPr sz="1800" kern="1200">
-                <a:solidFill>
-                  <a:schemeClr val="tx1"/>
-                </a:solidFill>
-                <a:latin typeface="+mn-lt"/>
-                <a:ea typeface="+mn-ea"/>
-                <a:cs typeface="+mn-cs"/>
-              </a:defRPr>
-            </a:lvl5pPr>
-            <a:lvl6pPr marL="2514600" indent="-228600" algn="l" defTabSz="914400" rtl="0" eaLnBrk="1" latinLnBrk="0" hangingPunct="1">
-              <a:lnSpc>
-                <a:spcPct val="90000"/>
-              </a:lnSpc>
-              <a:spcBef>
-                <a:spcPts val="500"/>
-              </a:spcBef>
-              <a:buFont typeface="Arial" panose="020B0604020202020204" pitchFamily="34" charset="0"/>
-              <a:buChar char="•"/>
-              <a:defRPr sz="1800" kern="1200">
-                <a:solidFill>
-                  <a:schemeClr val="tx1"/>
-                </a:solidFill>
-                <a:latin typeface="+mn-lt"/>
-                <a:ea typeface="+mn-ea"/>
-                <a:cs typeface="+mn-cs"/>
-              </a:defRPr>
-            </a:lvl6pPr>
-            <a:lvl7pPr marL="2971800" indent="-228600" algn="l" defTabSz="914400" rtl="0" eaLnBrk="1" latinLnBrk="0" hangingPunct="1">
-              <a:lnSpc>
-                <a:spcPct val="90000"/>
-              </a:lnSpc>
-              <a:spcBef>
-                <a:spcPts val="500"/>
-              </a:spcBef>
-              <a:buFont typeface="Arial" panose="020B0604020202020204" pitchFamily="34" charset="0"/>
-              <a:buChar char="•"/>
-              <a:defRPr sz="1800" kern="1200">
-                <a:solidFill>
-                  <a:schemeClr val="tx1"/>
-                </a:solidFill>
-                <a:latin typeface="+mn-lt"/>
-                <a:ea typeface="+mn-ea"/>
-                <a:cs typeface="+mn-cs"/>
-              </a:defRPr>
-            </a:lvl7pPr>
-            <a:lvl8pPr marL="3429000" indent="-228600" algn="l" defTabSz="914400" rtl="0" eaLnBrk="1" latinLnBrk="0" hangingPunct="1">
-              <a:lnSpc>
-                <a:spcPct val="90000"/>
-              </a:lnSpc>
-              <a:spcBef>
-                <a:spcPts val="500"/>
-              </a:spcBef>
-              <a:buFont typeface="Arial" panose="020B0604020202020204" pitchFamily="34" charset="0"/>
-              <a:buChar char="•"/>
-              <a:defRPr sz="1800" kern="1200">
-                <a:solidFill>
-                  <a:schemeClr val="tx1"/>
-                </a:solidFill>
-                <a:latin typeface="+mn-lt"/>
-                <a:ea typeface="+mn-ea"/>
-                <a:cs typeface="+mn-cs"/>
-              </a:defRPr>
-            </a:lvl8pPr>
-            <a:lvl9pPr marL="3886200" indent="-228600" algn="l" defTabSz="914400" rtl="0" eaLnBrk="1" latinLnBrk="0" hangingPunct="1">
-              <a:lnSpc>
-                <a:spcPct val="90000"/>
-              </a:lnSpc>
-              <a:spcBef>
-                <a:spcPts val="500"/>
-              </a:spcBef>
-              <a:buFont typeface="Arial" panose="020B0604020202020204" pitchFamily="34" charset="0"/>
-              <a:buChar char="•"/>
-              <a:defRPr sz="1800" kern="1200">
-                <a:solidFill>
-                  <a:schemeClr val="tx1"/>
-                </a:solidFill>
-                <a:latin typeface="+mn-lt"/>
-                <a:ea typeface="+mn-ea"/>
-                <a:cs typeface="+mn-cs"/>
-              </a:defRPr>
-            </a:lvl9pPr>
-          </a:lstStyle>
-          <a:p>
-            <a:pPr marL="0" indent="0">
-              <a:buFont typeface="Arial" panose="020B0604020202020204" pitchFamily="34" charset="0"/>
-              <a:buNone/>
-            </a:pPr>
-            <a:r>
-              <a:rPr lang="fr-FR" sz="3000" b="1" dirty="0" smtClean="0">
-                <a:solidFill>
-                  <a:srgbClr val="FF0000"/>
-                </a:solidFill>
-                <a:latin typeface="Times New Roman" panose="02020603050405020304" pitchFamily="18" charset="0"/>
-                <a:cs typeface="Times New Roman" panose="02020603050405020304" pitchFamily="18" charset="0"/>
-              </a:rPr>
-              <a:t>1.UML Diagrams</a:t>
-            </a:r>
-          </a:p>
-          <a:p>
-            <a:pPr>
-              <a:buFont typeface="Wingdings" panose="05000000000000000000" pitchFamily="2" charset="2"/>
-              <a:buChar char="Ø"/>
-            </a:pPr>
-            <a:r>
-              <a:rPr lang="pt-BR" dirty="0">
-                <a:solidFill>
-                  <a:srgbClr val="00B050"/>
-                </a:solidFill>
-                <a:latin typeface="Times New Roman" panose="02020603050405020304" pitchFamily="18" charset="0"/>
-                <a:cs typeface="Times New Roman" panose="02020603050405020304" pitchFamily="18" charset="0"/>
-              </a:rPr>
-              <a:t>C</a:t>
-            </a:r>
-            <a:r>
-              <a:rPr lang="pt-BR" dirty="0" smtClean="0">
-                <a:solidFill>
-                  <a:srgbClr val="00B050"/>
-                </a:solidFill>
-                <a:latin typeface="Times New Roman" panose="02020603050405020304" pitchFamily="18" charset="0"/>
-                <a:cs typeface="Times New Roman" panose="02020603050405020304" pitchFamily="18" charset="0"/>
-              </a:rPr>
-              <a:t>omponent </a:t>
-            </a:r>
-            <a:r>
-              <a:rPr lang="pt-BR" dirty="0">
-                <a:solidFill>
-                  <a:srgbClr val="00B050"/>
-                </a:solidFill>
-                <a:latin typeface="Times New Roman" panose="02020603050405020304" pitchFamily="18" charset="0"/>
-                <a:cs typeface="Times New Roman" panose="02020603050405020304" pitchFamily="18" charset="0"/>
-              </a:rPr>
-              <a:t>diagram</a:t>
-            </a:r>
-          </a:p>
-          <a:p>
-            <a:pPr>
-              <a:buFont typeface="Wingdings" panose="05000000000000000000" pitchFamily="2" charset="2"/>
-              <a:buChar char="Ø"/>
-            </a:pPr>
-            <a:r>
-              <a:rPr lang="pt-BR" dirty="0">
-                <a:solidFill>
-                  <a:srgbClr val="00B050"/>
-                </a:solidFill>
-                <a:latin typeface="Times New Roman" panose="02020603050405020304" pitchFamily="18" charset="0"/>
-                <a:cs typeface="Times New Roman" panose="02020603050405020304" pitchFamily="18" charset="0"/>
-              </a:rPr>
-              <a:t>P</a:t>
-            </a:r>
-            <a:r>
-              <a:rPr lang="pt-BR" dirty="0" smtClean="0">
-                <a:solidFill>
-                  <a:srgbClr val="00B050"/>
-                </a:solidFill>
-                <a:latin typeface="Times New Roman" panose="02020603050405020304" pitchFamily="18" charset="0"/>
-                <a:cs typeface="Times New Roman" panose="02020603050405020304" pitchFamily="18" charset="0"/>
-              </a:rPr>
-              <a:t>ackage </a:t>
-            </a:r>
-            <a:r>
-              <a:rPr lang="pt-BR" dirty="0">
-                <a:solidFill>
-                  <a:srgbClr val="00B050"/>
-                </a:solidFill>
-                <a:latin typeface="Times New Roman" panose="02020603050405020304" pitchFamily="18" charset="0"/>
-                <a:cs typeface="Times New Roman" panose="02020603050405020304" pitchFamily="18" charset="0"/>
-              </a:rPr>
-              <a:t>diagram</a:t>
-            </a:r>
-          </a:p>
-          <a:p>
-            <a:pPr>
-              <a:buFont typeface="Wingdings" panose="05000000000000000000" pitchFamily="2" charset="2"/>
-              <a:buChar char="Ø"/>
-            </a:pPr>
-            <a:r>
-              <a:rPr lang="pt-BR" dirty="0" smtClean="0">
-                <a:solidFill>
-                  <a:srgbClr val="00B050"/>
-                </a:solidFill>
-                <a:latin typeface="Times New Roman" panose="02020603050405020304" pitchFamily="18" charset="0"/>
-                <a:cs typeface="Times New Roman" panose="02020603050405020304" pitchFamily="18" charset="0"/>
-              </a:rPr>
-              <a:t>A Class </a:t>
-            </a:r>
-            <a:r>
-              <a:rPr lang="pt-BR" dirty="0">
-                <a:solidFill>
-                  <a:srgbClr val="00B050"/>
-                </a:solidFill>
-                <a:latin typeface="Times New Roman" panose="02020603050405020304" pitchFamily="18" charset="0"/>
-                <a:cs typeface="Times New Roman" panose="02020603050405020304" pitchFamily="18" charset="0"/>
-              </a:rPr>
-              <a:t>diagram per </a:t>
-            </a:r>
-            <a:r>
-              <a:rPr lang="pt-BR" dirty="0" smtClean="0">
-                <a:solidFill>
-                  <a:srgbClr val="00B050"/>
-                </a:solidFill>
-                <a:latin typeface="Times New Roman" panose="02020603050405020304" pitchFamily="18" charset="0"/>
-                <a:cs typeface="Times New Roman" panose="02020603050405020304" pitchFamily="18" charset="0"/>
-              </a:rPr>
-              <a:t>package</a:t>
-            </a:r>
-          </a:p>
-          <a:p>
-            <a:pPr>
-              <a:buFont typeface="Wingdings" panose="05000000000000000000" pitchFamily="2" charset="2"/>
-              <a:buChar char="Ø"/>
-            </a:pPr>
-            <a:r>
-              <a:rPr lang="fr-FR" dirty="0">
-                <a:solidFill>
-                  <a:srgbClr val="00B050"/>
-                </a:solidFill>
-                <a:latin typeface="Times New Roman" panose="02020603050405020304" pitchFamily="18" charset="0"/>
-                <a:cs typeface="Times New Roman" panose="02020603050405020304" pitchFamily="18" charset="0"/>
-              </a:rPr>
-              <a:t>Sequence diagram</a:t>
-            </a:r>
-          </a:p>
-          <a:p>
-            <a:pPr marL="0" indent="0">
-              <a:buFont typeface="Arial" panose="020B0604020202020204" pitchFamily="34" charset="0"/>
-              <a:buNone/>
-            </a:pPr>
-            <a:endParaRPr lang="fr-FR" dirty="0" smtClean="0"/>
-          </a:p>
-          <a:p>
-            <a:pPr marL="0" indent="0">
-              <a:buFont typeface="Arial" panose="020B0604020202020204" pitchFamily="34" charset="0"/>
-              <a:buNone/>
-            </a:pPr>
-            <a:endParaRPr lang="fr-FR" dirty="0" smtClean="0"/>
-          </a:p>
-        </p:txBody>
-      </p:sp>
-      <p:sp>
-        <p:nvSpPr>
-          <p:cNvPr id="8" name="Espace réservé du contenu 2"/>
-          <p:cNvSpPr txBox="1">
-            <a:spLocks/>
-          </p:cNvSpPr>
-          <p:nvPr/>
-        </p:nvSpPr>
-        <p:spPr>
-          <a:xfrm>
-            <a:off x="4379866" y="1189381"/>
-            <a:ext cx="3649394" cy="2179074"/>
-          </a:xfrm>
-          <a:prstGeom prst="rect">
-            <a:avLst/>
-          </a:prstGeom>
-        </p:spPr>
-        <p:txBody>
-          <a:bodyPr vert="horz" lIns="91440" tIns="45720" rIns="91440" bIns="45720" rtlCol="0">
-            <a:normAutofit fontScale="85000" lnSpcReduction="20000"/>
-          </a:bodyPr>
-          <a:lstStyle>
-            <a:lvl1pPr marL="228600" indent="-228600" algn="l" defTabSz="914400" rtl="0" eaLnBrk="1" latinLnBrk="0" hangingPunct="1">
-              <a:lnSpc>
-                <a:spcPct val="90000"/>
-              </a:lnSpc>
-              <a:spcBef>
-                <a:spcPts val="1000"/>
-              </a:spcBef>
-              <a:buFont typeface="Arial" panose="020B0604020202020204" pitchFamily="34" charset="0"/>
-              <a:buChar char="•"/>
-              <a:defRPr sz="2800" kern="1200">
-                <a:solidFill>
-                  <a:schemeClr val="tx1"/>
-                </a:solidFill>
-                <a:latin typeface="+mn-lt"/>
-                <a:ea typeface="+mn-ea"/>
-                <a:cs typeface="+mn-cs"/>
-              </a:defRPr>
-            </a:lvl1pPr>
-            <a:lvl2pPr marL="685800" indent="-228600" algn="l" defTabSz="914400" rtl="0" eaLnBrk="1" latinLnBrk="0" hangingPunct="1">
-              <a:lnSpc>
-                <a:spcPct val="90000"/>
-              </a:lnSpc>
-              <a:spcBef>
-                <a:spcPts val="500"/>
-              </a:spcBef>
-              <a:buFont typeface="Arial" panose="020B0604020202020204" pitchFamily="34" charset="0"/>
-              <a:buChar char="•"/>
-              <a:defRPr sz="2400" kern="1200">
-                <a:solidFill>
-                  <a:schemeClr val="tx1"/>
-                </a:solidFill>
-                <a:latin typeface="+mn-lt"/>
-                <a:ea typeface="+mn-ea"/>
-                <a:cs typeface="+mn-cs"/>
-              </a:defRPr>
-            </a:lvl2pPr>
-            <a:lvl3pPr marL="1143000" indent="-228600" algn="l" defTabSz="914400" rtl="0" eaLnBrk="1" latinLnBrk="0" hangingPunct="1">
-              <a:lnSpc>
-                <a:spcPct val="90000"/>
-              </a:lnSpc>
-              <a:spcBef>
-                <a:spcPts val="500"/>
-              </a:spcBef>
-              <a:buFont typeface="Arial" panose="020B0604020202020204" pitchFamily="34" charset="0"/>
-              <a:buChar char="•"/>
-              <a:defRPr sz="2000" kern="1200">
-                <a:solidFill>
-                  <a:schemeClr val="tx1"/>
-                </a:solidFill>
-                <a:latin typeface="+mn-lt"/>
-                <a:ea typeface="+mn-ea"/>
-                <a:cs typeface="+mn-cs"/>
-              </a:defRPr>
-            </a:lvl3pPr>
-            <a:lvl4pPr marL="1600200" indent="-228600" algn="l" defTabSz="914400" rtl="0" eaLnBrk="1" latinLnBrk="0" hangingPunct="1">
-              <a:lnSpc>
-                <a:spcPct val="90000"/>
-              </a:lnSpc>
-              <a:spcBef>
-                <a:spcPts val="500"/>
-              </a:spcBef>
-              <a:buFont typeface="Arial" panose="020B0604020202020204" pitchFamily="34" charset="0"/>
-              <a:buChar char="•"/>
-              <a:defRPr sz="1800" kern="1200">
-                <a:solidFill>
-                  <a:schemeClr val="tx1"/>
-                </a:solidFill>
-                <a:latin typeface="+mn-lt"/>
-                <a:ea typeface="+mn-ea"/>
-                <a:cs typeface="+mn-cs"/>
-              </a:defRPr>
-            </a:lvl4pPr>
-            <a:lvl5pPr marL="2057400" indent="-228600" algn="l" defTabSz="914400" rtl="0" eaLnBrk="1" latinLnBrk="0" hangingPunct="1">
-              <a:lnSpc>
-                <a:spcPct val="90000"/>
-              </a:lnSpc>
-              <a:spcBef>
-                <a:spcPts val="500"/>
-              </a:spcBef>
-              <a:buFont typeface="Arial" panose="020B0604020202020204" pitchFamily="34" charset="0"/>
-              <a:buChar char="•"/>
-              <a:defRPr sz="1800" kern="1200">
-                <a:solidFill>
-                  <a:schemeClr val="tx1"/>
-                </a:solidFill>
-                <a:latin typeface="+mn-lt"/>
-                <a:ea typeface="+mn-ea"/>
-                <a:cs typeface="+mn-cs"/>
-              </a:defRPr>
-            </a:lvl5pPr>
-            <a:lvl6pPr marL="2514600" indent="-228600" algn="l" defTabSz="914400" rtl="0" eaLnBrk="1" latinLnBrk="0" hangingPunct="1">
-              <a:lnSpc>
-                <a:spcPct val="90000"/>
-              </a:lnSpc>
-              <a:spcBef>
-                <a:spcPts val="500"/>
-              </a:spcBef>
-              <a:buFont typeface="Arial" panose="020B0604020202020204" pitchFamily="34" charset="0"/>
-              <a:buChar char="•"/>
-              <a:defRPr sz="1800" kern="1200">
-                <a:solidFill>
-                  <a:schemeClr val="tx1"/>
-                </a:solidFill>
-                <a:latin typeface="+mn-lt"/>
-                <a:ea typeface="+mn-ea"/>
-                <a:cs typeface="+mn-cs"/>
-              </a:defRPr>
-            </a:lvl6pPr>
-            <a:lvl7pPr marL="2971800" indent="-228600" algn="l" defTabSz="914400" rtl="0" eaLnBrk="1" latinLnBrk="0" hangingPunct="1">
-              <a:lnSpc>
-                <a:spcPct val="90000"/>
-              </a:lnSpc>
-              <a:spcBef>
-                <a:spcPts val="500"/>
-              </a:spcBef>
-              <a:buFont typeface="Arial" panose="020B0604020202020204" pitchFamily="34" charset="0"/>
-              <a:buChar char="•"/>
-              <a:defRPr sz="1800" kern="1200">
-                <a:solidFill>
-                  <a:schemeClr val="tx1"/>
-                </a:solidFill>
-                <a:latin typeface="+mn-lt"/>
-                <a:ea typeface="+mn-ea"/>
-                <a:cs typeface="+mn-cs"/>
-              </a:defRPr>
-            </a:lvl7pPr>
-            <a:lvl8pPr marL="3429000" indent="-228600" algn="l" defTabSz="914400" rtl="0" eaLnBrk="1" latinLnBrk="0" hangingPunct="1">
-              <a:lnSpc>
-                <a:spcPct val="90000"/>
-              </a:lnSpc>
-              <a:spcBef>
-                <a:spcPts val="500"/>
-              </a:spcBef>
-              <a:buFont typeface="Arial" panose="020B0604020202020204" pitchFamily="34" charset="0"/>
-              <a:buChar char="•"/>
-              <a:defRPr sz="1800" kern="1200">
-                <a:solidFill>
-                  <a:schemeClr val="tx1"/>
-                </a:solidFill>
-                <a:latin typeface="+mn-lt"/>
-                <a:ea typeface="+mn-ea"/>
-                <a:cs typeface="+mn-cs"/>
-              </a:defRPr>
-            </a:lvl8pPr>
-            <a:lvl9pPr marL="3886200" indent="-228600" algn="l" defTabSz="914400" rtl="0" eaLnBrk="1" latinLnBrk="0" hangingPunct="1">
-              <a:lnSpc>
-                <a:spcPct val="90000"/>
-              </a:lnSpc>
-              <a:spcBef>
-                <a:spcPts val="500"/>
-              </a:spcBef>
-              <a:buFont typeface="Arial" panose="020B0604020202020204" pitchFamily="34" charset="0"/>
-              <a:buChar char="•"/>
-              <a:defRPr sz="1800" kern="1200">
-                <a:solidFill>
-                  <a:schemeClr val="tx1"/>
-                </a:solidFill>
-                <a:latin typeface="+mn-lt"/>
-                <a:ea typeface="+mn-ea"/>
-                <a:cs typeface="+mn-cs"/>
-              </a:defRPr>
-            </a:lvl9pPr>
-          </a:lstStyle>
-          <a:p>
-            <a:pPr marL="0" indent="0">
-              <a:buFont typeface="Arial" panose="020B0604020202020204" pitchFamily="34" charset="0"/>
-              <a:buNone/>
-            </a:pPr>
-            <a:r>
-              <a:rPr lang="fr-FR" sz="3000" b="1" dirty="0" smtClean="0">
-                <a:solidFill>
-                  <a:srgbClr val="FF0000"/>
-                </a:solidFill>
-                <a:latin typeface="Times New Roman" panose="02020603050405020304" pitchFamily="18" charset="0"/>
-                <a:cs typeface="Times New Roman" panose="02020603050405020304" pitchFamily="18" charset="0"/>
-              </a:rPr>
-              <a:t>2.Database</a:t>
-            </a:r>
-          </a:p>
-          <a:p>
-            <a:pPr>
-              <a:buFont typeface="Wingdings" panose="05000000000000000000" pitchFamily="2" charset="2"/>
-              <a:buChar char="Ø"/>
-            </a:pPr>
-            <a:r>
-              <a:rPr lang="en-US" dirty="0">
-                <a:solidFill>
-                  <a:srgbClr val="00B050"/>
-                </a:solidFill>
-                <a:latin typeface="Times New Roman" panose="02020603050405020304" pitchFamily="18" charset="0"/>
-                <a:cs typeface="Times New Roman" panose="02020603050405020304" pitchFamily="18" charset="0"/>
-              </a:rPr>
-              <a:t>T</a:t>
-            </a:r>
-            <a:r>
-              <a:rPr lang="en-US" dirty="0" smtClean="0">
-                <a:solidFill>
-                  <a:srgbClr val="00B050"/>
-                </a:solidFill>
-                <a:latin typeface="Times New Roman" panose="02020603050405020304" pitchFamily="18" charset="0"/>
-                <a:cs typeface="Times New Roman" panose="02020603050405020304" pitchFamily="18" charset="0"/>
-              </a:rPr>
-              <a:t>he </a:t>
-            </a:r>
-            <a:r>
-              <a:rPr lang="en-US" dirty="0">
-                <a:solidFill>
-                  <a:srgbClr val="00B050"/>
-                </a:solidFill>
-                <a:latin typeface="Times New Roman" panose="02020603050405020304" pitchFamily="18" charset="0"/>
-                <a:cs typeface="Times New Roman" panose="02020603050405020304" pitchFamily="18" charset="0"/>
-              </a:rPr>
-              <a:t>conceptual data model</a:t>
-            </a:r>
-          </a:p>
-          <a:p>
-            <a:pPr>
-              <a:buFont typeface="Wingdings" panose="05000000000000000000" pitchFamily="2" charset="2"/>
-              <a:buChar char="Ø"/>
-            </a:pPr>
-            <a:r>
-              <a:rPr lang="en-US" dirty="0" smtClean="0">
-                <a:solidFill>
-                  <a:srgbClr val="00B0F0"/>
-                </a:solidFill>
-                <a:latin typeface="Times New Roman" panose="02020603050405020304" pitchFamily="18" charset="0"/>
-                <a:cs typeface="Times New Roman" panose="02020603050405020304" pitchFamily="18" charset="0"/>
-              </a:rPr>
-              <a:t>The </a:t>
-            </a:r>
-            <a:r>
-              <a:rPr lang="en-US" dirty="0">
-                <a:solidFill>
-                  <a:srgbClr val="00B0F0"/>
-                </a:solidFill>
-                <a:latin typeface="Times New Roman" panose="02020603050405020304" pitchFamily="18" charset="0"/>
-                <a:cs typeface="Times New Roman" panose="02020603050405020304" pitchFamily="18" charset="0"/>
-              </a:rPr>
-              <a:t>logical data model</a:t>
-            </a:r>
-          </a:p>
-          <a:p>
-            <a:pPr>
-              <a:buFont typeface="Wingdings" panose="05000000000000000000" pitchFamily="2" charset="2"/>
-              <a:buChar char="Ø"/>
-            </a:pPr>
-            <a:r>
-              <a:rPr lang="en-US" dirty="0" smtClean="0">
-                <a:solidFill>
-                  <a:srgbClr val="00B0F0"/>
-                </a:solidFill>
-                <a:latin typeface="Times New Roman" panose="02020603050405020304" pitchFamily="18" charset="0"/>
-                <a:cs typeface="Times New Roman" panose="02020603050405020304" pitchFamily="18" charset="0"/>
-              </a:rPr>
-              <a:t>The </a:t>
-            </a:r>
-            <a:r>
-              <a:rPr lang="en-US" dirty="0">
-                <a:solidFill>
-                  <a:srgbClr val="00B0F0"/>
-                </a:solidFill>
-                <a:latin typeface="Times New Roman" panose="02020603050405020304" pitchFamily="18" charset="0"/>
-                <a:cs typeface="Times New Roman" panose="02020603050405020304" pitchFamily="18" charset="0"/>
-              </a:rPr>
-              <a:t>physical data </a:t>
-            </a:r>
-            <a:r>
-              <a:rPr lang="en-US" dirty="0" smtClean="0">
-                <a:solidFill>
-                  <a:srgbClr val="00B0F0"/>
-                </a:solidFill>
-                <a:latin typeface="Times New Roman" panose="02020603050405020304" pitchFamily="18" charset="0"/>
-                <a:cs typeface="Times New Roman" panose="02020603050405020304" pitchFamily="18" charset="0"/>
-              </a:rPr>
-              <a:t>model</a:t>
-            </a:r>
-          </a:p>
-          <a:p>
-            <a:pPr>
-              <a:buFont typeface="Wingdings" panose="05000000000000000000" pitchFamily="2" charset="2"/>
-              <a:buChar char="Ø"/>
-            </a:pPr>
-            <a:r>
-              <a:rPr lang="fr-FR" dirty="0" smtClean="0">
-                <a:solidFill>
-                  <a:srgbClr val="00B0F0"/>
-                </a:solidFill>
-                <a:latin typeface="Times New Roman" panose="02020603050405020304" pitchFamily="18" charset="0"/>
-                <a:cs typeface="Times New Roman" panose="02020603050405020304" pitchFamily="18" charset="0"/>
-              </a:rPr>
-              <a:t>Store procedure</a:t>
-            </a:r>
-          </a:p>
-          <a:p>
-            <a:pPr marL="0" indent="0">
-              <a:buFont typeface="Arial" panose="020B0604020202020204" pitchFamily="34" charset="0"/>
-              <a:buNone/>
-            </a:pPr>
-            <a:endParaRPr lang="fr-FR" dirty="0" smtClean="0"/>
-          </a:p>
-          <a:p>
-            <a:pPr marL="0" indent="0">
-              <a:buFont typeface="Arial" panose="020B0604020202020204" pitchFamily="34" charset="0"/>
-              <a:buNone/>
-            </a:pPr>
-            <a:endParaRPr lang="fr-FR" dirty="0" smtClean="0"/>
-          </a:p>
-          <a:p>
-            <a:pPr marL="0" indent="0">
-              <a:buFont typeface="Arial" panose="020B0604020202020204" pitchFamily="34" charset="0"/>
-              <a:buNone/>
-            </a:pPr>
-            <a:endParaRPr lang="fr-FR" dirty="0" smtClean="0"/>
-          </a:p>
-        </p:txBody>
-      </p:sp>
-      <p:sp>
-        <p:nvSpPr>
-          <p:cNvPr id="9" name="Espace réservé du contenu 2"/>
-          <p:cNvSpPr txBox="1">
-            <a:spLocks/>
-          </p:cNvSpPr>
-          <p:nvPr/>
-        </p:nvSpPr>
-        <p:spPr>
-          <a:xfrm>
-            <a:off x="179362" y="3829965"/>
-            <a:ext cx="2851056" cy="2155532"/>
-          </a:xfrm>
-          <a:prstGeom prst="rect">
-            <a:avLst/>
-          </a:prstGeom>
-        </p:spPr>
-        <p:txBody>
-          <a:bodyPr vert="horz" lIns="91440" tIns="45720" rIns="91440" bIns="45720" rtlCol="0">
-            <a:normAutofit/>
-          </a:bodyPr>
-          <a:lstStyle>
-            <a:lvl1pPr marL="228600" indent="-228600" algn="l" defTabSz="914400" rtl="0" eaLnBrk="1" latinLnBrk="0" hangingPunct="1">
-              <a:lnSpc>
-                <a:spcPct val="90000"/>
-              </a:lnSpc>
-              <a:spcBef>
-                <a:spcPts val="1000"/>
-              </a:spcBef>
-              <a:buFont typeface="Arial" panose="020B0604020202020204" pitchFamily="34" charset="0"/>
-              <a:buChar char="•"/>
-              <a:defRPr sz="2800" kern="1200">
-                <a:solidFill>
-                  <a:schemeClr val="tx1"/>
-                </a:solidFill>
-                <a:latin typeface="+mn-lt"/>
-                <a:ea typeface="+mn-ea"/>
-                <a:cs typeface="+mn-cs"/>
-              </a:defRPr>
-            </a:lvl1pPr>
-            <a:lvl2pPr marL="685800" indent="-228600" algn="l" defTabSz="914400" rtl="0" eaLnBrk="1" latinLnBrk="0" hangingPunct="1">
-              <a:lnSpc>
-                <a:spcPct val="90000"/>
-              </a:lnSpc>
-              <a:spcBef>
-                <a:spcPts val="500"/>
-              </a:spcBef>
-              <a:buFont typeface="Arial" panose="020B0604020202020204" pitchFamily="34" charset="0"/>
-              <a:buChar char="•"/>
-              <a:defRPr sz="2400" kern="1200">
-                <a:solidFill>
-                  <a:schemeClr val="tx1"/>
-                </a:solidFill>
-                <a:latin typeface="+mn-lt"/>
-                <a:ea typeface="+mn-ea"/>
-                <a:cs typeface="+mn-cs"/>
-              </a:defRPr>
-            </a:lvl2pPr>
-            <a:lvl3pPr marL="1143000" indent="-228600" algn="l" defTabSz="914400" rtl="0" eaLnBrk="1" latinLnBrk="0" hangingPunct="1">
-              <a:lnSpc>
-                <a:spcPct val="90000"/>
-              </a:lnSpc>
-              <a:spcBef>
-                <a:spcPts val="500"/>
-              </a:spcBef>
-              <a:buFont typeface="Arial" panose="020B0604020202020204" pitchFamily="34" charset="0"/>
-              <a:buChar char="•"/>
-              <a:defRPr sz="2000" kern="1200">
-                <a:solidFill>
-                  <a:schemeClr val="tx1"/>
-                </a:solidFill>
-                <a:latin typeface="+mn-lt"/>
-                <a:ea typeface="+mn-ea"/>
-                <a:cs typeface="+mn-cs"/>
-              </a:defRPr>
-            </a:lvl3pPr>
-            <a:lvl4pPr marL="1600200" indent="-228600" algn="l" defTabSz="914400" rtl="0" eaLnBrk="1" latinLnBrk="0" hangingPunct="1">
-              <a:lnSpc>
-                <a:spcPct val="90000"/>
-              </a:lnSpc>
-              <a:spcBef>
-                <a:spcPts val="500"/>
-              </a:spcBef>
-              <a:buFont typeface="Arial" panose="020B0604020202020204" pitchFamily="34" charset="0"/>
-              <a:buChar char="•"/>
-              <a:defRPr sz="1800" kern="1200">
-                <a:solidFill>
-                  <a:schemeClr val="tx1"/>
-                </a:solidFill>
-                <a:latin typeface="+mn-lt"/>
-                <a:ea typeface="+mn-ea"/>
-                <a:cs typeface="+mn-cs"/>
-              </a:defRPr>
-            </a:lvl4pPr>
-            <a:lvl5pPr marL="2057400" indent="-228600" algn="l" defTabSz="914400" rtl="0" eaLnBrk="1" latinLnBrk="0" hangingPunct="1">
-              <a:lnSpc>
-                <a:spcPct val="90000"/>
-              </a:lnSpc>
-              <a:spcBef>
-                <a:spcPts val="500"/>
-              </a:spcBef>
-              <a:buFont typeface="Arial" panose="020B0604020202020204" pitchFamily="34" charset="0"/>
-              <a:buChar char="•"/>
-              <a:defRPr sz="1800" kern="1200">
-                <a:solidFill>
-                  <a:schemeClr val="tx1"/>
-                </a:solidFill>
-                <a:latin typeface="+mn-lt"/>
-                <a:ea typeface="+mn-ea"/>
-                <a:cs typeface="+mn-cs"/>
-              </a:defRPr>
-            </a:lvl5pPr>
-            <a:lvl6pPr marL="2514600" indent="-228600" algn="l" defTabSz="914400" rtl="0" eaLnBrk="1" latinLnBrk="0" hangingPunct="1">
-              <a:lnSpc>
-                <a:spcPct val="90000"/>
-              </a:lnSpc>
-              <a:spcBef>
-                <a:spcPts val="500"/>
-              </a:spcBef>
-              <a:buFont typeface="Arial" panose="020B0604020202020204" pitchFamily="34" charset="0"/>
-              <a:buChar char="•"/>
-              <a:defRPr sz="1800" kern="1200">
-                <a:solidFill>
-                  <a:schemeClr val="tx1"/>
-                </a:solidFill>
-                <a:latin typeface="+mn-lt"/>
-                <a:ea typeface="+mn-ea"/>
-                <a:cs typeface="+mn-cs"/>
-              </a:defRPr>
-            </a:lvl6pPr>
-            <a:lvl7pPr marL="2971800" indent="-228600" algn="l" defTabSz="914400" rtl="0" eaLnBrk="1" latinLnBrk="0" hangingPunct="1">
-              <a:lnSpc>
-                <a:spcPct val="90000"/>
-              </a:lnSpc>
-              <a:spcBef>
-                <a:spcPts val="500"/>
-              </a:spcBef>
-              <a:buFont typeface="Arial" panose="020B0604020202020204" pitchFamily="34" charset="0"/>
-              <a:buChar char="•"/>
-              <a:defRPr sz="1800" kern="1200">
-                <a:solidFill>
-                  <a:schemeClr val="tx1"/>
-                </a:solidFill>
-                <a:latin typeface="+mn-lt"/>
-                <a:ea typeface="+mn-ea"/>
-                <a:cs typeface="+mn-cs"/>
-              </a:defRPr>
-            </a:lvl7pPr>
-            <a:lvl8pPr marL="3429000" indent="-228600" algn="l" defTabSz="914400" rtl="0" eaLnBrk="1" latinLnBrk="0" hangingPunct="1">
-              <a:lnSpc>
-                <a:spcPct val="90000"/>
-              </a:lnSpc>
-              <a:spcBef>
-                <a:spcPts val="500"/>
-              </a:spcBef>
-              <a:buFont typeface="Arial" panose="020B0604020202020204" pitchFamily="34" charset="0"/>
-              <a:buChar char="•"/>
-              <a:defRPr sz="1800" kern="1200">
-                <a:solidFill>
-                  <a:schemeClr val="tx1"/>
-                </a:solidFill>
-                <a:latin typeface="+mn-lt"/>
-                <a:ea typeface="+mn-ea"/>
-                <a:cs typeface="+mn-cs"/>
-              </a:defRPr>
-            </a:lvl8pPr>
-            <a:lvl9pPr marL="3886200" indent="-228600" algn="l" defTabSz="914400" rtl="0" eaLnBrk="1" latinLnBrk="0" hangingPunct="1">
-              <a:lnSpc>
-                <a:spcPct val="90000"/>
-              </a:lnSpc>
-              <a:spcBef>
-                <a:spcPts val="500"/>
-              </a:spcBef>
-              <a:buFont typeface="Arial" panose="020B0604020202020204" pitchFamily="34" charset="0"/>
-              <a:buChar char="•"/>
-              <a:defRPr sz="1800" kern="1200">
-                <a:solidFill>
-                  <a:schemeClr val="tx1"/>
-                </a:solidFill>
-                <a:latin typeface="+mn-lt"/>
-                <a:ea typeface="+mn-ea"/>
-                <a:cs typeface="+mn-cs"/>
-              </a:defRPr>
-            </a:lvl9pPr>
-          </a:lstStyle>
-          <a:p>
-            <a:pPr marL="0" indent="0">
-              <a:buFont typeface="Arial" panose="020B0604020202020204" pitchFamily="34" charset="0"/>
-              <a:buNone/>
-            </a:pPr>
-            <a:r>
-              <a:rPr lang="fr-FR" sz="3000" b="1" dirty="0">
-                <a:solidFill>
-                  <a:srgbClr val="FF0000"/>
-                </a:solidFill>
-                <a:latin typeface="Times New Roman" panose="02020603050405020304" pitchFamily="18" charset="0"/>
-                <a:cs typeface="Times New Roman" panose="02020603050405020304" pitchFamily="18" charset="0"/>
-              </a:rPr>
-              <a:t>4</a:t>
-            </a:r>
-            <a:r>
-              <a:rPr lang="fr-FR" sz="3000" b="1" dirty="0" smtClean="0">
-                <a:solidFill>
-                  <a:srgbClr val="FF0000"/>
-                </a:solidFill>
-                <a:latin typeface="Times New Roman" panose="02020603050405020304" pitchFamily="18" charset="0"/>
-                <a:cs typeface="Times New Roman" panose="02020603050405020304" pitchFamily="18" charset="0"/>
-              </a:rPr>
-              <a:t>.Presentation</a:t>
-            </a:r>
-          </a:p>
-          <a:p>
-            <a:pPr>
-              <a:buFont typeface="Wingdings" panose="05000000000000000000" pitchFamily="2" charset="2"/>
-              <a:buChar char="Ø"/>
-            </a:pPr>
-            <a:r>
-              <a:rPr lang="fr-FR" dirty="0" smtClean="0">
-                <a:solidFill>
-                  <a:srgbClr val="00B050"/>
-                </a:solidFill>
-                <a:latin typeface="Times New Roman" panose="02020603050405020304" pitchFamily="18" charset="0"/>
-                <a:cs typeface="Times New Roman" panose="02020603050405020304" pitchFamily="18" charset="0"/>
-              </a:rPr>
-              <a:t>Slideshow</a:t>
-            </a:r>
-          </a:p>
-          <a:p>
-            <a:pPr>
-              <a:buFont typeface="Wingdings" panose="05000000000000000000" pitchFamily="2" charset="2"/>
-              <a:buChar char="Ø"/>
-            </a:pPr>
-            <a:r>
-              <a:rPr lang="fr-FR" dirty="0" smtClean="0">
-                <a:solidFill>
-                  <a:srgbClr val="00B050"/>
-                </a:solidFill>
-                <a:latin typeface="Times New Roman" panose="02020603050405020304" pitchFamily="18" charset="0"/>
-                <a:cs typeface="Times New Roman" panose="02020603050405020304" pitchFamily="18" charset="0"/>
-              </a:rPr>
-              <a:t>Reports review</a:t>
-            </a:r>
-            <a:endParaRPr lang="fr-FR" dirty="0" smtClean="0">
-              <a:solidFill>
-                <a:srgbClr val="00B050"/>
-              </a:solidFill>
-            </a:endParaRPr>
-          </a:p>
-          <a:p>
-            <a:pPr marL="0" indent="0">
-              <a:buFont typeface="Arial" panose="020B0604020202020204" pitchFamily="34" charset="0"/>
-              <a:buNone/>
-            </a:pPr>
-            <a:endParaRPr lang="fr-FR" dirty="0" smtClean="0"/>
-          </a:p>
-          <a:p>
-            <a:pPr marL="0" indent="0">
-              <a:buFont typeface="Arial" panose="020B0604020202020204" pitchFamily="34" charset="0"/>
-              <a:buNone/>
-            </a:pPr>
-            <a:endParaRPr lang="fr-FR" dirty="0" smtClean="0"/>
-          </a:p>
-        </p:txBody>
-      </p:sp>
-      <p:sp>
-        <p:nvSpPr>
-          <p:cNvPr id="10" name="Espace réservé du contenu 2"/>
-          <p:cNvSpPr txBox="1">
-            <a:spLocks/>
-          </p:cNvSpPr>
-          <p:nvPr/>
-        </p:nvSpPr>
-        <p:spPr>
-          <a:xfrm>
-            <a:off x="3272775" y="3834956"/>
-            <a:ext cx="3379764" cy="2488549"/>
-          </a:xfrm>
-          <a:prstGeom prst="rect">
-            <a:avLst/>
-          </a:prstGeom>
-        </p:spPr>
-        <p:txBody>
-          <a:bodyPr vert="horz" lIns="91440" tIns="45720" rIns="91440" bIns="45720" rtlCol="0">
-            <a:normAutofit lnSpcReduction="10000"/>
-          </a:bodyPr>
-          <a:lstStyle>
-            <a:lvl1pPr marL="228600" indent="-228600" algn="l" defTabSz="914400" rtl="0" eaLnBrk="1" latinLnBrk="0" hangingPunct="1">
-              <a:lnSpc>
-                <a:spcPct val="90000"/>
-              </a:lnSpc>
-              <a:spcBef>
-                <a:spcPts val="1000"/>
-              </a:spcBef>
-              <a:buFont typeface="Arial" panose="020B0604020202020204" pitchFamily="34" charset="0"/>
-              <a:buChar char="•"/>
-              <a:defRPr sz="2800" kern="1200">
-                <a:solidFill>
-                  <a:schemeClr val="tx1"/>
-                </a:solidFill>
-                <a:latin typeface="+mn-lt"/>
-                <a:ea typeface="+mn-ea"/>
-                <a:cs typeface="+mn-cs"/>
-              </a:defRPr>
-            </a:lvl1pPr>
-            <a:lvl2pPr marL="685800" indent="-228600" algn="l" defTabSz="914400" rtl="0" eaLnBrk="1" latinLnBrk="0" hangingPunct="1">
-              <a:lnSpc>
-                <a:spcPct val="90000"/>
-              </a:lnSpc>
-              <a:spcBef>
-                <a:spcPts val="500"/>
-              </a:spcBef>
-              <a:buFont typeface="Arial" panose="020B0604020202020204" pitchFamily="34" charset="0"/>
-              <a:buChar char="•"/>
-              <a:defRPr sz="2400" kern="1200">
-                <a:solidFill>
-                  <a:schemeClr val="tx1"/>
-                </a:solidFill>
-                <a:latin typeface="+mn-lt"/>
-                <a:ea typeface="+mn-ea"/>
-                <a:cs typeface="+mn-cs"/>
-              </a:defRPr>
-            </a:lvl2pPr>
-            <a:lvl3pPr marL="1143000" indent="-228600" algn="l" defTabSz="914400" rtl="0" eaLnBrk="1" latinLnBrk="0" hangingPunct="1">
-              <a:lnSpc>
-                <a:spcPct val="90000"/>
-              </a:lnSpc>
-              <a:spcBef>
-                <a:spcPts val="500"/>
-              </a:spcBef>
-              <a:buFont typeface="Arial" panose="020B0604020202020204" pitchFamily="34" charset="0"/>
-              <a:buChar char="•"/>
-              <a:defRPr sz="2000" kern="1200">
-                <a:solidFill>
-                  <a:schemeClr val="tx1"/>
-                </a:solidFill>
-                <a:latin typeface="+mn-lt"/>
-                <a:ea typeface="+mn-ea"/>
-                <a:cs typeface="+mn-cs"/>
-              </a:defRPr>
-            </a:lvl3pPr>
-            <a:lvl4pPr marL="1600200" indent="-228600" algn="l" defTabSz="914400" rtl="0" eaLnBrk="1" latinLnBrk="0" hangingPunct="1">
-              <a:lnSpc>
-                <a:spcPct val="90000"/>
-              </a:lnSpc>
-              <a:spcBef>
-                <a:spcPts val="500"/>
-              </a:spcBef>
-              <a:buFont typeface="Arial" panose="020B0604020202020204" pitchFamily="34" charset="0"/>
-              <a:buChar char="•"/>
-              <a:defRPr sz="1800" kern="1200">
-                <a:solidFill>
-                  <a:schemeClr val="tx1"/>
-                </a:solidFill>
-                <a:latin typeface="+mn-lt"/>
-                <a:ea typeface="+mn-ea"/>
-                <a:cs typeface="+mn-cs"/>
-              </a:defRPr>
-            </a:lvl4pPr>
-            <a:lvl5pPr marL="2057400" indent="-228600" algn="l" defTabSz="914400" rtl="0" eaLnBrk="1" latinLnBrk="0" hangingPunct="1">
-              <a:lnSpc>
-                <a:spcPct val="90000"/>
-              </a:lnSpc>
-              <a:spcBef>
-                <a:spcPts val="500"/>
-              </a:spcBef>
-              <a:buFont typeface="Arial" panose="020B0604020202020204" pitchFamily="34" charset="0"/>
-              <a:buChar char="•"/>
-              <a:defRPr sz="1800" kern="1200">
-                <a:solidFill>
-                  <a:schemeClr val="tx1"/>
-                </a:solidFill>
-                <a:latin typeface="+mn-lt"/>
-                <a:ea typeface="+mn-ea"/>
-                <a:cs typeface="+mn-cs"/>
-              </a:defRPr>
-            </a:lvl5pPr>
-            <a:lvl6pPr marL="2514600" indent="-228600" algn="l" defTabSz="914400" rtl="0" eaLnBrk="1" latinLnBrk="0" hangingPunct="1">
-              <a:lnSpc>
-                <a:spcPct val="90000"/>
-              </a:lnSpc>
-              <a:spcBef>
-                <a:spcPts val="500"/>
-              </a:spcBef>
-              <a:buFont typeface="Arial" panose="020B0604020202020204" pitchFamily="34" charset="0"/>
-              <a:buChar char="•"/>
-              <a:defRPr sz="1800" kern="1200">
-                <a:solidFill>
-                  <a:schemeClr val="tx1"/>
-                </a:solidFill>
-                <a:latin typeface="+mn-lt"/>
-                <a:ea typeface="+mn-ea"/>
-                <a:cs typeface="+mn-cs"/>
-              </a:defRPr>
-            </a:lvl6pPr>
-            <a:lvl7pPr marL="2971800" indent="-228600" algn="l" defTabSz="914400" rtl="0" eaLnBrk="1" latinLnBrk="0" hangingPunct="1">
-              <a:lnSpc>
-                <a:spcPct val="90000"/>
-              </a:lnSpc>
-              <a:spcBef>
-                <a:spcPts val="500"/>
-              </a:spcBef>
-              <a:buFont typeface="Arial" panose="020B0604020202020204" pitchFamily="34" charset="0"/>
-              <a:buChar char="•"/>
-              <a:defRPr sz="1800" kern="1200">
-                <a:solidFill>
-                  <a:schemeClr val="tx1"/>
-                </a:solidFill>
-                <a:latin typeface="+mn-lt"/>
-                <a:ea typeface="+mn-ea"/>
-                <a:cs typeface="+mn-cs"/>
-              </a:defRPr>
-            </a:lvl7pPr>
-            <a:lvl8pPr marL="3429000" indent="-228600" algn="l" defTabSz="914400" rtl="0" eaLnBrk="1" latinLnBrk="0" hangingPunct="1">
-              <a:lnSpc>
-                <a:spcPct val="90000"/>
-              </a:lnSpc>
-              <a:spcBef>
-                <a:spcPts val="500"/>
-              </a:spcBef>
-              <a:buFont typeface="Arial" panose="020B0604020202020204" pitchFamily="34" charset="0"/>
-              <a:buChar char="•"/>
-              <a:defRPr sz="1800" kern="1200">
-                <a:solidFill>
-                  <a:schemeClr val="tx1"/>
-                </a:solidFill>
-                <a:latin typeface="+mn-lt"/>
-                <a:ea typeface="+mn-ea"/>
-                <a:cs typeface="+mn-cs"/>
-              </a:defRPr>
-            </a:lvl8pPr>
-            <a:lvl9pPr marL="3886200" indent="-228600" algn="l" defTabSz="914400" rtl="0" eaLnBrk="1" latinLnBrk="0" hangingPunct="1">
-              <a:lnSpc>
-                <a:spcPct val="90000"/>
-              </a:lnSpc>
-              <a:spcBef>
-                <a:spcPts val="500"/>
-              </a:spcBef>
-              <a:buFont typeface="Arial" panose="020B0604020202020204" pitchFamily="34" charset="0"/>
-              <a:buChar char="•"/>
-              <a:defRPr sz="1800" kern="1200">
-                <a:solidFill>
-                  <a:schemeClr val="tx1"/>
-                </a:solidFill>
-                <a:latin typeface="+mn-lt"/>
-                <a:ea typeface="+mn-ea"/>
-                <a:cs typeface="+mn-cs"/>
-              </a:defRPr>
-            </a:lvl9pPr>
-          </a:lstStyle>
-          <a:p>
-            <a:pPr marL="0" indent="0">
-              <a:buFont typeface="Arial" panose="020B0604020202020204" pitchFamily="34" charset="0"/>
-              <a:buNone/>
-            </a:pPr>
-            <a:r>
-              <a:rPr lang="fr-FR" sz="3000" b="1" dirty="0" smtClean="0">
-                <a:solidFill>
-                  <a:srgbClr val="FF0000"/>
-                </a:solidFill>
-                <a:latin typeface="Times New Roman" panose="02020603050405020304" pitchFamily="18" charset="0"/>
-                <a:cs typeface="Times New Roman" panose="02020603050405020304" pitchFamily="18" charset="0"/>
-              </a:rPr>
-              <a:t>5.Reports</a:t>
-            </a:r>
-          </a:p>
-          <a:p>
-            <a:pPr>
-              <a:buFont typeface="Wingdings" panose="05000000000000000000" pitchFamily="2" charset="2"/>
-              <a:buChar char="Ø"/>
-            </a:pPr>
-            <a:r>
-              <a:rPr lang="fr-FR" dirty="0" smtClean="0">
-                <a:solidFill>
-                  <a:srgbClr val="00B050"/>
-                </a:solidFill>
-                <a:latin typeface="Times New Roman" panose="02020603050405020304" pitchFamily="18" charset="0"/>
-                <a:cs typeface="Times New Roman" panose="02020603050405020304" pitchFamily="18" charset="0"/>
-              </a:rPr>
-              <a:t>SureFire</a:t>
-            </a:r>
-          </a:p>
-          <a:p>
-            <a:pPr>
-              <a:buFont typeface="Wingdings" panose="05000000000000000000" pitchFamily="2" charset="2"/>
-              <a:buChar char="Ø"/>
-            </a:pPr>
-            <a:r>
-              <a:rPr lang="fr-FR" dirty="0" smtClean="0">
-                <a:solidFill>
-                  <a:srgbClr val="00B050"/>
-                </a:solidFill>
-                <a:latin typeface="Times New Roman" panose="02020603050405020304" pitchFamily="18" charset="0"/>
-                <a:cs typeface="Times New Roman" panose="02020603050405020304" pitchFamily="18" charset="0"/>
-              </a:rPr>
-              <a:t>JavaDoc</a:t>
-            </a:r>
-          </a:p>
-          <a:p>
-            <a:pPr>
-              <a:buFont typeface="Wingdings" panose="05000000000000000000" pitchFamily="2" charset="2"/>
-              <a:buChar char="Ø"/>
-            </a:pPr>
-            <a:r>
-              <a:rPr lang="fr-FR" dirty="0" smtClean="0">
-                <a:solidFill>
-                  <a:srgbClr val="00B050"/>
-                </a:solidFill>
-                <a:latin typeface="Times New Roman" panose="02020603050405020304" pitchFamily="18" charset="0"/>
-                <a:cs typeface="Times New Roman" panose="02020603050405020304" pitchFamily="18" charset="0"/>
-              </a:rPr>
-              <a:t>JXR</a:t>
-            </a:r>
-          </a:p>
-          <a:p>
-            <a:pPr>
-              <a:buFont typeface="Wingdings" panose="05000000000000000000" pitchFamily="2" charset="2"/>
-              <a:buChar char="Ø"/>
-            </a:pPr>
-            <a:r>
-              <a:rPr lang="fr-FR" dirty="0" smtClean="0">
-                <a:solidFill>
-                  <a:srgbClr val="00B050"/>
-                </a:solidFill>
-                <a:latin typeface="Times New Roman" panose="02020603050405020304" pitchFamily="18" charset="0"/>
-                <a:cs typeface="Times New Roman" panose="02020603050405020304" pitchFamily="18" charset="0"/>
-              </a:rPr>
-              <a:t>Git</a:t>
-            </a:r>
-            <a:endParaRPr lang="fr-FR" dirty="0">
-              <a:solidFill>
-                <a:srgbClr val="00B050"/>
-              </a:solidFill>
-              <a:latin typeface="Times New Roman" panose="02020603050405020304" pitchFamily="18" charset="0"/>
-              <a:cs typeface="Times New Roman" panose="02020603050405020304" pitchFamily="18" charset="0"/>
-            </a:endParaRPr>
-          </a:p>
-          <a:p>
-            <a:pPr marL="0" indent="0">
-              <a:buNone/>
-            </a:pPr>
-            <a:endParaRPr lang="fr-FR" dirty="0" smtClean="0">
-              <a:solidFill>
-                <a:srgbClr val="00B050"/>
-              </a:solidFill>
-            </a:endParaRPr>
-          </a:p>
-          <a:p>
-            <a:pPr marL="0" indent="0">
-              <a:buFont typeface="Arial" panose="020B0604020202020204" pitchFamily="34" charset="0"/>
-              <a:buNone/>
-            </a:pPr>
-            <a:endParaRPr lang="fr-FR" dirty="0" smtClean="0"/>
-          </a:p>
-          <a:p>
-            <a:pPr marL="0" indent="0">
-              <a:buFont typeface="Arial" panose="020B0604020202020204" pitchFamily="34" charset="0"/>
-              <a:buNone/>
-            </a:pPr>
-            <a:endParaRPr lang="fr-FR" dirty="0" smtClean="0"/>
           </a:p>
         </p:txBody>
       </p:sp>
     </p:spTree>
     <p:extLst>
       <p:ext uri="{BB962C8B-B14F-4D97-AF65-F5344CB8AC3E}">
-        <p14:creationId xmlns:p14="http://schemas.microsoft.com/office/powerpoint/2010/main" val="3338777551"/>
+        <p14:creationId xmlns:p14="http://schemas.microsoft.com/office/powerpoint/2010/main" val="1256479061"/>
       </p:ext>
     </p:extLst>
   </p:cSld>
@@ -7936,216 +4878,6 @@
         </p:nvSpPr>
         <p:spPr>
           <a:xfrm>
-            <a:off x="838200" y="109343"/>
-            <a:ext cx="10515600" cy="1325563"/>
-          </a:xfrm>
-        </p:spPr>
-        <p:txBody>
-          <a:bodyPr>
-            <a:normAutofit/>
-          </a:bodyPr>
-          <a:lstStyle/>
-          <a:p>
-            <a:pPr algn="ctr"/>
-            <a:r>
-              <a:rPr lang="fr-FR" sz="5000" b="1" dirty="0">
-                <a:solidFill>
-                  <a:srgbClr val="FF0000"/>
-                </a:solidFill>
-                <a:latin typeface="Times New Roman" panose="02020603050405020304" pitchFamily="18" charset="0"/>
-                <a:cs typeface="Times New Roman" panose="02020603050405020304" pitchFamily="18" charset="0"/>
-              </a:rPr>
-              <a:t>TABLE OF CONTENT</a:t>
-            </a:r>
-          </a:p>
-        </p:txBody>
-      </p:sp>
-      <p:sp>
-        <p:nvSpPr>
-          <p:cNvPr id="3" name="Espace réservé du contenu 2"/>
-          <p:cNvSpPr>
-            <a:spLocks noGrp="1"/>
-          </p:cNvSpPr>
-          <p:nvPr>
-            <p:ph idx="1"/>
-          </p:nvPr>
-        </p:nvSpPr>
-        <p:spPr>
-          <a:xfrm>
-            <a:off x="838200" y="1434906"/>
-            <a:ext cx="10515600" cy="5148774"/>
-          </a:xfrm>
-        </p:spPr>
-        <p:txBody>
-          <a:bodyPr>
-            <a:normAutofit lnSpcReduction="10000"/>
-          </a:bodyPr>
-          <a:lstStyle/>
-          <a:p>
-            <a:pPr marL="514350" indent="-514350">
-              <a:buFont typeface="+mj-lt"/>
-              <a:buAutoNum type="arabicPeriod"/>
-            </a:pPr>
-            <a:r>
-              <a:rPr lang="fr-FR" sz="4000" b="1" dirty="0" smtClean="0">
-                <a:latin typeface="Times New Roman" panose="02020603050405020304" pitchFamily="18" charset="0"/>
-                <a:cs typeface="Times New Roman" panose="02020603050405020304" pitchFamily="18" charset="0"/>
-              </a:rPr>
-              <a:t>PROJECT PRESENTATION</a:t>
-            </a:r>
-          </a:p>
-          <a:p>
-            <a:pPr marL="514350" indent="-514350">
-              <a:buFont typeface="+mj-lt"/>
-              <a:buAutoNum type="arabicPeriod"/>
-            </a:pPr>
-            <a:r>
-              <a:rPr lang="fr-FR" sz="4000" b="1" smtClean="0">
-                <a:latin typeface="Times New Roman" panose="02020603050405020304" pitchFamily="18" charset="0"/>
-                <a:cs typeface="Times New Roman" panose="02020603050405020304" pitchFamily="18" charset="0"/>
-              </a:rPr>
-              <a:t>GANTT </a:t>
-            </a:r>
-            <a:endParaRPr lang="fr-FR" sz="4000" b="1" dirty="0" smtClean="0">
-              <a:latin typeface="Times New Roman" panose="02020603050405020304" pitchFamily="18" charset="0"/>
-              <a:cs typeface="Times New Roman" panose="02020603050405020304" pitchFamily="18" charset="0"/>
-            </a:endParaRPr>
-          </a:p>
-          <a:p>
-            <a:pPr marL="514350" indent="-514350">
-              <a:buFont typeface="+mj-lt"/>
-              <a:buAutoNum type="arabicPeriod"/>
-            </a:pPr>
-            <a:r>
-              <a:rPr lang="fr-FR" sz="4000" b="1" dirty="0" smtClean="0">
-                <a:latin typeface="Times New Roman" panose="02020603050405020304" pitchFamily="18" charset="0"/>
-                <a:cs typeface="Times New Roman" panose="02020603050405020304" pitchFamily="18" charset="0"/>
-              </a:rPr>
-              <a:t>DESCRIPTION OF TOOLS USED</a:t>
-            </a:r>
-          </a:p>
-          <a:p>
-            <a:pPr marL="514350" indent="-514350">
-              <a:buFont typeface="+mj-lt"/>
-              <a:buAutoNum type="arabicPeriod"/>
-            </a:pPr>
-            <a:r>
-              <a:rPr lang="fr-FR" sz="4000" b="1" dirty="0" smtClean="0">
-                <a:latin typeface="Times New Roman" panose="02020603050405020304" pitchFamily="18" charset="0"/>
-                <a:cs typeface="Times New Roman" panose="02020603050405020304" pitchFamily="18" charset="0"/>
-              </a:rPr>
-              <a:t>APPLICATION PRESENTATION</a:t>
-            </a:r>
-          </a:p>
-          <a:p>
-            <a:pPr marL="514350" indent="-514350">
-              <a:buFont typeface="+mj-lt"/>
-              <a:buAutoNum type="arabicPeriod"/>
-            </a:pPr>
-            <a:r>
-              <a:rPr lang="fr-FR" sz="4000" b="1" dirty="0" smtClean="0">
-                <a:latin typeface="Times New Roman" panose="02020603050405020304" pitchFamily="18" charset="0"/>
-                <a:cs typeface="Times New Roman" panose="02020603050405020304" pitchFamily="18" charset="0"/>
-              </a:rPr>
-              <a:t>UML DIAGRAMS</a:t>
-            </a:r>
-          </a:p>
-          <a:p>
-            <a:pPr marL="514350" indent="-514350">
-              <a:buFont typeface="+mj-lt"/>
-              <a:buAutoNum type="arabicPeriod"/>
-            </a:pPr>
-            <a:r>
-              <a:rPr lang="fr-FR" sz="4000" b="1" dirty="0" smtClean="0">
-                <a:latin typeface="Times New Roman" panose="02020603050405020304" pitchFamily="18" charset="0"/>
-                <a:cs typeface="Times New Roman" panose="02020603050405020304" pitchFamily="18" charset="0"/>
-              </a:rPr>
-              <a:t>REPORTS</a:t>
-            </a:r>
-          </a:p>
-          <a:p>
-            <a:pPr marL="514350" indent="-514350">
-              <a:buFont typeface="+mj-lt"/>
-              <a:buAutoNum type="arabicPeriod"/>
-            </a:pPr>
-            <a:r>
-              <a:rPr lang="fr-FR" sz="4000" b="1" dirty="0" smtClean="0">
-                <a:latin typeface="Times New Roman" panose="02020603050405020304" pitchFamily="18" charset="0"/>
-                <a:cs typeface="Times New Roman" panose="02020603050405020304" pitchFamily="18" charset="0"/>
-              </a:rPr>
-              <a:t>STRENGTH AND WEAKNESS</a:t>
-            </a:r>
-          </a:p>
-          <a:p>
-            <a:pPr marL="514350" indent="-514350">
-              <a:buFont typeface="+mj-lt"/>
-              <a:buAutoNum type="arabicPeriod"/>
-            </a:pPr>
-            <a:r>
-              <a:rPr lang="fr-FR" sz="4000" b="1" dirty="0" smtClean="0">
-                <a:latin typeface="Times New Roman" panose="02020603050405020304" pitchFamily="18" charset="0"/>
-                <a:cs typeface="Times New Roman" panose="02020603050405020304" pitchFamily="18" charset="0"/>
-              </a:rPr>
-              <a:t>CONCLUSION</a:t>
-            </a:r>
-          </a:p>
-          <a:p>
-            <a:endParaRPr lang="fr-FR" dirty="0" smtClean="0"/>
-          </a:p>
-          <a:p>
-            <a:endParaRPr lang="fr-FR" dirty="0"/>
-          </a:p>
-        </p:txBody>
-      </p:sp>
-    </p:spTree>
-    <p:extLst>
-      <p:ext uri="{BB962C8B-B14F-4D97-AF65-F5344CB8AC3E}">
-        <p14:creationId xmlns:p14="http://schemas.microsoft.com/office/powerpoint/2010/main" val="1256479061"/>
-      </p:ext>
-    </p:extLst>
-  </p:cSld>
-  <p:clrMapOvr>
-    <a:masterClrMapping/>
-  </p:clrMapOvr>
-  <p:timing>
-    <p:tnLst>
-      <p:par>
-        <p:cTn id="1" dur="indefinite" restart="never" nodeType="tmRoot"/>
-      </p:par>
-    </p:tnLst>
-  </p:timing>
-</p:sld>
-</file>
-
-<file path=ppt/slides/slide5.xml><?xml version="1.0" encoding="utf-8"?>
-<p:sld xmlns:a="http://schemas.openxmlformats.org/drawingml/2006/main" xmlns:r="http://schemas.openxmlformats.org/officeDocument/2006/relationships" xmlns:p="http://schemas.openxmlformats.org/presentationml/2006/main">
-  <p:cSld>
-    <p:spTree>
-      <p:nvGrpSpPr>
-        <p:cNvPr id="1" name=""/>
-        <p:cNvGrpSpPr/>
-        <p:nvPr/>
-      </p:nvGrpSpPr>
-      <p:grpSpPr>
-        <a:xfrm>
-          <a:off x="0" y="0"/>
-          <a:ext cx="0" cy="0"/>
-          <a:chOff x="0" y="0"/>
-          <a:chExt cx="0" cy="0"/>
-        </a:xfrm>
-      </p:grpSpPr>
-      <p:sp>
-        <p:nvSpPr>
-          <p:cNvPr id="2" name="Titre 1"/>
-          <p:cNvSpPr>
-            <a:spLocks noGrp="1"/>
-          </p:cNvSpPr>
-          <p:nvPr>
-            <p:ph type="title"/>
-          </p:nvPr>
-        </p:nvSpPr>
-        <p:spPr>
-          <a:xfrm>
             <a:off x="838200" y="0"/>
             <a:ext cx="10515600" cy="1325563"/>
           </a:xfrm>
@@ -8496,7 +5228,7 @@
 </p:sld>
 </file>
 
-<file path=ppt/slides/slide6.xml><?xml version="1.0" encoding="utf-8"?>
+<file path=ppt/slides/slide5.xml><?xml version="1.0" encoding="utf-8"?>
 <p:sld xmlns:a="http://schemas.openxmlformats.org/drawingml/2006/main" xmlns:r="http://schemas.openxmlformats.org/officeDocument/2006/relationships" xmlns:p="http://schemas.openxmlformats.org/presentationml/2006/main">
   <p:cSld>
     <p:spTree>
@@ -8658,28 +5390,22 @@
       </p:sp>
       <p:pic>
         <p:nvPicPr>
-          <p:cNvPr id="7" name="Image 6"/>
+          <p:cNvPr id="4" name="Image 3"/>
           <p:cNvPicPr>
             <a:picLocks noChangeAspect="1"/>
           </p:cNvPicPr>
           <p:nvPr/>
         </p:nvPicPr>
         <p:blipFill>
-          <a:blip r:embed="rId3">
-            <a:extLst>
-              <a:ext uri="{28A0092B-C50C-407E-A947-70E740481C1C}">
-                <a14:useLocalDpi xmlns:a14="http://schemas.microsoft.com/office/drawing/2010/main" val="0"/>
-              </a:ext>
-            </a:extLst>
-          </a:blip>
+          <a:blip r:embed="rId3"/>
           <a:stretch>
             <a:fillRect/>
           </a:stretch>
         </p:blipFill>
         <p:spPr>
           <a:xfrm>
-            <a:off x="570914" y="1564355"/>
-            <a:ext cx="10768818" cy="4979543"/>
+            <a:off x="1358667" y="1729404"/>
+            <a:ext cx="9981065" cy="4718756"/>
           </a:xfrm>
           <a:prstGeom prst="rect">
             <a:avLst/>
@@ -8706,7 +5432,7 @@
 </p:sld>
 </file>
 
-<file path=ppt/slides/slide7.xml><?xml version="1.0" encoding="utf-8"?>
+<file path=ppt/slides/slide6.xml><?xml version="1.0" encoding="utf-8"?>
 <p:sld xmlns:a="http://schemas.openxmlformats.org/drawingml/2006/main" xmlns:r="http://schemas.openxmlformats.org/officeDocument/2006/relationships" xmlns:p="http://schemas.openxmlformats.org/presentationml/2006/main">
   <p:cSld>
     <p:spTree>
@@ -8848,7 +5574,166 @@
           <p:nvPr/>
         </p:nvPicPr>
         <p:blipFill>
-          <a:blip r:embed="rId3">
+          <a:blip r:embed="rId3"/>
+          <a:stretch>
+            <a:fillRect/>
+          </a:stretch>
+        </p:blipFill>
+        <p:spPr>
+          <a:xfrm>
+            <a:off x="1257300" y="1576387"/>
+            <a:ext cx="10096500" cy="4282546"/>
+          </a:xfrm>
+          <a:prstGeom prst="rect">
+            <a:avLst/>
+          </a:prstGeom>
+        </p:spPr>
+      </p:pic>
+    </p:spTree>
+    <p:extLst>
+      <p:ext uri="{BB962C8B-B14F-4D97-AF65-F5344CB8AC3E}">
+        <p14:creationId xmlns:p14="http://schemas.microsoft.com/office/powerpoint/2010/main" val="628049575"/>
+      </p:ext>
+    </p:extLst>
+  </p:cSld>
+  <p:clrMapOvr>
+    <a:masterClrMapping/>
+  </p:clrMapOvr>
+  <p:timing>
+    <p:tnLst>
+      <p:par>
+        <p:cTn id="1" dur="indefinite" restart="never" nodeType="tmRoot"/>
+      </p:par>
+    </p:tnLst>
+  </p:timing>
+</p:sld>
+</file>
+
+<file path=ppt/slides/slide7.xml><?xml version="1.0" encoding="utf-8"?>
+<p:sld xmlns:a="http://schemas.openxmlformats.org/drawingml/2006/main" xmlns:r="http://schemas.openxmlformats.org/officeDocument/2006/relationships" xmlns:p="http://schemas.openxmlformats.org/presentationml/2006/main">
+  <p:cSld>
+    <p:spTree>
+      <p:nvGrpSpPr>
+        <p:cNvPr id="1" name=""/>
+        <p:cNvGrpSpPr/>
+        <p:nvPr/>
+      </p:nvGrpSpPr>
+      <p:grpSpPr>
+        <a:xfrm>
+          <a:off x="0" y="0"/>
+          <a:ext cx="0" cy="0"/>
+          <a:chOff x="0" y="0"/>
+          <a:chExt cx="0" cy="0"/>
+        </a:xfrm>
+      </p:grpSpPr>
+      <p:sp>
+        <p:nvSpPr>
+          <p:cNvPr id="2" name="Titre 1"/>
+          <p:cNvSpPr>
+            <a:spLocks noGrp="1"/>
+          </p:cNvSpPr>
+          <p:nvPr>
+            <p:ph type="title"/>
+          </p:nvPr>
+        </p:nvSpPr>
+        <p:spPr>
+          <a:xfrm>
+            <a:off x="838200" y="154158"/>
+            <a:ext cx="10515600" cy="1325563"/>
+          </a:xfrm>
+        </p:spPr>
+        <p:txBody>
+          <a:bodyPr/>
+          <a:lstStyle/>
+          <a:p>
+            <a:pPr algn="ctr"/>
+            <a:r>
+              <a:rPr lang="en-US" b="1" dirty="0" smtClean="0">
+                <a:solidFill>
+                  <a:srgbClr val="FF0000"/>
+                </a:solidFill>
+                <a:latin typeface="Times New Roman" panose="02020603050405020304" pitchFamily="18" charset="0"/>
+                <a:cs typeface="Times New Roman" panose="02020603050405020304" pitchFamily="18" charset="0"/>
+              </a:rPr>
+              <a:t>DESCRIPTION OF THE TOOLS USED</a:t>
+            </a:r>
+            <a:endParaRPr lang="fr-FR" b="1" dirty="0">
+              <a:solidFill>
+                <a:srgbClr val="FF0000"/>
+              </a:solidFill>
+              <a:latin typeface="Times New Roman" panose="02020603050405020304" pitchFamily="18" charset="0"/>
+              <a:cs typeface="Times New Roman" panose="02020603050405020304" pitchFamily="18" charset="0"/>
+            </a:endParaRPr>
+          </a:p>
+        </p:txBody>
+      </p:sp>
+      <p:pic>
+        <p:nvPicPr>
+          <p:cNvPr id="13" name="Espace réservé du contenu 12"/>
+          <p:cNvPicPr>
+            <a:picLocks noGrp="1" noChangeAspect="1"/>
+          </p:cNvPicPr>
+          <p:nvPr>
+            <p:ph idx="1"/>
+          </p:nvPr>
+        </p:nvPicPr>
+        <p:blipFill rotWithShape="1">
+          <a:blip r:embed="rId2" cstate="print">
+            <a:extLst>
+              <a:ext uri="{28A0092B-C50C-407E-A947-70E740481C1C}">
+                <a14:useLocalDpi xmlns:a14="http://schemas.microsoft.com/office/drawing/2010/main" val="0"/>
+              </a:ext>
+            </a:extLst>
+          </a:blip>
+          <a:srcRect l="20293" t="15592" r="19246" b="10051"/>
+          <a:stretch/>
+        </p:blipFill>
+        <p:spPr>
+          <a:xfrm>
+            <a:off x="9153963" y="1204999"/>
+            <a:ext cx="1927275" cy="1983545"/>
+          </a:xfrm>
+        </p:spPr>
+      </p:pic>
+      <p:pic>
+        <p:nvPicPr>
+          <p:cNvPr id="14" name="Image 13"/>
+          <p:cNvPicPr>
+            <a:picLocks noChangeAspect="1"/>
+          </p:cNvPicPr>
+          <p:nvPr/>
+        </p:nvPicPr>
+        <p:blipFill rotWithShape="1">
+          <a:blip r:embed="rId3" cstate="print">
+            <a:extLst>
+              <a:ext uri="{28A0092B-C50C-407E-A947-70E740481C1C}">
+                <a14:useLocalDpi xmlns:a14="http://schemas.microsoft.com/office/drawing/2010/main" val="0"/>
+              </a:ext>
+            </a:extLst>
+          </a:blip>
+          <a:srcRect t="11348" b="12057"/>
+          <a:stretch/>
+        </p:blipFill>
+        <p:spPr>
+          <a:xfrm>
+            <a:off x="5927187" y="1384558"/>
+            <a:ext cx="2368062" cy="1392703"/>
+          </a:xfrm>
+          <a:prstGeom prst="rect">
+            <a:avLst/>
+          </a:prstGeom>
+        </p:spPr>
+      </p:pic>
+      <p:pic>
+        <p:nvPicPr>
+          <p:cNvPr id="15" name="Image 14"/>
+          <p:cNvPicPr>
+            <a:picLocks noChangeAspect="1"/>
+          </p:cNvPicPr>
+          <p:nvPr/>
+        </p:nvPicPr>
+        <p:blipFill>
+          <a:blip r:embed="rId4">
             <a:extLst>
               <a:ext uri="{28A0092B-C50C-407E-A947-70E740481C1C}">
                 <a14:useLocalDpi xmlns:a14="http://schemas.microsoft.com/office/drawing/2010/main" val="0"/>
@@ -8861,8 +5746,186 @@
         </p:blipFill>
         <p:spPr>
           <a:xfrm>
-            <a:off x="295421" y="1713051"/>
-            <a:ext cx="11648049" cy="4997237"/>
+            <a:off x="2984988" y="1260854"/>
+            <a:ext cx="2647950" cy="1724025"/>
+          </a:xfrm>
+          <a:prstGeom prst="rect">
+            <a:avLst/>
+          </a:prstGeom>
+        </p:spPr>
+      </p:pic>
+      <p:pic>
+        <p:nvPicPr>
+          <p:cNvPr id="16" name="Image 15"/>
+          <p:cNvPicPr>
+            <a:picLocks noChangeAspect="1"/>
+          </p:cNvPicPr>
+          <p:nvPr/>
+        </p:nvPicPr>
+        <p:blipFill>
+          <a:blip r:embed="rId5">
+            <a:extLst>
+              <a:ext uri="{28A0092B-C50C-407E-A947-70E740481C1C}">
+                <a14:useLocalDpi xmlns:a14="http://schemas.microsoft.com/office/drawing/2010/main" val="0"/>
+              </a:ext>
+            </a:extLst>
+          </a:blip>
+          <a:stretch>
+            <a:fillRect/>
+          </a:stretch>
+        </p:blipFill>
+        <p:spPr>
+          <a:xfrm>
+            <a:off x="681404" y="1204999"/>
+            <a:ext cx="1905000" cy="1905000"/>
+          </a:xfrm>
+          <a:prstGeom prst="rect">
+            <a:avLst/>
+          </a:prstGeom>
+        </p:spPr>
+      </p:pic>
+      <p:pic>
+        <p:nvPicPr>
+          <p:cNvPr id="17" name="Image 16"/>
+          <p:cNvPicPr>
+            <a:picLocks noChangeAspect="1"/>
+          </p:cNvPicPr>
+          <p:nvPr/>
+        </p:nvPicPr>
+        <p:blipFill rotWithShape="1">
+          <a:blip r:embed="rId6">
+            <a:extLst>
+              <a:ext uri="{28A0092B-C50C-407E-A947-70E740481C1C}">
+                <a14:useLocalDpi xmlns:a14="http://schemas.microsoft.com/office/drawing/2010/main" val="0"/>
+              </a:ext>
+            </a:extLst>
+          </a:blip>
+          <a:srcRect l="17048" t="32588" r="11863" b="22614"/>
+          <a:stretch/>
+        </p:blipFill>
+        <p:spPr>
+          <a:xfrm>
+            <a:off x="323409" y="3057111"/>
+            <a:ext cx="3985554" cy="1800666"/>
+          </a:xfrm>
+          <a:prstGeom prst="rect">
+            <a:avLst/>
+          </a:prstGeom>
+        </p:spPr>
+      </p:pic>
+      <p:pic>
+        <p:nvPicPr>
+          <p:cNvPr id="4" name="Image 3"/>
+          <p:cNvPicPr>
+            <a:picLocks noChangeAspect="1"/>
+          </p:cNvPicPr>
+          <p:nvPr/>
+        </p:nvPicPr>
+        <p:blipFill>
+          <a:blip r:embed="rId7">
+            <a:extLst>
+              <a:ext uri="{28A0092B-C50C-407E-A947-70E740481C1C}">
+                <a14:useLocalDpi xmlns:a14="http://schemas.microsoft.com/office/drawing/2010/main" val="0"/>
+              </a:ext>
+            </a:extLst>
+          </a:blip>
+          <a:stretch>
+            <a:fillRect/>
+          </a:stretch>
+        </p:blipFill>
+        <p:spPr>
+          <a:xfrm>
+            <a:off x="8486327" y="3411221"/>
+            <a:ext cx="3601329" cy="1656327"/>
+          </a:xfrm>
+          <a:prstGeom prst="rect">
+            <a:avLst/>
+          </a:prstGeom>
+        </p:spPr>
+      </p:pic>
+      <p:pic>
+        <p:nvPicPr>
+          <p:cNvPr id="6" name="Image 5"/>
+          <p:cNvPicPr>
+            <a:picLocks noChangeAspect="1"/>
+          </p:cNvPicPr>
+          <p:nvPr/>
+        </p:nvPicPr>
+        <p:blipFill>
+          <a:blip r:embed="rId8">
+            <a:extLst>
+              <a:ext uri="{28A0092B-C50C-407E-A947-70E740481C1C}">
+                <a14:useLocalDpi xmlns:a14="http://schemas.microsoft.com/office/drawing/2010/main" val="0"/>
+              </a:ext>
+            </a:extLst>
+          </a:blip>
+          <a:stretch>
+            <a:fillRect/>
+          </a:stretch>
+        </p:blipFill>
+        <p:spPr>
+          <a:xfrm>
+            <a:off x="5479951" y="2563614"/>
+            <a:ext cx="2472397" cy="2359493"/>
+          </a:xfrm>
+          <a:prstGeom prst="rect">
+            <a:avLst/>
+          </a:prstGeom>
+        </p:spPr>
+      </p:pic>
+      <p:pic>
+        <p:nvPicPr>
+          <p:cNvPr id="10" name="Image 9"/>
+          <p:cNvPicPr>
+            <a:picLocks noChangeAspect="1"/>
+          </p:cNvPicPr>
+          <p:nvPr/>
+        </p:nvPicPr>
+        <p:blipFill>
+          <a:blip r:embed="rId9">
+            <a:extLst>
+              <a:ext uri="{28A0092B-C50C-407E-A947-70E740481C1C}">
+                <a14:useLocalDpi xmlns:a14="http://schemas.microsoft.com/office/drawing/2010/main" val="0"/>
+              </a:ext>
+            </a:extLst>
+          </a:blip>
+          <a:stretch>
+            <a:fillRect/>
+          </a:stretch>
+        </p:blipFill>
+        <p:spPr>
+          <a:xfrm>
+            <a:off x="6096000" y="5145784"/>
+            <a:ext cx="3420208" cy="1526820"/>
+          </a:xfrm>
+          <a:prstGeom prst="rect">
+            <a:avLst/>
+          </a:prstGeom>
+        </p:spPr>
+      </p:pic>
+      <p:pic>
+        <p:nvPicPr>
+          <p:cNvPr id="11" name="Image 10"/>
+          <p:cNvPicPr>
+            <a:picLocks noChangeAspect="1"/>
+          </p:cNvPicPr>
+          <p:nvPr/>
+        </p:nvPicPr>
+        <p:blipFill rotWithShape="1">
+          <a:blip r:embed="rId10">
+            <a:extLst>
+              <a:ext uri="{28A0092B-C50C-407E-A947-70E740481C1C}">
+                <a14:useLocalDpi xmlns:a14="http://schemas.microsoft.com/office/drawing/2010/main" val="0"/>
+              </a:ext>
+            </a:extLst>
+          </a:blip>
+          <a:srcRect l="4755" t="21717" r="5927" b="22750"/>
+          <a:stretch/>
+        </p:blipFill>
+        <p:spPr>
+          <a:xfrm>
+            <a:off x="1580857" y="4923107"/>
+            <a:ext cx="3451273" cy="1788641"/>
           </a:xfrm>
           <a:prstGeom prst="rect">
             <a:avLst/>
@@ -8872,7 +5935,7 @@
     </p:spTree>
     <p:extLst>
       <p:ext uri="{BB962C8B-B14F-4D97-AF65-F5344CB8AC3E}">
-        <p14:creationId xmlns:p14="http://schemas.microsoft.com/office/powerpoint/2010/main" val="628049575"/>
+        <p14:creationId xmlns:p14="http://schemas.microsoft.com/office/powerpoint/2010/main" val="3121555623"/>
       </p:ext>
     </p:extLst>
   </p:cSld>
@@ -8906,6 +5969,33 @@
           <a:chExt cx="0" cy="0"/>
         </a:xfrm>
       </p:grpSpPr>
+      <p:pic>
+        <p:nvPicPr>
+          <p:cNvPr id="4" name="Espace réservé du contenu 3"/>
+          <p:cNvPicPr>
+            <a:picLocks noGrp="1" noChangeAspect="1"/>
+          </p:cNvPicPr>
+          <p:nvPr>
+            <p:ph idx="1"/>
+          </p:nvPr>
+        </p:nvPicPr>
+        <p:blipFill rotWithShape="1">
+          <a:blip r:embed="rId2">
+            <a:extLst>
+              <a:ext uri="{28A0092B-C50C-407E-A947-70E740481C1C}">
+                <a14:useLocalDpi xmlns:a14="http://schemas.microsoft.com/office/drawing/2010/main" val="0"/>
+              </a:ext>
+            </a:extLst>
+          </a:blip>
+          <a:stretch/>
+        </p:blipFill>
+        <p:spPr>
+          <a:xfrm>
+            <a:off x="0" y="0"/>
+            <a:ext cx="12192000" cy="6858000"/>
+          </a:xfrm>
+        </p:spPr>
+      </p:pic>
       <p:sp>
         <p:nvSpPr>
           <p:cNvPr id="2" name="Titre 1"/>
@@ -8918,8 +6008,8 @@
         </p:nvSpPr>
         <p:spPr>
           <a:xfrm>
-            <a:off x="838200" y="154158"/>
-            <a:ext cx="10515600" cy="1325563"/>
+            <a:off x="838200" y="0"/>
+            <a:ext cx="10515600" cy="748153"/>
           </a:xfrm>
         </p:spPr>
         <p:txBody>
@@ -8928,14 +6018,14 @@
           <a:p>
             <a:pPr algn="ctr"/>
             <a:r>
-              <a:rPr lang="en-US" b="1" dirty="0" smtClean="0">
+              <a:rPr lang="fr-FR" b="1" dirty="0" smtClean="0">
                 <a:solidFill>
                   <a:srgbClr val="FF0000"/>
                 </a:solidFill>
                 <a:latin typeface="Times New Roman" panose="02020603050405020304" pitchFamily="18" charset="0"/>
                 <a:cs typeface="Times New Roman" panose="02020603050405020304" pitchFamily="18" charset="0"/>
               </a:rPr>
-              <a:t>DESCRIPTION OF THE TOOLS USED</a:t>
+              <a:t>APPLICATION PRESENTATION</a:t>
             </a:r>
             <a:endParaRPr lang="fr-FR" b="1" dirty="0">
               <a:solidFill>
@@ -8949,263 +6039,27 @@
       </p:sp>
       <p:pic>
         <p:nvPicPr>
-          <p:cNvPr id="13" name="Espace réservé du contenu 12"/>
+          <p:cNvPr id="5" name="Image 4"/>
           <p:cNvPicPr>
-            <a:picLocks noGrp="1" noChangeAspect="1"/>
+            <a:picLocks noChangeAspect="1"/>
           </p:cNvPicPr>
-          <p:nvPr>
-            <p:ph idx="1"/>
-          </p:nvPr>
+          <p:nvPr/>
         </p:nvPicPr>
         <p:blipFill rotWithShape="1">
-          <a:blip r:embed="rId2" cstate="print">
+          <a:blip r:embed="rId3">
             <a:extLst>
               <a:ext uri="{28A0092B-C50C-407E-A947-70E740481C1C}">
                 <a14:useLocalDpi xmlns:a14="http://schemas.microsoft.com/office/drawing/2010/main" val="0"/>
               </a:ext>
             </a:extLst>
           </a:blip>
-          <a:srcRect l="20293" t="15592" r="19246" b="10051"/>
+          <a:srcRect l="10715" t="11691" r="11304" b="46462"/>
           <a:stretch/>
         </p:blipFill>
         <p:spPr>
           <a:xfrm>
-            <a:off x="9153963" y="1204999"/>
-            <a:ext cx="1927275" cy="1983545"/>
-          </a:xfrm>
-        </p:spPr>
-      </p:pic>
-      <p:pic>
-        <p:nvPicPr>
-          <p:cNvPr id="14" name="Image 13"/>
-          <p:cNvPicPr>
-            <a:picLocks noChangeAspect="1"/>
-          </p:cNvPicPr>
-          <p:nvPr/>
-        </p:nvPicPr>
-        <p:blipFill rotWithShape="1">
-          <a:blip r:embed="rId3" cstate="print">
-            <a:extLst>
-              <a:ext uri="{28A0092B-C50C-407E-A947-70E740481C1C}">
-                <a14:useLocalDpi xmlns:a14="http://schemas.microsoft.com/office/drawing/2010/main" val="0"/>
-              </a:ext>
-            </a:extLst>
-          </a:blip>
-          <a:srcRect t="11348" b="12057"/>
-          <a:stretch/>
-        </p:blipFill>
-        <p:spPr>
-          <a:xfrm>
-            <a:off x="5927187" y="1384558"/>
-            <a:ext cx="2368062" cy="1392703"/>
-          </a:xfrm>
-          <a:prstGeom prst="rect">
-            <a:avLst/>
-          </a:prstGeom>
-        </p:spPr>
-      </p:pic>
-      <p:pic>
-        <p:nvPicPr>
-          <p:cNvPr id="15" name="Image 14"/>
-          <p:cNvPicPr>
-            <a:picLocks noChangeAspect="1"/>
-          </p:cNvPicPr>
-          <p:nvPr/>
-        </p:nvPicPr>
-        <p:blipFill>
-          <a:blip r:embed="rId4">
-            <a:extLst>
-              <a:ext uri="{28A0092B-C50C-407E-A947-70E740481C1C}">
-                <a14:useLocalDpi xmlns:a14="http://schemas.microsoft.com/office/drawing/2010/main" val="0"/>
-              </a:ext>
-            </a:extLst>
-          </a:blip>
-          <a:stretch>
-            <a:fillRect/>
-          </a:stretch>
-        </p:blipFill>
-        <p:spPr>
-          <a:xfrm>
-            <a:off x="2984988" y="1260854"/>
-            <a:ext cx="2647950" cy="1724025"/>
-          </a:xfrm>
-          <a:prstGeom prst="rect">
-            <a:avLst/>
-          </a:prstGeom>
-        </p:spPr>
-      </p:pic>
-      <p:pic>
-        <p:nvPicPr>
-          <p:cNvPr id="16" name="Image 15"/>
-          <p:cNvPicPr>
-            <a:picLocks noChangeAspect="1"/>
-          </p:cNvPicPr>
-          <p:nvPr/>
-        </p:nvPicPr>
-        <p:blipFill>
-          <a:blip r:embed="rId5">
-            <a:extLst>
-              <a:ext uri="{28A0092B-C50C-407E-A947-70E740481C1C}">
-                <a14:useLocalDpi xmlns:a14="http://schemas.microsoft.com/office/drawing/2010/main" val="0"/>
-              </a:ext>
-            </a:extLst>
-          </a:blip>
-          <a:stretch>
-            <a:fillRect/>
-          </a:stretch>
-        </p:blipFill>
-        <p:spPr>
-          <a:xfrm>
-            <a:off x="681404" y="1204999"/>
-            <a:ext cx="1905000" cy="1905000"/>
-          </a:xfrm>
-          <a:prstGeom prst="rect">
-            <a:avLst/>
-          </a:prstGeom>
-        </p:spPr>
-      </p:pic>
-      <p:pic>
-        <p:nvPicPr>
-          <p:cNvPr id="17" name="Image 16"/>
-          <p:cNvPicPr>
-            <a:picLocks noChangeAspect="1"/>
-          </p:cNvPicPr>
-          <p:nvPr/>
-        </p:nvPicPr>
-        <p:blipFill rotWithShape="1">
-          <a:blip r:embed="rId6">
-            <a:extLst>
-              <a:ext uri="{28A0092B-C50C-407E-A947-70E740481C1C}">
-                <a14:useLocalDpi xmlns:a14="http://schemas.microsoft.com/office/drawing/2010/main" val="0"/>
-              </a:ext>
-            </a:extLst>
-          </a:blip>
-          <a:srcRect l="17048" t="32588" r="11863" b="22614"/>
-          <a:stretch/>
-        </p:blipFill>
-        <p:spPr>
-          <a:xfrm>
-            <a:off x="323409" y="3057111"/>
-            <a:ext cx="3985554" cy="1800666"/>
-          </a:xfrm>
-          <a:prstGeom prst="rect">
-            <a:avLst/>
-          </a:prstGeom>
-        </p:spPr>
-      </p:pic>
-      <p:pic>
-        <p:nvPicPr>
-          <p:cNvPr id="4" name="Image 3"/>
-          <p:cNvPicPr>
-            <a:picLocks noChangeAspect="1"/>
-          </p:cNvPicPr>
-          <p:nvPr/>
-        </p:nvPicPr>
-        <p:blipFill>
-          <a:blip r:embed="rId7">
-            <a:extLst>
-              <a:ext uri="{28A0092B-C50C-407E-A947-70E740481C1C}">
-                <a14:useLocalDpi xmlns:a14="http://schemas.microsoft.com/office/drawing/2010/main" val="0"/>
-              </a:ext>
-            </a:extLst>
-          </a:blip>
-          <a:stretch>
-            <a:fillRect/>
-          </a:stretch>
-        </p:blipFill>
-        <p:spPr>
-          <a:xfrm>
-            <a:off x="8486327" y="3411221"/>
-            <a:ext cx="3601329" cy="1656327"/>
-          </a:xfrm>
-          <a:prstGeom prst="rect">
-            <a:avLst/>
-          </a:prstGeom>
-        </p:spPr>
-      </p:pic>
-      <p:pic>
-        <p:nvPicPr>
-          <p:cNvPr id="6" name="Image 5"/>
-          <p:cNvPicPr>
-            <a:picLocks noChangeAspect="1"/>
-          </p:cNvPicPr>
-          <p:nvPr/>
-        </p:nvPicPr>
-        <p:blipFill>
-          <a:blip r:embed="rId8">
-            <a:extLst>
-              <a:ext uri="{28A0092B-C50C-407E-A947-70E740481C1C}">
-                <a14:useLocalDpi xmlns:a14="http://schemas.microsoft.com/office/drawing/2010/main" val="0"/>
-              </a:ext>
-            </a:extLst>
-          </a:blip>
-          <a:stretch>
-            <a:fillRect/>
-          </a:stretch>
-        </p:blipFill>
-        <p:spPr>
-          <a:xfrm>
-            <a:off x="5479951" y="2563614"/>
-            <a:ext cx="2472397" cy="2359493"/>
-          </a:xfrm>
-          <a:prstGeom prst="rect">
-            <a:avLst/>
-          </a:prstGeom>
-        </p:spPr>
-      </p:pic>
-      <p:pic>
-        <p:nvPicPr>
-          <p:cNvPr id="10" name="Image 9"/>
-          <p:cNvPicPr>
-            <a:picLocks noChangeAspect="1"/>
-          </p:cNvPicPr>
-          <p:nvPr/>
-        </p:nvPicPr>
-        <p:blipFill>
-          <a:blip r:embed="rId9">
-            <a:extLst>
-              <a:ext uri="{28A0092B-C50C-407E-A947-70E740481C1C}">
-                <a14:useLocalDpi xmlns:a14="http://schemas.microsoft.com/office/drawing/2010/main" val="0"/>
-              </a:ext>
-            </a:extLst>
-          </a:blip>
-          <a:stretch>
-            <a:fillRect/>
-          </a:stretch>
-        </p:blipFill>
-        <p:spPr>
-          <a:xfrm>
-            <a:off x="6096000" y="5145784"/>
-            <a:ext cx="3420208" cy="1526820"/>
-          </a:xfrm>
-          <a:prstGeom prst="rect">
-            <a:avLst/>
-          </a:prstGeom>
-        </p:spPr>
-      </p:pic>
-      <p:pic>
-        <p:nvPicPr>
-          <p:cNvPr id="11" name="Image 10"/>
-          <p:cNvPicPr>
-            <a:picLocks noChangeAspect="1"/>
-          </p:cNvPicPr>
-          <p:nvPr/>
-        </p:nvPicPr>
-        <p:blipFill rotWithShape="1">
-          <a:blip r:embed="rId10">
-            <a:extLst>
-              <a:ext uri="{28A0092B-C50C-407E-A947-70E740481C1C}">
-                <a14:useLocalDpi xmlns:a14="http://schemas.microsoft.com/office/drawing/2010/main" val="0"/>
-              </a:ext>
-            </a:extLst>
-          </a:blip>
-          <a:srcRect l="4755" t="21717" r="5927" b="22750"/>
-          <a:stretch/>
-        </p:blipFill>
-        <p:spPr>
-          <a:xfrm>
-            <a:off x="1580857" y="4923107"/>
-            <a:ext cx="3451273" cy="1788641"/>
+            <a:off x="4403188" y="970669"/>
+            <a:ext cx="3474720" cy="2082020"/>
           </a:xfrm>
           <a:prstGeom prst="rect">
             <a:avLst/>
@@ -9215,7 +6069,7 @@
     </p:spTree>
     <p:extLst>
       <p:ext uri="{BB962C8B-B14F-4D97-AF65-F5344CB8AC3E}">
-        <p14:creationId xmlns:p14="http://schemas.microsoft.com/office/powerpoint/2010/main" val="3121555623"/>
+        <p14:creationId xmlns:p14="http://schemas.microsoft.com/office/powerpoint/2010/main" val="1912357585"/>
       </p:ext>
     </p:extLst>
   </p:cSld>
@@ -9249,33 +6103,6 @@
           <a:chExt cx="0" cy="0"/>
         </a:xfrm>
       </p:grpSpPr>
-      <p:pic>
-        <p:nvPicPr>
-          <p:cNvPr id="4" name="Espace réservé du contenu 3"/>
-          <p:cNvPicPr>
-            <a:picLocks noGrp="1" noChangeAspect="1"/>
-          </p:cNvPicPr>
-          <p:nvPr>
-            <p:ph idx="1"/>
-          </p:nvPr>
-        </p:nvPicPr>
-        <p:blipFill rotWithShape="1">
-          <a:blip r:embed="rId2">
-            <a:extLst>
-              <a:ext uri="{28A0092B-C50C-407E-A947-70E740481C1C}">
-                <a14:useLocalDpi xmlns:a14="http://schemas.microsoft.com/office/drawing/2010/main" val="0"/>
-              </a:ext>
-            </a:extLst>
-          </a:blip>
-          <a:stretch/>
-        </p:blipFill>
-        <p:spPr>
-          <a:xfrm>
-            <a:off x="0" y="0"/>
-            <a:ext cx="12192000" cy="6858000"/>
-          </a:xfrm>
-        </p:spPr>
-      </p:pic>
       <p:sp>
         <p:nvSpPr>
           <p:cNvPr id="2" name="Titre 1"/>
@@ -9286,12 +6113,7 @@
             <p:ph type="title"/>
           </p:nvPr>
         </p:nvSpPr>
-        <p:spPr>
-          <a:xfrm>
-            <a:off x="838200" y="0"/>
-            <a:ext cx="10515600" cy="748153"/>
-          </a:xfrm>
-        </p:spPr>
+        <p:spPr/>
         <p:txBody>
           <a:bodyPr/>
           <a:lstStyle/>
@@ -9305,7 +6127,7 @@
                 <a:latin typeface="Times New Roman" panose="02020603050405020304" pitchFamily="18" charset="0"/>
                 <a:cs typeface="Times New Roman" panose="02020603050405020304" pitchFamily="18" charset="0"/>
               </a:rPr>
-              <a:t>APPLICATION PRESENTATION</a:t>
+              <a:t>UML DIAGRAMS</a:t>
             </a:r>
             <a:endParaRPr lang="fr-FR" b="1" dirty="0">
               <a:solidFill>
@@ -9317,39 +6139,106 @@
           </a:p>
         </p:txBody>
       </p:sp>
-      <p:pic>
-        <p:nvPicPr>
-          <p:cNvPr id="5" name="Image 4"/>
-          <p:cNvPicPr>
-            <a:picLocks noChangeAspect="1"/>
-          </p:cNvPicPr>
-          <p:nvPr/>
-        </p:nvPicPr>
-        <p:blipFill rotWithShape="1">
-          <a:blip r:embed="rId3">
-            <a:extLst>
-              <a:ext uri="{28A0092B-C50C-407E-A947-70E740481C1C}">
-                <a14:useLocalDpi xmlns:a14="http://schemas.microsoft.com/office/drawing/2010/main" val="0"/>
-              </a:ext>
-            </a:extLst>
-          </a:blip>
-          <a:srcRect l="10715" t="11691" r="11304" b="46462"/>
-          <a:stretch/>
-        </p:blipFill>
-        <p:spPr>
-          <a:xfrm>
-            <a:off x="4403188" y="970669"/>
-            <a:ext cx="3474720" cy="2082020"/>
-          </a:xfrm>
-          <a:prstGeom prst="rect">
-            <a:avLst/>
-          </a:prstGeom>
-        </p:spPr>
-      </p:pic>
+      <p:sp>
+        <p:nvSpPr>
+          <p:cNvPr id="3" name="Espace réservé du contenu 2"/>
+          <p:cNvSpPr>
+            <a:spLocks noGrp="1"/>
+          </p:cNvSpPr>
+          <p:nvPr>
+            <p:ph idx="1"/>
+          </p:nvPr>
+        </p:nvSpPr>
+        <p:spPr/>
+        <p:txBody>
+          <a:bodyPr>
+            <a:normAutofit/>
+          </a:bodyPr>
+          <a:lstStyle/>
+          <a:p>
+            <a:r>
+              <a:rPr lang="pt-BR" b="1" dirty="0">
+                <a:latin typeface="Times New Roman" panose="02020603050405020304" pitchFamily="18" charset="0"/>
+                <a:cs typeface="Times New Roman" panose="02020603050405020304" pitchFamily="18" charset="0"/>
+              </a:rPr>
+              <a:t>Class </a:t>
+            </a:r>
+            <a:r>
+              <a:rPr lang="pt-BR" b="1" dirty="0" smtClean="0">
+                <a:latin typeface="Times New Roman" panose="02020603050405020304" pitchFamily="18" charset="0"/>
+                <a:cs typeface="Times New Roman" panose="02020603050405020304" pitchFamily="18" charset="0"/>
+              </a:rPr>
+              <a:t>diagrams</a:t>
+            </a:r>
+          </a:p>
+          <a:p>
+            <a:endParaRPr lang="pt-BR" b="1" dirty="0">
+              <a:latin typeface="Times New Roman" panose="02020603050405020304" pitchFamily="18" charset="0"/>
+              <a:cs typeface="Times New Roman" panose="02020603050405020304" pitchFamily="18" charset="0"/>
+            </a:endParaRPr>
+          </a:p>
+          <a:p>
+            <a:r>
+              <a:rPr lang="pt-BR" b="1" dirty="0">
+                <a:latin typeface="Times New Roman" panose="02020603050405020304" pitchFamily="18" charset="0"/>
+                <a:cs typeface="Times New Roman" panose="02020603050405020304" pitchFamily="18" charset="0"/>
+              </a:rPr>
+              <a:t>Package </a:t>
+            </a:r>
+            <a:r>
+              <a:rPr lang="pt-BR" b="1" dirty="0" smtClean="0">
+                <a:latin typeface="Times New Roman" panose="02020603050405020304" pitchFamily="18" charset="0"/>
+                <a:cs typeface="Times New Roman" panose="02020603050405020304" pitchFamily="18" charset="0"/>
+              </a:rPr>
+              <a:t>diagram</a:t>
+            </a:r>
+          </a:p>
+          <a:p>
+            <a:endParaRPr lang="pt-BR" b="1" dirty="0">
+              <a:latin typeface="Times New Roman" panose="02020603050405020304" pitchFamily="18" charset="0"/>
+              <a:cs typeface="Times New Roman" panose="02020603050405020304" pitchFamily="18" charset="0"/>
+            </a:endParaRPr>
+          </a:p>
+          <a:p>
+            <a:r>
+              <a:rPr lang="pt-BR" b="1" dirty="0">
+                <a:latin typeface="Times New Roman" panose="02020603050405020304" pitchFamily="18" charset="0"/>
+                <a:cs typeface="Times New Roman" panose="02020603050405020304" pitchFamily="18" charset="0"/>
+              </a:rPr>
+              <a:t>Sequence </a:t>
+            </a:r>
+            <a:r>
+              <a:rPr lang="pt-BR" b="1" dirty="0" smtClean="0">
+                <a:latin typeface="Times New Roman" panose="02020603050405020304" pitchFamily="18" charset="0"/>
+                <a:cs typeface="Times New Roman" panose="02020603050405020304" pitchFamily="18" charset="0"/>
+              </a:rPr>
+              <a:t>diagram</a:t>
+            </a:r>
+          </a:p>
+          <a:p>
+            <a:endParaRPr lang="pt-BR" b="1" dirty="0">
+              <a:latin typeface="Times New Roman" panose="02020603050405020304" pitchFamily="18" charset="0"/>
+              <a:cs typeface="Times New Roman" panose="02020603050405020304" pitchFamily="18" charset="0"/>
+            </a:endParaRPr>
+          </a:p>
+          <a:p>
+            <a:r>
+              <a:rPr lang="pt-BR" b="1" dirty="0">
+                <a:latin typeface="Times New Roman" panose="02020603050405020304" pitchFamily="18" charset="0"/>
+                <a:cs typeface="Times New Roman" panose="02020603050405020304" pitchFamily="18" charset="0"/>
+              </a:rPr>
+              <a:t>Component diagram</a:t>
+            </a:r>
+          </a:p>
+          <a:p>
+            <a:endParaRPr lang="fr-FR" dirty="0"/>
+          </a:p>
+        </p:txBody>
+      </p:sp>
     </p:spTree>
     <p:extLst>
       <p:ext uri="{BB962C8B-B14F-4D97-AF65-F5344CB8AC3E}">
-        <p14:creationId xmlns:p14="http://schemas.microsoft.com/office/powerpoint/2010/main" val="1912357585"/>
+        <p14:creationId xmlns:p14="http://schemas.microsoft.com/office/powerpoint/2010/main" val="1758608868"/>
       </p:ext>
     </p:extLst>
   </p:cSld>
